--- a/slides/07-grammar-of-graphics-color.pptx
+++ b/slides/07-grammar-of-graphics-color.pptx
@@ -5,20 +5,35 @@
     <p:sldMasterId id="2147483852" r:id="rId1"/>
   </p:sldMasterIdLst>
   <p:notesMasterIdLst>
-    <p:notesMasterId r:id="rId13"/>
+    <p:notesMasterId r:id="rId28"/>
   </p:notesMasterIdLst>
   <p:sldIdLst>
     <p:sldId id="256" r:id="rId2"/>
     <p:sldId id="257" r:id="rId3"/>
-    <p:sldId id="258" r:id="rId4"/>
-    <p:sldId id="259" r:id="rId5"/>
-    <p:sldId id="260" r:id="rId6"/>
-    <p:sldId id="267" r:id="rId7"/>
-    <p:sldId id="264" r:id="rId8"/>
-    <p:sldId id="266" r:id="rId9"/>
-    <p:sldId id="265" r:id="rId10"/>
-    <p:sldId id="269" r:id="rId11"/>
-    <p:sldId id="270" r:id="rId12"/>
+    <p:sldId id="267" r:id="rId4"/>
+    <p:sldId id="271" r:id="rId5"/>
+    <p:sldId id="273" r:id="rId6"/>
+    <p:sldId id="265" r:id="rId7"/>
+    <p:sldId id="272" r:id="rId8"/>
+    <p:sldId id="278" r:id="rId9"/>
+    <p:sldId id="274" r:id="rId10"/>
+    <p:sldId id="276" r:id="rId11"/>
+    <p:sldId id="275" r:id="rId12"/>
+    <p:sldId id="277" r:id="rId13"/>
+    <p:sldId id="279" r:id="rId14"/>
+    <p:sldId id="280" r:id="rId15"/>
+    <p:sldId id="281" r:id="rId16"/>
+    <p:sldId id="282" r:id="rId17"/>
+    <p:sldId id="283" r:id="rId18"/>
+    <p:sldId id="284" r:id="rId19"/>
+    <p:sldId id="285" r:id="rId20"/>
+    <p:sldId id="286" r:id="rId21"/>
+    <p:sldId id="287" r:id="rId22"/>
+    <p:sldId id="288" r:id="rId23"/>
+    <p:sldId id="289" r:id="rId24"/>
+    <p:sldId id="290" r:id="rId25"/>
+    <p:sldId id="291" r:id="rId26"/>
+    <p:sldId id="270" r:id="rId27"/>
   </p:sldIdLst>
   <p:sldSz cx="12192000" cy="6858000"/>
   <p:notesSz cx="6858000" cy="9144000"/>
@@ -207,7 +222,7 @@
           <a:p>
             <a:fld id="{9C3DEDD4-2C78-554A-AEF5-E26038B7904F}" type="datetimeFigureOut">
               <a:rPr lang="en-US" smtClean="0"/>
-              <a:t>9/20/23</a:t>
+              <a:t>9/26/23</a:t>
             </a:fld>
             <a:endParaRPr lang="en-US"/>
           </a:p>
@@ -699,7 +714,7 @@
             <a:fld id="{5586B75A-687E-405C-8A0B-8D00578BA2C3}" type="datetimeFigureOut">
               <a:rPr lang="en-US" smtClean="0"/>
               <a:pPr/>
-              <a:t>9/20/23</a:t>
+              <a:t>9/26/23</a:t>
             </a:fld>
             <a:endParaRPr lang="en-US" dirty="0"/>
           </a:p>
@@ -871,7 +886,7 @@
             <a:fld id="{5586B75A-687E-405C-8A0B-8D00578BA2C3}" type="datetimeFigureOut">
               <a:rPr lang="en-US" smtClean="0"/>
               <a:pPr/>
-              <a:t>9/20/23</a:t>
+              <a:t>9/26/23</a:t>
             </a:fld>
             <a:endParaRPr lang="en-US" dirty="0"/>
           </a:p>
@@ -1053,7 +1068,7 @@
             <a:fld id="{5586B75A-687E-405C-8A0B-8D00578BA2C3}" type="datetimeFigureOut">
               <a:rPr lang="en-US" smtClean="0"/>
               <a:pPr/>
-              <a:t>9/20/23</a:t>
+              <a:t>9/26/23</a:t>
             </a:fld>
             <a:endParaRPr lang="en-US" dirty="0"/>
           </a:p>
@@ -1225,7 +1240,7 @@
             <a:fld id="{5586B75A-687E-405C-8A0B-8D00578BA2C3}" type="datetimeFigureOut">
               <a:rPr lang="en-US" smtClean="0"/>
               <a:pPr/>
-              <a:t>9/20/23</a:t>
+              <a:t>9/26/23</a:t>
             </a:fld>
             <a:endParaRPr lang="en-US" dirty="0"/>
           </a:p>
@@ -1481,7 +1496,7 @@
             <a:fld id="{5586B75A-687E-405C-8A0B-8D00578BA2C3}" type="datetimeFigureOut">
               <a:rPr lang="en-US" smtClean="0"/>
               <a:pPr/>
-              <a:t>9/20/23</a:t>
+              <a:t>9/26/23</a:t>
             </a:fld>
             <a:endParaRPr lang="en-US" dirty="0"/>
           </a:p>
@@ -1771,7 +1786,7 @@
             <a:fld id="{5586B75A-687E-405C-8A0B-8D00578BA2C3}" type="datetimeFigureOut">
               <a:rPr lang="en-US" smtClean="0"/>
               <a:pPr/>
-              <a:t>9/20/23</a:t>
+              <a:t>9/26/23</a:t>
             </a:fld>
             <a:endParaRPr lang="en-US" dirty="0"/>
           </a:p>
@@ -2215,7 +2230,7 @@
             <a:fld id="{5586B75A-687E-405C-8A0B-8D00578BA2C3}" type="datetimeFigureOut">
               <a:rPr lang="en-US" smtClean="0"/>
               <a:pPr/>
-              <a:t>9/20/23</a:t>
+              <a:t>9/26/23</a:t>
             </a:fld>
             <a:endParaRPr lang="en-US" dirty="0"/>
           </a:p>
@@ -2335,7 +2350,7 @@
             <a:fld id="{5586B75A-687E-405C-8A0B-8D00578BA2C3}" type="datetimeFigureOut">
               <a:rPr lang="en-US" smtClean="0"/>
               <a:pPr/>
-              <a:t>9/20/23</a:t>
+              <a:t>9/26/23</a:t>
             </a:fld>
             <a:endParaRPr lang="en-US" dirty="0"/>
           </a:p>
@@ -2432,7 +2447,7 @@
             <a:fld id="{5586B75A-687E-405C-8A0B-8D00578BA2C3}" type="datetimeFigureOut">
               <a:rPr lang="en-US" smtClean="0"/>
               <a:pPr/>
-              <a:t>9/20/23</a:t>
+              <a:t>9/26/23</a:t>
             </a:fld>
             <a:endParaRPr lang="en-US" dirty="0"/>
           </a:p>
@@ -2722,7 +2737,7 @@
             <a:fld id="{5586B75A-687E-405C-8A0B-8D00578BA2C3}" type="datetimeFigureOut">
               <a:rPr lang="en-US" smtClean="0"/>
               <a:pPr/>
-              <a:t>9/20/23</a:t>
+              <a:t>9/26/23</a:t>
             </a:fld>
             <a:endParaRPr lang="en-US" dirty="0"/>
           </a:p>
@@ -2997,7 +3012,7 @@
             <a:fld id="{5586B75A-687E-405C-8A0B-8D00578BA2C3}" type="datetimeFigureOut">
               <a:rPr lang="en-US" smtClean="0"/>
               <a:pPr/>
-              <a:t>9/20/23</a:t>
+              <a:t>9/26/23</a:t>
             </a:fld>
             <a:endParaRPr lang="en-US" dirty="0"/>
           </a:p>
@@ -3296,7 +3311,7 @@
             <a:fld id="{5586B75A-687E-405C-8A0B-8D00578BA2C3}" type="datetimeFigureOut">
               <a:rPr lang="en-US" smtClean="0"/>
               <a:pPr/>
-              <a:t>9/20/23</a:t>
+              <a:t>9/26/23</a:t>
             </a:fld>
             <a:endParaRPr lang="en-US" dirty="0"/>
           </a:p>
@@ -3911,36 +3926,6 @@
           <a:chExt cx="0" cy="0"/>
         </a:xfrm>
       </p:grpSpPr>
-      <p:pic>
-        <p:nvPicPr>
-          <p:cNvPr id="4" name="Picture 3">
-            <a:extLst>
-              <a:ext uri="{FF2B5EF4-FFF2-40B4-BE49-F238E27FC236}">
-                <a16:creationId xmlns:a16="http://schemas.microsoft.com/office/drawing/2014/main" id="{07923A24-466A-29F2-6D37-F7A9FC922C51}"/>
-              </a:ext>
-            </a:extLst>
-          </p:cNvPr>
-          <p:cNvPicPr>
-            <a:picLocks noChangeAspect="1"/>
-          </p:cNvPicPr>
-          <p:nvPr/>
-        </p:nvPicPr>
-        <p:blipFill>
-          <a:blip r:embed="rId2"/>
-          <a:stretch>
-            <a:fillRect/>
-          </a:stretch>
-        </p:blipFill>
-        <p:spPr>
-          <a:xfrm>
-            <a:off x="641927" y="2252869"/>
-            <a:ext cx="2032000" cy="2352261"/>
-          </a:xfrm>
-          <a:prstGeom prst="rect">
-            <a:avLst/>
-          </a:prstGeom>
-        </p:spPr>
-      </p:pic>
       <p:sp>
         <p:nvSpPr>
           <p:cNvPr id="3" name="Content Placeholder 2">
@@ -3957,7 +3942,12 @@
             <p:ph idx="1"/>
           </p:nvPr>
         </p:nvSpPr>
-        <p:spPr/>
+        <p:spPr>
+          <a:xfrm>
+            <a:off x="3869268" y="164123"/>
+            <a:ext cx="7315200" cy="5820625"/>
+          </a:xfrm>
+        </p:spPr>
         <p:txBody>
           <a:bodyPr anchor="t">
             <a:normAutofit/>
@@ -3969,39 +3959,17 @@
             </a:pPr>
             <a:r>
               <a:rPr lang="en-US" sz="3200" b="1" dirty="0"/>
-              <a:t>Geometric Objects (</a:t>
-            </a:r>
-            <a:r>
-              <a:rPr lang="en-US" sz="3200" b="1" dirty="0" err="1">
-                <a:latin typeface="Courier" pitchFamily="2" charset="0"/>
-              </a:rPr>
-              <a:t>geom</a:t>
-            </a:r>
-            <a:r>
-              <a:rPr lang="en-US" sz="3200" b="1" dirty="0"/>
-              <a:t>) + Aesthetics</a:t>
-            </a:r>
-          </a:p>
-          <a:p>
-            <a:r>
-              <a:rPr lang="en-US" sz="2800" dirty="0"/>
-              <a:t>Apply aesthetics to geometric objects </a:t>
-            </a:r>
-          </a:p>
-          <a:p>
-            <a:r>
-              <a:rPr lang="en-US" sz="2800" dirty="0"/>
-              <a:t>Ex. Color points </a:t>
-            </a:r>
-          </a:p>
-        </p:txBody>
-      </p:sp>
-      <p:sp>
-        <p:nvSpPr>
-          <p:cNvPr id="8" name="Rectangle 7">
+              <a:t>Simple Scatterplot</a:t>
+            </a:r>
+          </a:p>
+        </p:txBody>
+      </p:sp>
+      <p:sp>
+        <p:nvSpPr>
+          <p:cNvPr id="6" name="Rectangle 5">
             <a:extLst>
               <a:ext uri="{FF2B5EF4-FFF2-40B4-BE49-F238E27FC236}">
-                <a16:creationId xmlns:a16="http://schemas.microsoft.com/office/drawing/2014/main" id="{A6260A96-F4A3-255F-3DC9-F1C23F88E8EE}"/>
+                <a16:creationId xmlns:a16="http://schemas.microsoft.com/office/drawing/2014/main" id="{54620B49-A9F4-71F9-F0AE-01652290CAC1}"/>
               </a:ext>
             </a:extLst>
           </p:cNvPr>
@@ -4010,8 +3978,8 @@
         </p:nvSpPr>
         <p:spPr>
           <a:xfrm>
-            <a:off x="3491342" y="2446831"/>
-            <a:ext cx="8603673" cy="843622"/>
+            <a:off x="503766" y="679554"/>
+            <a:ext cx="11184468" cy="1962981"/>
           </a:xfrm>
           <a:prstGeom prst="rect">
             <a:avLst/>
@@ -4046,7 +4014,40 @@
           <a:lstStyle/>
           <a:p>
             <a:r>
-              <a:rPr lang="en-US" sz="2000" dirty="0" err="1">
+              <a:rPr lang="en-US" sz="2400" dirty="0">
+                <a:solidFill>
+                  <a:srgbClr val="00B050"/>
+                </a:solidFill>
+                <a:latin typeface="Courier" pitchFamily="2" charset="0"/>
+              </a:rPr>
+              <a:t># filter</a:t>
+            </a:r>
+          </a:p>
+          <a:p>
+            <a:r>
+              <a:rPr lang="en-US" sz="2400" dirty="0">
+                <a:solidFill>
+                  <a:schemeClr val="tx1"/>
+                </a:solidFill>
+                <a:latin typeface="Courier" pitchFamily="2" charset="0"/>
+              </a:rPr>
+              <a:t>hp2013Q1 &lt;- housing %&gt;% filter(Date == 2013.25) </a:t>
+            </a:r>
+          </a:p>
+          <a:p>
+            <a:r>
+              <a:rPr lang="en-US" sz="2400" dirty="0">
+                <a:solidFill>
+                  <a:srgbClr val="00B050"/>
+                </a:solidFill>
+                <a:latin typeface="Courier" pitchFamily="2" charset="0"/>
+              </a:rPr>
+              <a:t># plot </a:t>
+            </a:r>
+          </a:p>
+          <a:p>
+            <a:r>
+              <a:rPr lang="en-US" sz="2400" dirty="0" err="1">
                 <a:solidFill>
                   <a:schemeClr val="tx1"/>
                 </a:solidFill>
@@ -4055,16 +4056,16 @@
               <a:t>ggplot</a:t>
             </a:r>
             <a:r>
-              <a:rPr lang="en-US" sz="2000" dirty="0">
-                <a:solidFill>
-                  <a:schemeClr val="tx1"/>
-                </a:solidFill>
-                <a:latin typeface="Courier" pitchFamily="2" charset="0"/>
-              </a:rPr>
-              <a:t>(iris, </a:t>
-            </a:r>
-            <a:r>
-              <a:rPr lang="en-US" sz="2000" dirty="0" err="1">
+              <a:rPr lang="en-US" sz="2400" dirty="0">
+                <a:solidFill>
+                  <a:schemeClr val="tx1"/>
+                </a:solidFill>
+                <a:latin typeface="Courier" pitchFamily="2" charset="0"/>
+              </a:rPr>
+              <a:t>(hp2013Q1, </a:t>
+            </a:r>
+            <a:r>
+              <a:rPr lang="en-US" sz="2400" dirty="0" err="1">
                 <a:solidFill>
                   <a:schemeClr val="tx1"/>
                 </a:solidFill>
@@ -4073,7 +4074,7 @@
               <a:t>aes</a:t>
             </a:r>
             <a:r>
-              <a:rPr lang="en-US" sz="2000" dirty="0">
+              <a:rPr lang="en-US" sz="2400" dirty="0">
                 <a:solidFill>
                   <a:schemeClr val="tx1"/>
                 </a:solidFill>
@@ -4082,16 +4083,16 @@
               <a:t>(x = </a:t>
             </a:r>
             <a:r>
-              <a:rPr lang="en-US" sz="2000" dirty="0" err="1">
-                <a:solidFill>
-                  <a:schemeClr val="tx1"/>
-                </a:solidFill>
-                <a:latin typeface="Courier" pitchFamily="2" charset="0"/>
-              </a:rPr>
-              <a:t>Sepal.Length</a:t>
-            </a:r>
-            <a:r>
-              <a:rPr lang="en-US" sz="2000" dirty="0">
+              <a:rPr lang="en-US" sz="2400" dirty="0" err="1">
+                <a:solidFill>
+                  <a:schemeClr val="tx1"/>
+                </a:solidFill>
+                <a:latin typeface="Courier" pitchFamily="2" charset="0"/>
+              </a:rPr>
+              <a:t>Land.Value</a:t>
+            </a:r>
+            <a:r>
+              <a:rPr lang="en-US" sz="2400" dirty="0">
                 <a:solidFill>
                   <a:schemeClr val="tx1"/>
                 </a:solidFill>
@@ -4100,16 +4101,16 @@
               <a:t>, y = </a:t>
             </a:r>
             <a:r>
-              <a:rPr lang="en-US" sz="2000" dirty="0" err="1">
-                <a:solidFill>
-                  <a:schemeClr val="tx1"/>
-                </a:solidFill>
-                <a:latin typeface="Courier" pitchFamily="2" charset="0"/>
-              </a:rPr>
-              <a:t>Petal.Length</a:t>
-            </a:r>
-            <a:r>
-              <a:rPr lang="en-US" sz="2000" dirty="0">
+              <a:rPr lang="en-US" sz="2400" dirty="0" err="1">
+                <a:solidFill>
+                  <a:schemeClr val="tx1"/>
+                </a:solidFill>
+                <a:latin typeface="Courier" pitchFamily="2" charset="0"/>
+              </a:rPr>
+              <a:t>Structure.Cost</a:t>
+            </a:r>
+            <a:r>
+              <a:rPr lang="en-US" sz="2400" dirty="0">
                 <a:solidFill>
                   <a:schemeClr val="tx1"/>
                 </a:solidFill>
@@ -4120,16 +4121,16 @@
           </a:p>
           <a:p>
             <a:r>
-              <a:rPr lang="en-US" sz="2000" dirty="0">
-                <a:solidFill>
-                  <a:schemeClr val="tx1"/>
-                </a:solidFill>
-                <a:latin typeface="Courier" pitchFamily="2" charset="0"/>
-              </a:rPr>
-              <a:t>	</a:t>
-            </a:r>
-            <a:r>
-              <a:rPr lang="en-US" sz="2000" dirty="0" err="1">
+              <a:rPr lang="en-US" sz="2400" dirty="0">
+                <a:solidFill>
+                  <a:schemeClr val="tx1"/>
+                </a:solidFill>
+                <a:latin typeface="Courier" pitchFamily="2" charset="0"/>
+              </a:rPr>
+              <a:t>  </a:t>
+            </a:r>
+            <a:r>
+              <a:rPr lang="en-US" sz="2400" dirty="0" err="1">
                 <a:solidFill>
                   <a:schemeClr val="tx1"/>
                 </a:solidFill>
@@ -4138,7 +4139,7 @@
               <a:t>geom_point</a:t>
             </a:r>
             <a:r>
-              <a:rPr lang="en-US" sz="2000" dirty="0">
+              <a:rPr lang="en-US" sz="2400" dirty="0">
                 <a:solidFill>
                   <a:schemeClr val="tx1"/>
                 </a:solidFill>
@@ -4147,32 +4148,758 @@
               <a:t>(</a:t>
             </a:r>
             <a:r>
-              <a:rPr lang="en-US" sz="2000" dirty="0" err="1">
-                <a:solidFill>
-                  <a:schemeClr val="tx1"/>
-                </a:solidFill>
+              <a:rPr lang="en-US" sz="2400" dirty="0" err="1">
+                <a:solidFill>
+                  <a:schemeClr val="tx1"/>
+                </a:solidFill>
+                <a:highlight>
+                  <a:srgbClr val="FFFF00"/>
+                </a:highlight>
                 <a:latin typeface="Courier" pitchFamily="2" charset="0"/>
               </a:rPr>
               <a:t>aes</a:t>
             </a:r>
             <a:r>
-              <a:rPr lang="en-US" sz="2000" dirty="0">
-                <a:solidFill>
-                  <a:schemeClr val="tx1"/>
-                </a:solidFill>
-                <a:latin typeface="Courier" pitchFamily="2" charset="0"/>
-              </a:rPr>
-              <a:t>(color = Species)) </a:t>
+              <a:rPr lang="en-US" sz="2400" dirty="0">
+                <a:solidFill>
+                  <a:schemeClr val="tx1"/>
+                </a:solidFill>
+                <a:highlight>
+                  <a:srgbClr val="FFFF00"/>
+                </a:highlight>
+                <a:latin typeface="Courier" pitchFamily="2" charset="0"/>
+              </a:rPr>
+              <a:t>(color = </a:t>
+            </a:r>
+            <a:r>
+              <a:rPr lang="en-US" sz="2400" dirty="0" err="1">
+                <a:solidFill>
+                  <a:schemeClr val="tx1"/>
+                </a:solidFill>
+                <a:highlight>
+                  <a:srgbClr val="FFFF00"/>
+                </a:highlight>
+                <a:latin typeface="Courier" pitchFamily="2" charset="0"/>
+              </a:rPr>
+              <a:t>Home.Value</a:t>
+            </a:r>
+            <a:r>
+              <a:rPr lang="en-US" sz="2400" dirty="0">
+                <a:solidFill>
+                  <a:schemeClr val="tx1"/>
+                </a:solidFill>
+                <a:highlight>
+                  <a:srgbClr val="FFFF00"/>
+                </a:highlight>
+                <a:latin typeface="Courier" pitchFamily="2" charset="0"/>
+              </a:rPr>
+              <a:t>)</a:t>
+            </a:r>
+            <a:r>
+              <a:rPr lang="en-US" sz="2400" dirty="0">
+                <a:solidFill>
+                  <a:schemeClr val="tx1"/>
+                </a:solidFill>
+                <a:latin typeface="Courier" pitchFamily="2" charset="0"/>
+              </a:rPr>
+              <a:t>)</a:t>
             </a:r>
           </a:p>
         </p:txBody>
       </p:sp>
       <p:pic>
         <p:nvPicPr>
-          <p:cNvPr id="6" name="Picture 5">
+          <p:cNvPr id="5" name="Picture 4" descr="A graph with dots and numbers&#10;&#10;Description automatically generated">
             <a:extLst>
               <a:ext uri="{FF2B5EF4-FFF2-40B4-BE49-F238E27FC236}">
-                <a16:creationId xmlns:a16="http://schemas.microsoft.com/office/drawing/2014/main" id="{3D2835D8-6EE3-CE00-68B6-97F5B8FB7569}"/>
+                <a16:creationId xmlns:a16="http://schemas.microsoft.com/office/drawing/2014/main" id="{04B7A788-4A6F-16BF-6F3B-926900EDB50F}"/>
+              </a:ext>
+            </a:extLst>
+          </p:cNvPr>
+          <p:cNvPicPr>
+            <a:picLocks noChangeAspect="1"/>
+          </p:cNvPicPr>
+          <p:nvPr/>
+        </p:nvPicPr>
+        <p:blipFill>
+          <a:blip r:embed="rId2"/>
+          <a:stretch>
+            <a:fillRect/>
+          </a:stretch>
+        </p:blipFill>
+        <p:spPr>
+          <a:xfrm>
+            <a:off x="2209800" y="2755513"/>
+            <a:ext cx="7772400" cy="3938364"/>
+          </a:xfrm>
+          <a:prstGeom prst="rect">
+            <a:avLst/>
+          </a:prstGeom>
+        </p:spPr>
+      </p:pic>
+    </p:spTree>
+    <p:extLst>
+      <p:ext uri="{BB962C8B-B14F-4D97-AF65-F5344CB8AC3E}">
+        <p14:creationId xmlns:p14="http://schemas.microsoft.com/office/powerpoint/2010/main" val="3817722116"/>
+      </p:ext>
+    </p:extLst>
+  </p:cSld>
+  <p:clrMapOvr>
+    <a:masterClrMapping/>
+  </p:clrMapOvr>
+</p:sld>
+</file>
+
+<file path=ppt/slides/slide11.xml><?xml version="1.0" encoding="utf-8"?>
+<p:sld xmlns:a="http://schemas.openxmlformats.org/drawingml/2006/main" xmlns:r="http://schemas.openxmlformats.org/officeDocument/2006/relationships" xmlns:p="http://schemas.openxmlformats.org/presentationml/2006/main">
+  <p:cSld>
+    <p:spTree>
+      <p:nvGrpSpPr>
+        <p:cNvPr id="1" name=""/>
+        <p:cNvGrpSpPr/>
+        <p:nvPr/>
+      </p:nvGrpSpPr>
+      <p:grpSpPr>
+        <a:xfrm>
+          <a:off x="0" y="0"/>
+          <a:ext cx="0" cy="0"/>
+          <a:chOff x="0" y="0"/>
+          <a:chExt cx="0" cy="0"/>
+        </a:xfrm>
+      </p:grpSpPr>
+      <p:sp>
+        <p:nvSpPr>
+          <p:cNvPr id="3" name="Content Placeholder 2">
+            <a:extLst>
+              <a:ext uri="{FF2B5EF4-FFF2-40B4-BE49-F238E27FC236}">
+                <a16:creationId xmlns:a16="http://schemas.microsoft.com/office/drawing/2014/main" id="{4EE4DF22-35E3-E520-9280-CCF576E15A29}"/>
+              </a:ext>
+            </a:extLst>
+          </p:cNvPr>
+          <p:cNvSpPr>
+            <a:spLocks noGrp="1"/>
+          </p:cNvSpPr>
+          <p:nvPr>
+            <p:ph idx="1"/>
+          </p:nvPr>
+        </p:nvSpPr>
+        <p:spPr>
+          <a:xfrm>
+            <a:off x="3869268" y="164123"/>
+            <a:ext cx="7315200" cy="5820625"/>
+          </a:xfrm>
+        </p:spPr>
+        <p:txBody>
+          <a:bodyPr anchor="t">
+            <a:normAutofit/>
+          </a:bodyPr>
+          <a:lstStyle/>
+          <a:p>
+            <a:pPr marL="0" indent="0">
+              <a:buNone/>
+            </a:pPr>
+            <a:r>
+              <a:rPr lang="en-US" sz="3200" b="1" dirty="0"/>
+              <a:t>Simple Scatterplot</a:t>
+            </a:r>
+          </a:p>
+        </p:txBody>
+      </p:sp>
+      <p:sp>
+        <p:nvSpPr>
+          <p:cNvPr id="6" name="Rectangle 5">
+            <a:extLst>
+              <a:ext uri="{FF2B5EF4-FFF2-40B4-BE49-F238E27FC236}">
+                <a16:creationId xmlns:a16="http://schemas.microsoft.com/office/drawing/2014/main" id="{54620B49-A9F4-71F9-F0AE-01652290CAC1}"/>
+              </a:ext>
+            </a:extLst>
+          </p:cNvPr>
+          <p:cNvSpPr/>
+          <p:nvPr/>
+        </p:nvSpPr>
+        <p:spPr>
+          <a:xfrm>
+            <a:off x="503766" y="679554"/>
+            <a:ext cx="11184468" cy="1962981"/>
+          </a:xfrm>
+          <a:prstGeom prst="rect">
+            <a:avLst/>
+          </a:prstGeom>
+          <a:solidFill>
+            <a:schemeClr val="bg1">
+              <a:lumMod val="95000"/>
+            </a:schemeClr>
+          </a:solidFill>
+          <a:ln>
+            <a:noFill/>
+          </a:ln>
+        </p:spPr>
+        <p:style>
+          <a:lnRef idx="2">
+            <a:schemeClr val="accent4">
+              <a:shade val="50000"/>
+            </a:schemeClr>
+          </a:lnRef>
+          <a:fillRef idx="1">
+            <a:schemeClr val="accent4"/>
+          </a:fillRef>
+          <a:effectRef idx="0">
+            <a:schemeClr val="accent4"/>
+          </a:effectRef>
+          <a:fontRef idx="minor">
+            <a:schemeClr val="lt1"/>
+          </a:fontRef>
+        </p:style>
+        <p:txBody>
+          <a:bodyPr rtlCol="0" anchor="t"/>
+          <a:lstStyle/>
+          <a:p>
+            <a:r>
+              <a:rPr lang="en-US" sz="2400" dirty="0">
+                <a:solidFill>
+                  <a:srgbClr val="00B050"/>
+                </a:solidFill>
+                <a:latin typeface="Courier" pitchFamily="2" charset="0"/>
+              </a:rPr>
+              <a:t># filter</a:t>
+            </a:r>
+          </a:p>
+          <a:p>
+            <a:r>
+              <a:rPr lang="en-US" sz="2400" dirty="0">
+                <a:solidFill>
+                  <a:schemeClr val="tx1"/>
+                </a:solidFill>
+                <a:latin typeface="Courier" pitchFamily="2" charset="0"/>
+              </a:rPr>
+              <a:t>hp2013Q1 &lt;- housing %&gt;% filter(Date == 2013.25) </a:t>
+            </a:r>
+          </a:p>
+          <a:p>
+            <a:r>
+              <a:rPr lang="en-US" sz="2400" dirty="0">
+                <a:solidFill>
+                  <a:srgbClr val="00B050"/>
+                </a:solidFill>
+                <a:latin typeface="Courier" pitchFamily="2" charset="0"/>
+              </a:rPr>
+              <a:t># plot </a:t>
+            </a:r>
+          </a:p>
+          <a:p>
+            <a:r>
+              <a:rPr lang="en-US" sz="2400" dirty="0" err="1">
+                <a:solidFill>
+                  <a:schemeClr val="tx1"/>
+                </a:solidFill>
+                <a:latin typeface="Courier" pitchFamily="2" charset="0"/>
+              </a:rPr>
+              <a:t>ggplot</a:t>
+            </a:r>
+            <a:r>
+              <a:rPr lang="en-US" sz="2400" dirty="0">
+                <a:solidFill>
+                  <a:schemeClr val="tx1"/>
+                </a:solidFill>
+                <a:latin typeface="Courier" pitchFamily="2" charset="0"/>
+              </a:rPr>
+              <a:t>(hp2013Q1, </a:t>
+            </a:r>
+            <a:r>
+              <a:rPr lang="en-US" sz="2400" dirty="0" err="1">
+                <a:solidFill>
+                  <a:schemeClr val="tx1"/>
+                </a:solidFill>
+                <a:latin typeface="Courier" pitchFamily="2" charset="0"/>
+              </a:rPr>
+              <a:t>aes</a:t>
+            </a:r>
+            <a:r>
+              <a:rPr lang="en-US" sz="2400" dirty="0">
+                <a:solidFill>
+                  <a:schemeClr val="tx1"/>
+                </a:solidFill>
+                <a:latin typeface="Courier" pitchFamily="2" charset="0"/>
+              </a:rPr>
+              <a:t>(x = </a:t>
+            </a:r>
+            <a:r>
+              <a:rPr lang="en-US" sz="2400" dirty="0" err="1">
+                <a:solidFill>
+                  <a:schemeClr val="tx1"/>
+                </a:solidFill>
+                <a:latin typeface="Courier" pitchFamily="2" charset="0"/>
+              </a:rPr>
+              <a:t>Land.Value</a:t>
+            </a:r>
+            <a:r>
+              <a:rPr lang="en-US" sz="2400" dirty="0">
+                <a:solidFill>
+                  <a:schemeClr val="tx1"/>
+                </a:solidFill>
+                <a:latin typeface="Courier" pitchFamily="2" charset="0"/>
+              </a:rPr>
+              <a:t>, y = </a:t>
+            </a:r>
+            <a:r>
+              <a:rPr lang="en-US" sz="2400" dirty="0" err="1">
+                <a:solidFill>
+                  <a:schemeClr val="tx1"/>
+                </a:solidFill>
+                <a:latin typeface="Courier" pitchFamily="2" charset="0"/>
+              </a:rPr>
+              <a:t>Structure.Cost</a:t>
+            </a:r>
+            <a:r>
+              <a:rPr lang="en-US" sz="2400" dirty="0">
+                <a:solidFill>
+                  <a:schemeClr val="tx1"/>
+                </a:solidFill>
+                <a:latin typeface="Courier" pitchFamily="2" charset="0"/>
+              </a:rPr>
+              <a:t>)) +</a:t>
+            </a:r>
+          </a:p>
+          <a:p>
+            <a:r>
+              <a:rPr lang="en-US" sz="2400" dirty="0">
+                <a:solidFill>
+                  <a:schemeClr val="tx1"/>
+                </a:solidFill>
+                <a:latin typeface="Courier" pitchFamily="2" charset="0"/>
+              </a:rPr>
+              <a:t>  </a:t>
+            </a:r>
+            <a:r>
+              <a:rPr lang="en-US" sz="2400" dirty="0" err="1">
+                <a:solidFill>
+                  <a:schemeClr val="tx1"/>
+                </a:solidFill>
+                <a:latin typeface="Courier" pitchFamily="2" charset="0"/>
+              </a:rPr>
+              <a:t>geom_point</a:t>
+            </a:r>
+            <a:r>
+              <a:rPr lang="en-US" sz="2400" dirty="0">
+                <a:solidFill>
+                  <a:schemeClr val="tx1"/>
+                </a:solidFill>
+                <a:latin typeface="Courier" pitchFamily="2" charset="0"/>
+              </a:rPr>
+              <a:t>(</a:t>
+            </a:r>
+            <a:r>
+              <a:rPr lang="en-US" sz="2400" dirty="0" err="1">
+                <a:solidFill>
+                  <a:schemeClr val="tx1"/>
+                </a:solidFill>
+                <a:highlight>
+                  <a:srgbClr val="FFFF00"/>
+                </a:highlight>
+                <a:latin typeface="Courier" pitchFamily="2" charset="0"/>
+              </a:rPr>
+              <a:t>aes</a:t>
+            </a:r>
+            <a:r>
+              <a:rPr lang="en-US" sz="2400" dirty="0">
+                <a:solidFill>
+                  <a:schemeClr val="tx1"/>
+                </a:solidFill>
+                <a:highlight>
+                  <a:srgbClr val="FFFF00"/>
+                </a:highlight>
+                <a:latin typeface="Courier" pitchFamily="2" charset="0"/>
+              </a:rPr>
+              <a:t>(color = ??)</a:t>
+            </a:r>
+            <a:r>
+              <a:rPr lang="en-US" sz="2400" dirty="0">
+                <a:solidFill>
+                  <a:schemeClr val="tx1"/>
+                </a:solidFill>
+                <a:latin typeface="Courier" pitchFamily="2" charset="0"/>
+              </a:rPr>
+              <a:t>)</a:t>
+            </a:r>
+          </a:p>
+        </p:txBody>
+      </p:sp>
+      <p:sp>
+        <p:nvSpPr>
+          <p:cNvPr id="2" name="Rounded Rectangular Callout 1">
+            <a:extLst>
+              <a:ext uri="{FF2B5EF4-FFF2-40B4-BE49-F238E27FC236}">
+                <a16:creationId xmlns:a16="http://schemas.microsoft.com/office/drawing/2014/main" id="{47E24F19-B127-39BA-ACBD-55E833C04C4E}"/>
+              </a:ext>
+            </a:extLst>
+          </p:cNvPr>
+          <p:cNvSpPr/>
+          <p:nvPr/>
+        </p:nvSpPr>
+        <p:spPr>
+          <a:xfrm>
+            <a:off x="5263662" y="3010978"/>
+            <a:ext cx="3294184" cy="1962981"/>
+          </a:xfrm>
+          <a:prstGeom prst="wedgeRoundRectCallout">
+            <a:avLst>
+              <a:gd name="adj1" fmla="val -71456"/>
+              <a:gd name="adj2" fmla="val -73777"/>
+              <a:gd name="adj3" fmla="val 16667"/>
+            </a:avLst>
+          </a:prstGeom>
+        </p:spPr>
+        <p:style>
+          <a:lnRef idx="2">
+            <a:schemeClr val="accent3">
+              <a:shade val="15000"/>
+            </a:schemeClr>
+          </a:lnRef>
+          <a:fillRef idx="1">
+            <a:schemeClr val="accent3"/>
+          </a:fillRef>
+          <a:effectRef idx="0">
+            <a:schemeClr val="accent3"/>
+          </a:effectRef>
+          <a:fontRef idx="minor">
+            <a:schemeClr val="lt1"/>
+          </a:fontRef>
+        </p:style>
+        <p:txBody>
+          <a:bodyPr rtlCol="0" anchor="ctr"/>
+          <a:lstStyle/>
+          <a:p>
+            <a:pPr algn="ctr"/>
+            <a:r>
+              <a:rPr lang="en-US" sz="2400" dirty="0"/>
+              <a:t>Remember visual channels? Is “color” hue or value? </a:t>
+            </a:r>
+          </a:p>
+        </p:txBody>
+      </p:sp>
+    </p:spTree>
+    <p:extLst>
+      <p:ext uri="{BB962C8B-B14F-4D97-AF65-F5344CB8AC3E}">
+        <p14:creationId xmlns:p14="http://schemas.microsoft.com/office/powerpoint/2010/main" val="2222326726"/>
+      </p:ext>
+    </p:extLst>
+  </p:cSld>
+  <p:clrMapOvr>
+    <a:masterClrMapping/>
+  </p:clrMapOvr>
+</p:sld>
+</file>
+
+<file path=ppt/slides/slide12.xml><?xml version="1.0" encoding="utf-8"?>
+<p:sld xmlns:a="http://schemas.openxmlformats.org/drawingml/2006/main" xmlns:r="http://schemas.openxmlformats.org/officeDocument/2006/relationships" xmlns:p="http://schemas.openxmlformats.org/presentationml/2006/main">
+  <p:cSld>
+    <p:spTree>
+      <p:nvGrpSpPr>
+        <p:cNvPr id="1" name=""/>
+        <p:cNvGrpSpPr/>
+        <p:nvPr/>
+      </p:nvGrpSpPr>
+      <p:grpSpPr>
+        <a:xfrm>
+          <a:off x="0" y="0"/>
+          <a:ext cx="0" cy="0"/>
+          <a:chOff x="0" y="0"/>
+          <a:chExt cx="0" cy="0"/>
+        </a:xfrm>
+      </p:grpSpPr>
+      <p:sp>
+        <p:nvSpPr>
+          <p:cNvPr id="3" name="Content Placeholder 2">
+            <a:extLst>
+              <a:ext uri="{FF2B5EF4-FFF2-40B4-BE49-F238E27FC236}">
+                <a16:creationId xmlns:a16="http://schemas.microsoft.com/office/drawing/2014/main" id="{4EE4DF22-35E3-E520-9280-CCF576E15A29}"/>
+              </a:ext>
+            </a:extLst>
+          </p:cNvPr>
+          <p:cNvSpPr>
+            <a:spLocks noGrp="1"/>
+          </p:cNvSpPr>
+          <p:nvPr>
+            <p:ph idx="1"/>
+          </p:nvPr>
+        </p:nvSpPr>
+        <p:spPr>
+          <a:xfrm>
+            <a:off x="3869268" y="164123"/>
+            <a:ext cx="7315200" cy="5820625"/>
+          </a:xfrm>
+        </p:spPr>
+        <p:txBody>
+          <a:bodyPr anchor="t">
+            <a:normAutofit/>
+          </a:bodyPr>
+          <a:lstStyle/>
+          <a:p>
+            <a:pPr marL="0" indent="0">
+              <a:buNone/>
+            </a:pPr>
+            <a:r>
+              <a:rPr lang="en-US" sz="3200" b="1" dirty="0"/>
+              <a:t>Simple Scatterplot</a:t>
+            </a:r>
+          </a:p>
+        </p:txBody>
+      </p:sp>
+      <p:sp>
+        <p:nvSpPr>
+          <p:cNvPr id="6" name="Rectangle 5">
+            <a:extLst>
+              <a:ext uri="{FF2B5EF4-FFF2-40B4-BE49-F238E27FC236}">
+                <a16:creationId xmlns:a16="http://schemas.microsoft.com/office/drawing/2014/main" id="{54620B49-A9F4-71F9-F0AE-01652290CAC1}"/>
+              </a:ext>
+            </a:extLst>
+          </p:cNvPr>
+          <p:cNvSpPr/>
+          <p:nvPr/>
+        </p:nvSpPr>
+        <p:spPr>
+          <a:xfrm>
+            <a:off x="503766" y="679554"/>
+            <a:ext cx="11184468" cy="1962981"/>
+          </a:xfrm>
+          <a:prstGeom prst="rect">
+            <a:avLst/>
+          </a:prstGeom>
+          <a:solidFill>
+            <a:schemeClr val="bg1">
+              <a:lumMod val="95000"/>
+            </a:schemeClr>
+          </a:solidFill>
+          <a:ln>
+            <a:noFill/>
+          </a:ln>
+        </p:spPr>
+        <p:style>
+          <a:lnRef idx="2">
+            <a:schemeClr val="accent4">
+              <a:shade val="50000"/>
+            </a:schemeClr>
+          </a:lnRef>
+          <a:fillRef idx="1">
+            <a:schemeClr val="accent4"/>
+          </a:fillRef>
+          <a:effectRef idx="0">
+            <a:schemeClr val="accent4"/>
+          </a:effectRef>
+          <a:fontRef idx="minor">
+            <a:schemeClr val="lt1"/>
+          </a:fontRef>
+        </p:style>
+        <p:txBody>
+          <a:bodyPr rtlCol="0" anchor="t"/>
+          <a:lstStyle/>
+          <a:p>
+            <a:r>
+              <a:rPr lang="en-US" sz="2400" dirty="0">
+                <a:solidFill>
+                  <a:srgbClr val="00B050"/>
+                </a:solidFill>
+                <a:latin typeface="Courier" pitchFamily="2" charset="0"/>
+              </a:rPr>
+              <a:t># filter</a:t>
+            </a:r>
+          </a:p>
+          <a:p>
+            <a:r>
+              <a:rPr lang="en-US" sz="2400" dirty="0">
+                <a:solidFill>
+                  <a:schemeClr val="tx1"/>
+                </a:solidFill>
+                <a:latin typeface="Courier" pitchFamily="2" charset="0"/>
+              </a:rPr>
+              <a:t>hp2013Q1 &lt;- housing %&gt;% filter(Date == 2013.25) </a:t>
+            </a:r>
+          </a:p>
+          <a:p>
+            <a:r>
+              <a:rPr lang="en-US" sz="2400" dirty="0">
+                <a:solidFill>
+                  <a:srgbClr val="00B050"/>
+                </a:solidFill>
+                <a:latin typeface="Courier" pitchFamily="2" charset="0"/>
+              </a:rPr>
+              <a:t># plot </a:t>
+            </a:r>
+          </a:p>
+          <a:p>
+            <a:r>
+              <a:rPr lang="en-US" sz="2400" dirty="0" err="1">
+                <a:solidFill>
+                  <a:schemeClr val="tx1"/>
+                </a:solidFill>
+                <a:latin typeface="Courier" pitchFamily="2" charset="0"/>
+              </a:rPr>
+              <a:t>ggplot</a:t>
+            </a:r>
+            <a:r>
+              <a:rPr lang="en-US" sz="2400" dirty="0">
+                <a:solidFill>
+                  <a:schemeClr val="tx1"/>
+                </a:solidFill>
+                <a:latin typeface="Courier" pitchFamily="2" charset="0"/>
+              </a:rPr>
+              <a:t>(hp2013Q1, </a:t>
+            </a:r>
+            <a:r>
+              <a:rPr lang="en-US" sz="2400" dirty="0" err="1">
+                <a:solidFill>
+                  <a:schemeClr val="tx1"/>
+                </a:solidFill>
+                <a:latin typeface="Courier" pitchFamily="2" charset="0"/>
+              </a:rPr>
+              <a:t>aes</a:t>
+            </a:r>
+            <a:r>
+              <a:rPr lang="en-US" sz="2400" dirty="0">
+                <a:solidFill>
+                  <a:schemeClr val="tx1"/>
+                </a:solidFill>
+                <a:latin typeface="Courier" pitchFamily="2" charset="0"/>
+              </a:rPr>
+              <a:t>(x = </a:t>
+            </a:r>
+            <a:r>
+              <a:rPr lang="en-US" sz="2400" dirty="0" err="1">
+                <a:solidFill>
+                  <a:schemeClr val="tx1"/>
+                </a:solidFill>
+                <a:latin typeface="Courier" pitchFamily="2" charset="0"/>
+              </a:rPr>
+              <a:t>Land.Value</a:t>
+            </a:r>
+            <a:r>
+              <a:rPr lang="en-US" sz="2400" dirty="0">
+                <a:solidFill>
+                  <a:schemeClr val="tx1"/>
+                </a:solidFill>
+                <a:latin typeface="Courier" pitchFamily="2" charset="0"/>
+              </a:rPr>
+              <a:t>, y = </a:t>
+            </a:r>
+            <a:r>
+              <a:rPr lang="en-US" sz="2400" dirty="0" err="1">
+                <a:solidFill>
+                  <a:schemeClr val="tx1"/>
+                </a:solidFill>
+                <a:latin typeface="Courier" pitchFamily="2" charset="0"/>
+              </a:rPr>
+              <a:t>Structure.Cost</a:t>
+            </a:r>
+            <a:r>
+              <a:rPr lang="en-US" sz="2400" dirty="0">
+                <a:solidFill>
+                  <a:schemeClr val="tx1"/>
+                </a:solidFill>
+                <a:latin typeface="Courier" pitchFamily="2" charset="0"/>
+              </a:rPr>
+              <a:t>)) +</a:t>
+            </a:r>
+          </a:p>
+          <a:p>
+            <a:r>
+              <a:rPr lang="en-US" sz="2400" dirty="0">
+                <a:solidFill>
+                  <a:schemeClr val="tx1"/>
+                </a:solidFill>
+                <a:latin typeface="Courier" pitchFamily="2" charset="0"/>
+              </a:rPr>
+              <a:t>  </a:t>
+            </a:r>
+            <a:r>
+              <a:rPr lang="en-US" sz="2400" dirty="0" err="1">
+                <a:solidFill>
+                  <a:schemeClr val="tx1"/>
+                </a:solidFill>
+                <a:latin typeface="Courier" pitchFamily="2" charset="0"/>
+              </a:rPr>
+              <a:t>geom_point</a:t>
+            </a:r>
+            <a:r>
+              <a:rPr lang="en-US" sz="2400" dirty="0">
+                <a:solidFill>
+                  <a:schemeClr val="tx1"/>
+                </a:solidFill>
+                <a:latin typeface="Courier" pitchFamily="2" charset="0"/>
+              </a:rPr>
+              <a:t>(</a:t>
+            </a:r>
+            <a:r>
+              <a:rPr lang="en-US" sz="2400" dirty="0" err="1">
+                <a:solidFill>
+                  <a:schemeClr val="tx1"/>
+                </a:solidFill>
+                <a:highlight>
+                  <a:srgbClr val="FFFF00"/>
+                </a:highlight>
+                <a:latin typeface="Courier" pitchFamily="2" charset="0"/>
+              </a:rPr>
+              <a:t>aes</a:t>
+            </a:r>
+            <a:r>
+              <a:rPr lang="en-US" sz="2400" dirty="0">
+                <a:solidFill>
+                  <a:schemeClr val="tx1"/>
+                </a:solidFill>
+                <a:highlight>
+                  <a:srgbClr val="FFFF00"/>
+                </a:highlight>
+                <a:latin typeface="Courier" pitchFamily="2" charset="0"/>
+              </a:rPr>
+              <a:t>(color = ??)</a:t>
+            </a:r>
+            <a:r>
+              <a:rPr lang="en-US" sz="2400" dirty="0">
+                <a:solidFill>
+                  <a:schemeClr val="tx1"/>
+                </a:solidFill>
+                <a:latin typeface="Courier" pitchFamily="2" charset="0"/>
+              </a:rPr>
+              <a:t>)</a:t>
+            </a:r>
+          </a:p>
+        </p:txBody>
+      </p:sp>
+      <p:pic>
+        <p:nvPicPr>
+          <p:cNvPr id="5" name="Picture 4" descr="A graph with dots and numbers&#10;&#10;Description automatically generated">
+            <a:extLst>
+              <a:ext uri="{FF2B5EF4-FFF2-40B4-BE49-F238E27FC236}">
+                <a16:creationId xmlns:a16="http://schemas.microsoft.com/office/drawing/2014/main" id="{D3458789-4C71-8BD2-D225-8121EA17C449}"/>
+              </a:ext>
+            </a:extLst>
+          </p:cNvPr>
+          <p:cNvPicPr>
+            <a:picLocks noChangeAspect="1"/>
+          </p:cNvPicPr>
+          <p:nvPr/>
+        </p:nvPicPr>
+        <p:blipFill>
+          <a:blip r:embed="rId2"/>
+          <a:stretch>
+            <a:fillRect/>
+          </a:stretch>
+        </p:blipFill>
+        <p:spPr>
+          <a:xfrm>
+            <a:off x="289178" y="3259014"/>
+            <a:ext cx="4951363" cy="2532185"/>
+          </a:xfrm>
+          <a:prstGeom prst="rect">
+            <a:avLst/>
+          </a:prstGeom>
+        </p:spPr>
+      </p:pic>
+      <p:pic>
+        <p:nvPicPr>
+          <p:cNvPr id="7" name="Picture 6" descr="A graph with dots and numbers&#10;&#10;Description automatically generated">
+            <a:extLst>
+              <a:ext uri="{FF2B5EF4-FFF2-40B4-BE49-F238E27FC236}">
+                <a16:creationId xmlns:a16="http://schemas.microsoft.com/office/drawing/2014/main" id="{2B2B726F-06A8-3537-0566-85B05BA1BB16}"/>
               </a:ext>
             </a:extLst>
           </p:cNvPr>
@@ -4189,8 +4916,2454 @@
         </p:blipFill>
         <p:spPr>
           <a:xfrm>
-            <a:off x="4752109" y="3303139"/>
-            <a:ext cx="5732894" cy="3554861"/>
+            <a:off x="7115580" y="3157966"/>
+            <a:ext cx="4951364" cy="2508913"/>
+          </a:xfrm>
+          <a:prstGeom prst="rect">
+            <a:avLst/>
+          </a:prstGeom>
+        </p:spPr>
+      </p:pic>
+      <p:sp>
+        <p:nvSpPr>
+          <p:cNvPr id="2" name="Rounded Rectangular Callout 1">
+            <a:extLst>
+              <a:ext uri="{FF2B5EF4-FFF2-40B4-BE49-F238E27FC236}">
+                <a16:creationId xmlns:a16="http://schemas.microsoft.com/office/drawing/2014/main" id="{47E24F19-B127-39BA-ACBD-55E833C04C4E}"/>
+              </a:ext>
+            </a:extLst>
+          </p:cNvPr>
+          <p:cNvSpPr/>
+          <p:nvPr/>
+        </p:nvSpPr>
+        <p:spPr>
+          <a:xfrm>
+            <a:off x="5263662" y="3010978"/>
+            <a:ext cx="3294184" cy="1962981"/>
+          </a:xfrm>
+          <a:prstGeom prst="wedgeRoundRectCallout">
+            <a:avLst>
+              <a:gd name="adj1" fmla="val -71456"/>
+              <a:gd name="adj2" fmla="val -73777"/>
+              <a:gd name="adj3" fmla="val 16667"/>
+            </a:avLst>
+          </a:prstGeom>
+        </p:spPr>
+        <p:style>
+          <a:lnRef idx="2">
+            <a:schemeClr val="accent3">
+              <a:shade val="15000"/>
+            </a:schemeClr>
+          </a:lnRef>
+          <a:fillRef idx="1">
+            <a:schemeClr val="accent3"/>
+          </a:fillRef>
+          <a:effectRef idx="0">
+            <a:schemeClr val="accent3"/>
+          </a:effectRef>
+          <a:fontRef idx="minor">
+            <a:schemeClr val="lt1"/>
+          </a:fontRef>
+        </p:style>
+        <p:txBody>
+          <a:bodyPr rtlCol="0" anchor="ctr"/>
+          <a:lstStyle/>
+          <a:p>
+            <a:pPr algn="ctr"/>
+            <a:r>
+              <a:rPr lang="en-US" sz="2400" dirty="0"/>
+              <a:t>Remember visual channels? Is “color” hue or value? </a:t>
+            </a:r>
+          </a:p>
+        </p:txBody>
+      </p:sp>
+      <p:sp>
+        <p:nvSpPr>
+          <p:cNvPr id="4" name="Rounded Rectangle 3">
+            <a:extLst>
+              <a:ext uri="{FF2B5EF4-FFF2-40B4-BE49-F238E27FC236}">
+                <a16:creationId xmlns:a16="http://schemas.microsoft.com/office/drawing/2014/main" id="{A7960EE4-3B06-2CED-EB70-5A751A327980}"/>
+              </a:ext>
+            </a:extLst>
+          </p:cNvPr>
+          <p:cNvSpPr/>
+          <p:nvPr/>
+        </p:nvSpPr>
+        <p:spPr>
+          <a:xfrm>
+            <a:off x="5744307" y="4677508"/>
+            <a:ext cx="2672861" cy="1207477"/>
+          </a:xfrm>
+          <a:prstGeom prst="roundRect">
+            <a:avLst/>
+          </a:prstGeom>
+        </p:spPr>
+        <p:style>
+          <a:lnRef idx="2">
+            <a:schemeClr val="accent2">
+              <a:shade val="15000"/>
+            </a:schemeClr>
+          </a:lnRef>
+          <a:fillRef idx="1">
+            <a:schemeClr val="accent2"/>
+          </a:fillRef>
+          <a:effectRef idx="0">
+            <a:schemeClr val="accent2"/>
+          </a:effectRef>
+          <a:fontRef idx="minor">
+            <a:schemeClr val="lt1"/>
+          </a:fontRef>
+        </p:style>
+        <p:txBody>
+          <a:bodyPr rtlCol="0" anchor="ctr"/>
+          <a:lstStyle/>
+          <a:p>
+            <a:pPr algn="ctr"/>
+            <a:r>
+              <a:rPr lang="en-US" dirty="0"/>
+              <a:t>Both! If you do not select a specific color pallet, R automatically picks based on data</a:t>
+            </a:r>
+          </a:p>
+        </p:txBody>
+      </p:sp>
+      <p:sp>
+        <p:nvSpPr>
+          <p:cNvPr id="8" name="Frame 7">
+            <a:extLst>
+              <a:ext uri="{FF2B5EF4-FFF2-40B4-BE49-F238E27FC236}">
+                <a16:creationId xmlns:a16="http://schemas.microsoft.com/office/drawing/2014/main" id="{B8F3068B-5052-3720-0908-C775A073DFF4}"/>
+              </a:ext>
+            </a:extLst>
+          </p:cNvPr>
+          <p:cNvSpPr/>
+          <p:nvPr/>
+        </p:nvSpPr>
+        <p:spPr>
+          <a:xfrm>
+            <a:off x="4530808" y="3890335"/>
+            <a:ext cx="656818" cy="1160584"/>
+          </a:xfrm>
+          <a:prstGeom prst="frame">
+            <a:avLst>
+              <a:gd name="adj1" fmla="val 5361"/>
+            </a:avLst>
+          </a:prstGeom>
+          <a:solidFill>
+            <a:srgbClr val="C00000"/>
+          </a:solidFill>
+          <a:ln>
+            <a:noFill/>
+          </a:ln>
+        </p:spPr>
+        <p:style>
+          <a:lnRef idx="2">
+            <a:schemeClr val="accent1">
+              <a:shade val="15000"/>
+            </a:schemeClr>
+          </a:lnRef>
+          <a:fillRef idx="1">
+            <a:schemeClr val="accent1"/>
+          </a:fillRef>
+          <a:effectRef idx="0">
+            <a:schemeClr val="accent1"/>
+          </a:effectRef>
+          <a:fontRef idx="minor">
+            <a:schemeClr val="lt1"/>
+          </a:fontRef>
+        </p:style>
+        <p:txBody>
+          <a:bodyPr rtlCol="0" anchor="ctr"/>
+          <a:lstStyle/>
+          <a:p>
+            <a:pPr algn="ctr"/>
+            <a:endParaRPr lang="en-US">
+              <a:solidFill>
+                <a:schemeClr val="tx1"/>
+              </a:solidFill>
+            </a:endParaRPr>
+          </a:p>
+        </p:txBody>
+      </p:sp>
+      <p:sp>
+        <p:nvSpPr>
+          <p:cNvPr id="9" name="Frame 8">
+            <a:extLst>
+              <a:ext uri="{FF2B5EF4-FFF2-40B4-BE49-F238E27FC236}">
+                <a16:creationId xmlns:a16="http://schemas.microsoft.com/office/drawing/2014/main" id="{9C716A78-46E0-81B3-DFCE-DC30C31B7D03}"/>
+              </a:ext>
+            </a:extLst>
+          </p:cNvPr>
+          <p:cNvSpPr/>
+          <p:nvPr/>
+        </p:nvSpPr>
+        <p:spPr>
+          <a:xfrm>
+            <a:off x="11181620" y="3733349"/>
+            <a:ext cx="885324" cy="1155174"/>
+          </a:xfrm>
+          <a:prstGeom prst="frame">
+            <a:avLst>
+              <a:gd name="adj1" fmla="val 5361"/>
+            </a:avLst>
+          </a:prstGeom>
+          <a:solidFill>
+            <a:srgbClr val="C00000"/>
+          </a:solidFill>
+          <a:ln>
+            <a:noFill/>
+          </a:ln>
+        </p:spPr>
+        <p:style>
+          <a:lnRef idx="2">
+            <a:schemeClr val="accent1">
+              <a:shade val="15000"/>
+            </a:schemeClr>
+          </a:lnRef>
+          <a:fillRef idx="1">
+            <a:schemeClr val="accent1"/>
+          </a:fillRef>
+          <a:effectRef idx="0">
+            <a:schemeClr val="accent1"/>
+          </a:effectRef>
+          <a:fontRef idx="minor">
+            <a:schemeClr val="lt1"/>
+          </a:fontRef>
+        </p:style>
+        <p:txBody>
+          <a:bodyPr rtlCol="0" anchor="ctr"/>
+          <a:lstStyle/>
+          <a:p>
+            <a:pPr algn="ctr"/>
+            <a:endParaRPr lang="en-US">
+              <a:solidFill>
+                <a:schemeClr val="tx1"/>
+              </a:solidFill>
+            </a:endParaRPr>
+          </a:p>
+        </p:txBody>
+      </p:sp>
+      <p:sp>
+        <p:nvSpPr>
+          <p:cNvPr id="10" name="TextBox 9">
+            <a:extLst>
+              <a:ext uri="{FF2B5EF4-FFF2-40B4-BE49-F238E27FC236}">
+                <a16:creationId xmlns:a16="http://schemas.microsoft.com/office/drawing/2014/main" id="{2130B631-DE35-8D77-5D94-08A5BA879404}"/>
+              </a:ext>
+            </a:extLst>
+          </p:cNvPr>
+          <p:cNvSpPr txBox="1"/>
+          <p:nvPr/>
+        </p:nvSpPr>
+        <p:spPr>
+          <a:xfrm>
+            <a:off x="1619227" y="6170222"/>
+            <a:ext cx="3224388" cy="408623"/>
+          </a:xfrm>
+          <a:prstGeom prst="roundRect">
+            <a:avLst/>
+          </a:prstGeom>
+        </p:spPr>
+        <p:style>
+          <a:lnRef idx="2">
+            <a:schemeClr val="accent2">
+              <a:shade val="15000"/>
+            </a:schemeClr>
+          </a:lnRef>
+          <a:fillRef idx="1">
+            <a:schemeClr val="accent2"/>
+          </a:fillRef>
+          <a:effectRef idx="0">
+            <a:schemeClr val="accent2"/>
+          </a:effectRef>
+          <a:fontRef idx="minor">
+            <a:schemeClr val="lt1"/>
+          </a:fontRef>
+        </p:style>
+        <p:txBody>
+          <a:bodyPr wrap="none" rtlCol="0">
+            <a:spAutoFit/>
+          </a:bodyPr>
+          <a:lstStyle/>
+          <a:p>
+            <a:r>
+              <a:rPr lang="en-US" dirty="0"/>
+              <a:t>region is categorical, so use hue</a:t>
+            </a:r>
+          </a:p>
+        </p:txBody>
+      </p:sp>
+      <p:sp>
+        <p:nvSpPr>
+          <p:cNvPr id="11" name="TextBox 10">
+            <a:extLst>
+              <a:ext uri="{FF2B5EF4-FFF2-40B4-BE49-F238E27FC236}">
+                <a16:creationId xmlns:a16="http://schemas.microsoft.com/office/drawing/2014/main" id="{60C6CE7B-44C7-2FCA-F875-2029A6D834AB}"/>
+              </a:ext>
+            </a:extLst>
+          </p:cNvPr>
+          <p:cNvSpPr txBox="1"/>
+          <p:nvPr/>
+        </p:nvSpPr>
+        <p:spPr>
+          <a:xfrm>
+            <a:off x="7332785" y="6168525"/>
+            <a:ext cx="4046848" cy="408623"/>
+          </a:xfrm>
+          <a:prstGeom prst="roundRect">
+            <a:avLst/>
+          </a:prstGeom>
+        </p:spPr>
+        <p:style>
+          <a:lnRef idx="2">
+            <a:schemeClr val="accent2">
+              <a:shade val="15000"/>
+            </a:schemeClr>
+          </a:lnRef>
+          <a:fillRef idx="1">
+            <a:schemeClr val="accent2"/>
+          </a:fillRef>
+          <a:effectRef idx="0">
+            <a:schemeClr val="accent2"/>
+          </a:effectRef>
+          <a:fontRef idx="minor">
+            <a:schemeClr val="lt1"/>
+          </a:fontRef>
+        </p:style>
+        <p:txBody>
+          <a:bodyPr wrap="none" rtlCol="0">
+            <a:spAutoFit/>
+          </a:bodyPr>
+          <a:lstStyle/>
+          <a:p>
+            <a:r>
+              <a:rPr lang="en-US" dirty="0" err="1"/>
+              <a:t>Home.Value</a:t>
+            </a:r>
+            <a:r>
+              <a:rPr lang="en-US" dirty="0"/>
+              <a:t> is quantitative, so use value</a:t>
+            </a:r>
+          </a:p>
+        </p:txBody>
+      </p:sp>
+    </p:spTree>
+    <p:extLst>
+      <p:ext uri="{BB962C8B-B14F-4D97-AF65-F5344CB8AC3E}">
+        <p14:creationId xmlns:p14="http://schemas.microsoft.com/office/powerpoint/2010/main" val="656619942"/>
+      </p:ext>
+    </p:extLst>
+  </p:cSld>
+  <p:clrMapOvr>
+    <a:masterClrMapping/>
+  </p:clrMapOvr>
+</p:sld>
+</file>
+
+<file path=ppt/slides/slide13.xml><?xml version="1.0" encoding="utf-8"?>
+<p:sld xmlns:a="http://schemas.openxmlformats.org/drawingml/2006/main" xmlns:r="http://schemas.openxmlformats.org/officeDocument/2006/relationships" xmlns:p="http://schemas.openxmlformats.org/presentationml/2006/main">
+  <p:cSld>
+    <p:spTree>
+      <p:nvGrpSpPr>
+        <p:cNvPr id="1" name=""/>
+        <p:cNvGrpSpPr/>
+        <p:nvPr/>
+      </p:nvGrpSpPr>
+      <p:grpSpPr>
+        <a:xfrm>
+          <a:off x="0" y="0"/>
+          <a:ext cx="0" cy="0"/>
+          <a:chOff x="0" y="0"/>
+          <a:chExt cx="0" cy="0"/>
+        </a:xfrm>
+      </p:grpSpPr>
+      <p:sp>
+        <p:nvSpPr>
+          <p:cNvPr id="3" name="Content Placeholder 2">
+            <a:extLst>
+              <a:ext uri="{FF2B5EF4-FFF2-40B4-BE49-F238E27FC236}">
+                <a16:creationId xmlns:a16="http://schemas.microsoft.com/office/drawing/2014/main" id="{4EE4DF22-35E3-E520-9280-CCF576E15A29}"/>
+              </a:ext>
+            </a:extLst>
+          </p:cNvPr>
+          <p:cNvSpPr>
+            <a:spLocks noGrp="1"/>
+          </p:cNvSpPr>
+          <p:nvPr>
+            <p:ph idx="1"/>
+          </p:nvPr>
+        </p:nvSpPr>
+        <p:spPr>
+          <a:xfrm>
+            <a:off x="3869268" y="164123"/>
+            <a:ext cx="7315200" cy="5820625"/>
+          </a:xfrm>
+        </p:spPr>
+        <p:txBody>
+          <a:bodyPr anchor="t">
+            <a:normAutofit/>
+          </a:bodyPr>
+          <a:lstStyle/>
+          <a:p>
+            <a:pPr marL="0" indent="0">
+              <a:buNone/>
+            </a:pPr>
+            <a:r>
+              <a:rPr lang="en-US" sz="3200" b="1" dirty="0"/>
+              <a:t>Note: Assignment vs. Aesthetic Mapping</a:t>
+            </a:r>
+          </a:p>
+        </p:txBody>
+      </p:sp>
+      <p:sp>
+        <p:nvSpPr>
+          <p:cNvPr id="6" name="Rectangle 5">
+            <a:extLst>
+              <a:ext uri="{FF2B5EF4-FFF2-40B4-BE49-F238E27FC236}">
+                <a16:creationId xmlns:a16="http://schemas.microsoft.com/office/drawing/2014/main" id="{54620B49-A9F4-71F9-F0AE-01652290CAC1}"/>
+              </a:ext>
+            </a:extLst>
+          </p:cNvPr>
+          <p:cNvSpPr/>
+          <p:nvPr/>
+        </p:nvSpPr>
+        <p:spPr>
+          <a:xfrm>
+            <a:off x="503766" y="679554"/>
+            <a:ext cx="11184468" cy="1962981"/>
+          </a:xfrm>
+          <a:prstGeom prst="rect">
+            <a:avLst/>
+          </a:prstGeom>
+          <a:solidFill>
+            <a:schemeClr val="bg1">
+              <a:lumMod val="95000"/>
+            </a:schemeClr>
+          </a:solidFill>
+          <a:ln>
+            <a:noFill/>
+          </a:ln>
+        </p:spPr>
+        <p:style>
+          <a:lnRef idx="2">
+            <a:schemeClr val="accent4">
+              <a:shade val="50000"/>
+            </a:schemeClr>
+          </a:lnRef>
+          <a:fillRef idx="1">
+            <a:schemeClr val="accent4"/>
+          </a:fillRef>
+          <a:effectRef idx="0">
+            <a:schemeClr val="accent4"/>
+          </a:effectRef>
+          <a:fontRef idx="minor">
+            <a:schemeClr val="lt1"/>
+          </a:fontRef>
+        </p:style>
+        <p:txBody>
+          <a:bodyPr rtlCol="0" anchor="t"/>
+          <a:lstStyle/>
+          <a:p>
+            <a:r>
+              <a:rPr lang="en-US" sz="2400" dirty="0">
+                <a:solidFill>
+                  <a:srgbClr val="00B050"/>
+                </a:solidFill>
+                <a:latin typeface="Courier" pitchFamily="2" charset="0"/>
+              </a:rPr>
+              <a:t># filter</a:t>
+            </a:r>
+          </a:p>
+          <a:p>
+            <a:r>
+              <a:rPr lang="en-US" sz="2400" dirty="0">
+                <a:solidFill>
+                  <a:schemeClr val="tx1"/>
+                </a:solidFill>
+                <a:latin typeface="Courier" pitchFamily="2" charset="0"/>
+              </a:rPr>
+              <a:t>hp2013Q1 &lt;- housing %&gt;% filter(Date == 2013.25) </a:t>
+            </a:r>
+          </a:p>
+          <a:p>
+            <a:r>
+              <a:rPr lang="en-US" sz="2400" dirty="0">
+                <a:solidFill>
+                  <a:srgbClr val="00B050"/>
+                </a:solidFill>
+                <a:latin typeface="Courier" pitchFamily="2" charset="0"/>
+              </a:rPr>
+              <a:t># plot </a:t>
+            </a:r>
+          </a:p>
+          <a:p>
+            <a:r>
+              <a:rPr lang="en-US" sz="2400" dirty="0" err="1">
+                <a:solidFill>
+                  <a:schemeClr val="tx1"/>
+                </a:solidFill>
+                <a:latin typeface="Courier" pitchFamily="2" charset="0"/>
+              </a:rPr>
+              <a:t>ggplot</a:t>
+            </a:r>
+            <a:r>
+              <a:rPr lang="en-US" sz="2400" dirty="0">
+                <a:solidFill>
+                  <a:schemeClr val="tx1"/>
+                </a:solidFill>
+                <a:latin typeface="Courier" pitchFamily="2" charset="0"/>
+              </a:rPr>
+              <a:t>(hp2013Q1, </a:t>
+            </a:r>
+            <a:r>
+              <a:rPr lang="en-US" sz="2400" dirty="0" err="1">
+                <a:solidFill>
+                  <a:schemeClr val="tx1"/>
+                </a:solidFill>
+                <a:latin typeface="Courier" pitchFamily="2" charset="0"/>
+              </a:rPr>
+              <a:t>aes</a:t>
+            </a:r>
+            <a:r>
+              <a:rPr lang="en-US" sz="2400" dirty="0">
+                <a:solidFill>
+                  <a:schemeClr val="tx1"/>
+                </a:solidFill>
+                <a:latin typeface="Courier" pitchFamily="2" charset="0"/>
+              </a:rPr>
+              <a:t>(x = </a:t>
+            </a:r>
+            <a:r>
+              <a:rPr lang="en-US" sz="2400" dirty="0" err="1">
+                <a:solidFill>
+                  <a:schemeClr val="tx1"/>
+                </a:solidFill>
+                <a:latin typeface="Courier" pitchFamily="2" charset="0"/>
+              </a:rPr>
+              <a:t>Land.Value</a:t>
+            </a:r>
+            <a:r>
+              <a:rPr lang="en-US" sz="2400" dirty="0">
+                <a:solidFill>
+                  <a:schemeClr val="tx1"/>
+                </a:solidFill>
+                <a:latin typeface="Courier" pitchFamily="2" charset="0"/>
+              </a:rPr>
+              <a:t>, y = </a:t>
+            </a:r>
+            <a:r>
+              <a:rPr lang="en-US" sz="2400" dirty="0" err="1">
+                <a:solidFill>
+                  <a:schemeClr val="tx1"/>
+                </a:solidFill>
+                <a:latin typeface="Courier" pitchFamily="2" charset="0"/>
+              </a:rPr>
+              <a:t>Structure.Cost</a:t>
+            </a:r>
+            <a:r>
+              <a:rPr lang="en-US" sz="2400" dirty="0">
+                <a:solidFill>
+                  <a:schemeClr val="tx1"/>
+                </a:solidFill>
+                <a:latin typeface="Courier" pitchFamily="2" charset="0"/>
+              </a:rPr>
+              <a:t>)) +</a:t>
+            </a:r>
+          </a:p>
+          <a:p>
+            <a:r>
+              <a:rPr lang="en-US" sz="2400" dirty="0">
+                <a:solidFill>
+                  <a:schemeClr val="tx1"/>
+                </a:solidFill>
+                <a:latin typeface="Courier" pitchFamily="2" charset="0"/>
+              </a:rPr>
+              <a:t>  </a:t>
+            </a:r>
+            <a:r>
+              <a:rPr lang="en-US" sz="2400" dirty="0" err="1">
+                <a:solidFill>
+                  <a:schemeClr val="tx1"/>
+                </a:solidFill>
+                <a:latin typeface="Courier" pitchFamily="2" charset="0"/>
+              </a:rPr>
+              <a:t>geom_point</a:t>
+            </a:r>
+            <a:r>
+              <a:rPr lang="en-US" sz="2400" dirty="0">
+                <a:solidFill>
+                  <a:schemeClr val="tx1"/>
+                </a:solidFill>
+                <a:latin typeface="Courier" pitchFamily="2" charset="0"/>
+              </a:rPr>
+              <a:t>(</a:t>
+            </a:r>
+            <a:r>
+              <a:rPr lang="en-US" sz="2400" dirty="0" err="1">
+                <a:solidFill>
+                  <a:schemeClr val="tx1"/>
+                </a:solidFill>
+                <a:highlight>
+                  <a:srgbClr val="FFFF00"/>
+                </a:highlight>
+                <a:latin typeface="Courier" pitchFamily="2" charset="0"/>
+              </a:rPr>
+              <a:t>aes</a:t>
+            </a:r>
+            <a:r>
+              <a:rPr lang="en-US" sz="2400" dirty="0">
+                <a:solidFill>
+                  <a:schemeClr val="tx1"/>
+                </a:solidFill>
+                <a:highlight>
+                  <a:srgbClr val="FFFF00"/>
+                </a:highlight>
+                <a:latin typeface="Courier" pitchFamily="2" charset="0"/>
+              </a:rPr>
+              <a:t>(color = ??)</a:t>
+            </a:r>
+            <a:r>
+              <a:rPr lang="en-US" sz="2400" dirty="0">
+                <a:solidFill>
+                  <a:schemeClr val="tx1"/>
+                </a:solidFill>
+                <a:latin typeface="Courier" pitchFamily="2" charset="0"/>
+              </a:rPr>
+              <a:t>)</a:t>
+            </a:r>
+          </a:p>
+        </p:txBody>
+      </p:sp>
+      <p:sp>
+        <p:nvSpPr>
+          <p:cNvPr id="2" name="Rounded Rectangular Callout 1">
+            <a:extLst>
+              <a:ext uri="{FF2B5EF4-FFF2-40B4-BE49-F238E27FC236}">
+                <a16:creationId xmlns:a16="http://schemas.microsoft.com/office/drawing/2014/main" id="{47E24F19-B127-39BA-ACBD-55E833C04C4E}"/>
+              </a:ext>
+            </a:extLst>
+          </p:cNvPr>
+          <p:cNvSpPr/>
+          <p:nvPr/>
+        </p:nvSpPr>
+        <p:spPr>
+          <a:xfrm>
+            <a:off x="5263662" y="3010978"/>
+            <a:ext cx="3106615" cy="681791"/>
+          </a:xfrm>
+          <a:prstGeom prst="wedgeRoundRectCallout">
+            <a:avLst>
+              <a:gd name="adj1" fmla="val -52211"/>
+              <a:gd name="adj2" fmla="val -127080"/>
+              <a:gd name="adj3" fmla="val 16667"/>
+            </a:avLst>
+          </a:prstGeom>
+        </p:spPr>
+        <p:style>
+          <a:lnRef idx="2">
+            <a:schemeClr val="accent3">
+              <a:shade val="15000"/>
+            </a:schemeClr>
+          </a:lnRef>
+          <a:fillRef idx="1">
+            <a:schemeClr val="accent3"/>
+          </a:fillRef>
+          <a:effectRef idx="0">
+            <a:schemeClr val="accent3"/>
+          </a:effectRef>
+          <a:fontRef idx="minor">
+            <a:schemeClr val="lt1"/>
+          </a:fontRef>
+        </p:style>
+        <p:txBody>
+          <a:bodyPr rtlCol="0" anchor="ctr"/>
+          <a:lstStyle/>
+          <a:p>
+            <a:pPr algn="ctr"/>
+            <a:r>
+              <a:rPr lang="en-US" sz="2400" dirty="0"/>
+              <a:t>Maps color to variable</a:t>
+            </a:r>
+          </a:p>
+        </p:txBody>
+      </p:sp>
+    </p:spTree>
+    <p:extLst>
+      <p:ext uri="{BB962C8B-B14F-4D97-AF65-F5344CB8AC3E}">
+        <p14:creationId xmlns:p14="http://schemas.microsoft.com/office/powerpoint/2010/main" val="1350908941"/>
+      </p:ext>
+    </p:extLst>
+  </p:cSld>
+  <p:clrMapOvr>
+    <a:masterClrMapping/>
+  </p:clrMapOvr>
+</p:sld>
+</file>
+
+<file path=ppt/slides/slide14.xml><?xml version="1.0" encoding="utf-8"?>
+<p:sld xmlns:a="http://schemas.openxmlformats.org/drawingml/2006/main" xmlns:r="http://schemas.openxmlformats.org/officeDocument/2006/relationships" xmlns:p="http://schemas.openxmlformats.org/presentationml/2006/main">
+  <p:cSld>
+    <p:spTree>
+      <p:nvGrpSpPr>
+        <p:cNvPr id="1" name=""/>
+        <p:cNvGrpSpPr/>
+        <p:nvPr/>
+      </p:nvGrpSpPr>
+      <p:grpSpPr>
+        <a:xfrm>
+          <a:off x="0" y="0"/>
+          <a:ext cx="0" cy="0"/>
+          <a:chOff x="0" y="0"/>
+          <a:chExt cx="0" cy="0"/>
+        </a:xfrm>
+      </p:grpSpPr>
+      <p:sp>
+        <p:nvSpPr>
+          <p:cNvPr id="3" name="Content Placeholder 2">
+            <a:extLst>
+              <a:ext uri="{FF2B5EF4-FFF2-40B4-BE49-F238E27FC236}">
+                <a16:creationId xmlns:a16="http://schemas.microsoft.com/office/drawing/2014/main" id="{4EE4DF22-35E3-E520-9280-CCF576E15A29}"/>
+              </a:ext>
+            </a:extLst>
+          </p:cNvPr>
+          <p:cNvSpPr>
+            <a:spLocks noGrp="1"/>
+          </p:cNvSpPr>
+          <p:nvPr>
+            <p:ph idx="1"/>
+          </p:nvPr>
+        </p:nvSpPr>
+        <p:spPr>
+          <a:xfrm>
+            <a:off x="3869268" y="164123"/>
+            <a:ext cx="7315200" cy="5820625"/>
+          </a:xfrm>
+        </p:spPr>
+        <p:txBody>
+          <a:bodyPr anchor="t">
+            <a:normAutofit/>
+          </a:bodyPr>
+          <a:lstStyle/>
+          <a:p>
+            <a:pPr marL="0" indent="0">
+              <a:buNone/>
+            </a:pPr>
+            <a:r>
+              <a:rPr lang="en-US" sz="3200" b="1" dirty="0"/>
+              <a:t>Note: Assignment vs. Aesthetic Mapping</a:t>
+            </a:r>
+          </a:p>
+        </p:txBody>
+      </p:sp>
+      <p:sp>
+        <p:nvSpPr>
+          <p:cNvPr id="6" name="Rectangle 5">
+            <a:extLst>
+              <a:ext uri="{FF2B5EF4-FFF2-40B4-BE49-F238E27FC236}">
+                <a16:creationId xmlns:a16="http://schemas.microsoft.com/office/drawing/2014/main" id="{54620B49-A9F4-71F9-F0AE-01652290CAC1}"/>
+              </a:ext>
+            </a:extLst>
+          </p:cNvPr>
+          <p:cNvSpPr/>
+          <p:nvPr/>
+        </p:nvSpPr>
+        <p:spPr>
+          <a:xfrm>
+            <a:off x="503766" y="679554"/>
+            <a:ext cx="11184468" cy="1962981"/>
+          </a:xfrm>
+          <a:prstGeom prst="rect">
+            <a:avLst/>
+          </a:prstGeom>
+          <a:solidFill>
+            <a:schemeClr val="bg1">
+              <a:lumMod val="95000"/>
+            </a:schemeClr>
+          </a:solidFill>
+          <a:ln>
+            <a:noFill/>
+          </a:ln>
+        </p:spPr>
+        <p:style>
+          <a:lnRef idx="2">
+            <a:schemeClr val="accent4">
+              <a:shade val="50000"/>
+            </a:schemeClr>
+          </a:lnRef>
+          <a:fillRef idx="1">
+            <a:schemeClr val="accent4"/>
+          </a:fillRef>
+          <a:effectRef idx="0">
+            <a:schemeClr val="accent4"/>
+          </a:effectRef>
+          <a:fontRef idx="minor">
+            <a:schemeClr val="lt1"/>
+          </a:fontRef>
+        </p:style>
+        <p:txBody>
+          <a:bodyPr rtlCol="0" anchor="t"/>
+          <a:lstStyle/>
+          <a:p>
+            <a:r>
+              <a:rPr lang="en-US" sz="2400" dirty="0">
+                <a:solidFill>
+                  <a:srgbClr val="00B050"/>
+                </a:solidFill>
+                <a:latin typeface="Courier" pitchFamily="2" charset="0"/>
+              </a:rPr>
+              <a:t># filter</a:t>
+            </a:r>
+          </a:p>
+          <a:p>
+            <a:r>
+              <a:rPr lang="en-US" sz="2400" dirty="0">
+                <a:solidFill>
+                  <a:schemeClr val="tx1"/>
+                </a:solidFill>
+                <a:latin typeface="Courier" pitchFamily="2" charset="0"/>
+              </a:rPr>
+              <a:t>hp2013Q1 &lt;- housing %&gt;% filter(Date == 2013.25) </a:t>
+            </a:r>
+          </a:p>
+          <a:p>
+            <a:r>
+              <a:rPr lang="en-US" sz="2400" dirty="0">
+                <a:solidFill>
+                  <a:srgbClr val="00B050"/>
+                </a:solidFill>
+                <a:latin typeface="Courier" pitchFamily="2" charset="0"/>
+              </a:rPr>
+              <a:t># plot </a:t>
+            </a:r>
+          </a:p>
+          <a:p>
+            <a:r>
+              <a:rPr lang="en-US" sz="2400" dirty="0" err="1">
+                <a:solidFill>
+                  <a:schemeClr val="tx1"/>
+                </a:solidFill>
+                <a:latin typeface="Courier" pitchFamily="2" charset="0"/>
+              </a:rPr>
+              <a:t>ggplot</a:t>
+            </a:r>
+            <a:r>
+              <a:rPr lang="en-US" sz="2400" dirty="0">
+                <a:solidFill>
+                  <a:schemeClr val="tx1"/>
+                </a:solidFill>
+                <a:latin typeface="Courier" pitchFamily="2" charset="0"/>
+              </a:rPr>
+              <a:t>(hp2013Q1, </a:t>
+            </a:r>
+            <a:r>
+              <a:rPr lang="en-US" sz="2400" dirty="0" err="1">
+                <a:solidFill>
+                  <a:schemeClr val="tx1"/>
+                </a:solidFill>
+                <a:latin typeface="Courier" pitchFamily="2" charset="0"/>
+              </a:rPr>
+              <a:t>aes</a:t>
+            </a:r>
+            <a:r>
+              <a:rPr lang="en-US" sz="2400" dirty="0">
+                <a:solidFill>
+                  <a:schemeClr val="tx1"/>
+                </a:solidFill>
+                <a:latin typeface="Courier" pitchFamily="2" charset="0"/>
+              </a:rPr>
+              <a:t>(x = </a:t>
+            </a:r>
+            <a:r>
+              <a:rPr lang="en-US" sz="2400" dirty="0" err="1">
+                <a:solidFill>
+                  <a:schemeClr val="tx1"/>
+                </a:solidFill>
+                <a:latin typeface="Courier" pitchFamily="2" charset="0"/>
+              </a:rPr>
+              <a:t>Land.Value</a:t>
+            </a:r>
+            <a:r>
+              <a:rPr lang="en-US" sz="2400" dirty="0">
+                <a:solidFill>
+                  <a:schemeClr val="tx1"/>
+                </a:solidFill>
+                <a:latin typeface="Courier" pitchFamily="2" charset="0"/>
+              </a:rPr>
+              <a:t>, y = </a:t>
+            </a:r>
+            <a:r>
+              <a:rPr lang="en-US" sz="2400" dirty="0" err="1">
+                <a:solidFill>
+                  <a:schemeClr val="tx1"/>
+                </a:solidFill>
+                <a:latin typeface="Courier" pitchFamily="2" charset="0"/>
+              </a:rPr>
+              <a:t>Structure.Cost</a:t>
+            </a:r>
+            <a:r>
+              <a:rPr lang="en-US" sz="2400" dirty="0">
+                <a:solidFill>
+                  <a:schemeClr val="tx1"/>
+                </a:solidFill>
+                <a:latin typeface="Courier" pitchFamily="2" charset="0"/>
+              </a:rPr>
+              <a:t>)) +</a:t>
+            </a:r>
+          </a:p>
+          <a:p>
+            <a:r>
+              <a:rPr lang="en-US" sz="2400" dirty="0">
+                <a:solidFill>
+                  <a:schemeClr val="tx1"/>
+                </a:solidFill>
+                <a:latin typeface="Courier" pitchFamily="2" charset="0"/>
+              </a:rPr>
+              <a:t>  </a:t>
+            </a:r>
+            <a:r>
+              <a:rPr lang="en-US" sz="2400" dirty="0" err="1">
+                <a:solidFill>
+                  <a:schemeClr val="tx1"/>
+                </a:solidFill>
+                <a:latin typeface="Courier" pitchFamily="2" charset="0"/>
+              </a:rPr>
+              <a:t>geom_point</a:t>
+            </a:r>
+            <a:r>
+              <a:rPr lang="en-US" sz="2400" dirty="0">
+                <a:solidFill>
+                  <a:schemeClr val="tx1"/>
+                </a:solidFill>
+                <a:latin typeface="Courier" pitchFamily="2" charset="0"/>
+              </a:rPr>
+              <a:t>(</a:t>
+            </a:r>
+            <a:r>
+              <a:rPr lang="en-US" sz="2400" dirty="0">
+                <a:solidFill>
+                  <a:schemeClr val="tx1"/>
+                </a:solidFill>
+                <a:highlight>
+                  <a:srgbClr val="FFFF00"/>
+                </a:highlight>
+                <a:latin typeface="Courier" pitchFamily="2" charset="0"/>
+              </a:rPr>
+              <a:t>color = red</a:t>
+            </a:r>
+            <a:r>
+              <a:rPr lang="en-US" sz="2400" dirty="0">
+                <a:solidFill>
+                  <a:schemeClr val="tx1"/>
+                </a:solidFill>
+                <a:latin typeface="Courier" pitchFamily="2" charset="0"/>
+              </a:rPr>
+              <a:t>)</a:t>
+            </a:r>
+          </a:p>
+        </p:txBody>
+      </p:sp>
+      <p:pic>
+        <p:nvPicPr>
+          <p:cNvPr id="5" name="Picture 4" descr="A graph with red dots&#10;&#10;Description automatically generated">
+            <a:extLst>
+              <a:ext uri="{FF2B5EF4-FFF2-40B4-BE49-F238E27FC236}">
+                <a16:creationId xmlns:a16="http://schemas.microsoft.com/office/drawing/2014/main" id="{CB74A083-F148-BF7F-630F-552EFB7F865A}"/>
+              </a:ext>
+            </a:extLst>
+          </p:cNvPr>
+          <p:cNvPicPr>
+            <a:picLocks noChangeAspect="1"/>
+          </p:cNvPicPr>
+          <p:nvPr/>
+        </p:nvPicPr>
+        <p:blipFill>
+          <a:blip r:embed="rId2"/>
+          <a:stretch>
+            <a:fillRect/>
+          </a:stretch>
+        </p:blipFill>
+        <p:spPr>
+          <a:xfrm>
+            <a:off x="2209800" y="2784989"/>
+            <a:ext cx="7772400" cy="3925454"/>
+          </a:xfrm>
+          <a:prstGeom prst="rect">
+            <a:avLst/>
+          </a:prstGeom>
+        </p:spPr>
+      </p:pic>
+      <p:sp>
+        <p:nvSpPr>
+          <p:cNvPr id="2" name="Rounded Rectangular Callout 1">
+            <a:extLst>
+              <a:ext uri="{FF2B5EF4-FFF2-40B4-BE49-F238E27FC236}">
+                <a16:creationId xmlns:a16="http://schemas.microsoft.com/office/drawing/2014/main" id="{47E24F19-B127-39BA-ACBD-55E833C04C4E}"/>
+              </a:ext>
+            </a:extLst>
+          </p:cNvPr>
+          <p:cNvSpPr/>
+          <p:nvPr/>
+        </p:nvSpPr>
+        <p:spPr>
+          <a:xfrm>
+            <a:off x="5263662" y="3010978"/>
+            <a:ext cx="3950676" cy="681791"/>
+          </a:xfrm>
+          <a:prstGeom prst="wedgeRoundRectCallout">
+            <a:avLst>
+              <a:gd name="adj1" fmla="val -52211"/>
+              <a:gd name="adj2" fmla="val -127080"/>
+              <a:gd name="adj3" fmla="val 16667"/>
+            </a:avLst>
+          </a:prstGeom>
+        </p:spPr>
+        <p:style>
+          <a:lnRef idx="2">
+            <a:schemeClr val="accent3">
+              <a:shade val="15000"/>
+            </a:schemeClr>
+          </a:lnRef>
+          <a:fillRef idx="1">
+            <a:schemeClr val="accent3"/>
+          </a:fillRef>
+          <a:effectRef idx="0">
+            <a:schemeClr val="accent3"/>
+          </a:effectRef>
+          <a:fontRef idx="minor">
+            <a:schemeClr val="lt1"/>
+          </a:fontRef>
+        </p:style>
+        <p:txBody>
+          <a:bodyPr rtlCol="0" anchor="ctr"/>
+          <a:lstStyle/>
+          <a:p>
+            <a:pPr algn="ctr"/>
+            <a:r>
+              <a:rPr lang="en-US" sz="2400" dirty="0"/>
+              <a:t>Assigns a color to all points</a:t>
+            </a:r>
+          </a:p>
+        </p:txBody>
+      </p:sp>
+    </p:spTree>
+    <p:extLst>
+      <p:ext uri="{BB962C8B-B14F-4D97-AF65-F5344CB8AC3E}">
+        <p14:creationId xmlns:p14="http://schemas.microsoft.com/office/powerpoint/2010/main" val="1067772600"/>
+      </p:ext>
+    </p:extLst>
+  </p:cSld>
+  <p:clrMapOvr>
+    <a:masterClrMapping/>
+  </p:clrMapOvr>
+</p:sld>
+</file>
+
+<file path=ppt/slides/slide15.xml><?xml version="1.0" encoding="utf-8"?>
+<p:sld xmlns:a="http://schemas.openxmlformats.org/drawingml/2006/main" xmlns:r="http://schemas.openxmlformats.org/officeDocument/2006/relationships" xmlns:p="http://schemas.openxmlformats.org/presentationml/2006/main">
+  <p:cSld>
+    <p:spTree>
+      <p:nvGrpSpPr>
+        <p:cNvPr id="1" name=""/>
+        <p:cNvGrpSpPr/>
+        <p:nvPr/>
+      </p:nvGrpSpPr>
+      <p:grpSpPr>
+        <a:xfrm>
+          <a:off x="0" y="0"/>
+          <a:ext cx="0" cy="0"/>
+          <a:chOff x="0" y="0"/>
+          <a:chExt cx="0" cy="0"/>
+        </a:xfrm>
+      </p:grpSpPr>
+      <p:sp>
+        <p:nvSpPr>
+          <p:cNvPr id="3" name="Content Placeholder 2">
+            <a:extLst>
+              <a:ext uri="{FF2B5EF4-FFF2-40B4-BE49-F238E27FC236}">
+                <a16:creationId xmlns:a16="http://schemas.microsoft.com/office/drawing/2014/main" id="{4EE4DF22-35E3-E520-9280-CCF576E15A29}"/>
+              </a:ext>
+            </a:extLst>
+          </p:cNvPr>
+          <p:cNvSpPr>
+            <a:spLocks noGrp="1"/>
+          </p:cNvSpPr>
+          <p:nvPr>
+            <p:ph idx="1"/>
+          </p:nvPr>
+        </p:nvSpPr>
+        <p:spPr>
+          <a:xfrm>
+            <a:off x="3869268" y="164123"/>
+            <a:ext cx="7315200" cy="5820625"/>
+          </a:xfrm>
+        </p:spPr>
+        <p:txBody>
+          <a:bodyPr anchor="t">
+            <a:normAutofit/>
+          </a:bodyPr>
+          <a:lstStyle/>
+          <a:p>
+            <a:pPr marL="0" indent="0">
+              <a:buNone/>
+            </a:pPr>
+            <a:r>
+              <a:rPr lang="en-US" sz="3200" b="1" dirty="0"/>
+              <a:t>Controlling Aesthetic Mapping</a:t>
+            </a:r>
+          </a:p>
+          <a:p>
+            <a:r>
+              <a:rPr lang="en-US" sz="3200" dirty="0" err="1"/>
+              <a:t>aes</a:t>
+            </a:r>
+            <a:r>
+              <a:rPr lang="en-US" sz="3200" dirty="0"/>
+              <a:t>() says to map an aesthetic to a variable, it does not specify </a:t>
+            </a:r>
+            <a:r>
+              <a:rPr lang="en-US" sz="3200" i="1" dirty="0"/>
+              <a:t>how</a:t>
+            </a:r>
+          </a:p>
+        </p:txBody>
+      </p:sp>
+    </p:spTree>
+    <p:extLst>
+      <p:ext uri="{BB962C8B-B14F-4D97-AF65-F5344CB8AC3E}">
+        <p14:creationId xmlns:p14="http://schemas.microsoft.com/office/powerpoint/2010/main" val="2796254352"/>
+      </p:ext>
+    </p:extLst>
+  </p:cSld>
+  <p:clrMapOvr>
+    <a:masterClrMapping/>
+  </p:clrMapOvr>
+</p:sld>
+</file>
+
+<file path=ppt/slides/slide16.xml><?xml version="1.0" encoding="utf-8"?>
+<p:sld xmlns:a="http://schemas.openxmlformats.org/drawingml/2006/main" xmlns:r="http://schemas.openxmlformats.org/officeDocument/2006/relationships" xmlns:p="http://schemas.openxmlformats.org/presentationml/2006/main">
+  <p:cSld>
+    <p:spTree>
+      <p:nvGrpSpPr>
+        <p:cNvPr id="1" name=""/>
+        <p:cNvGrpSpPr/>
+        <p:nvPr/>
+      </p:nvGrpSpPr>
+      <p:grpSpPr>
+        <a:xfrm>
+          <a:off x="0" y="0"/>
+          <a:ext cx="0" cy="0"/>
+          <a:chOff x="0" y="0"/>
+          <a:chExt cx="0" cy="0"/>
+        </a:xfrm>
+      </p:grpSpPr>
+      <p:sp>
+        <p:nvSpPr>
+          <p:cNvPr id="3" name="Content Placeholder 2">
+            <a:extLst>
+              <a:ext uri="{FF2B5EF4-FFF2-40B4-BE49-F238E27FC236}">
+                <a16:creationId xmlns:a16="http://schemas.microsoft.com/office/drawing/2014/main" id="{4EE4DF22-35E3-E520-9280-CCF576E15A29}"/>
+              </a:ext>
+            </a:extLst>
+          </p:cNvPr>
+          <p:cNvSpPr>
+            <a:spLocks noGrp="1"/>
+          </p:cNvSpPr>
+          <p:nvPr>
+            <p:ph idx="1"/>
+          </p:nvPr>
+        </p:nvSpPr>
+        <p:spPr>
+          <a:xfrm>
+            <a:off x="3869268" y="164123"/>
+            <a:ext cx="7315200" cy="5820625"/>
+          </a:xfrm>
+        </p:spPr>
+        <p:txBody>
+          <a:bodyPr anchor="t">
+            <a:normAutofit/>
+          </a:bodyPr>
+          <a:lstStyle/>
+          <a:p>
+            <a:pPr marL="0" indent="0">
+              <a:buNone/>
+            </a:pPr>
+            <a:r>
+              <a:rPr lang="en-US" sz="3200" b="1" dirty="0"/>
+              <a:t>Controlling Aesthetic Mapping</a:t>
+            </a:r>
+          </a:p>
+          <a:p>
+            <a:r>
+              <a:rPr lang="en-US" sz="3200" dirty="0" err="1"/>
+              <a:t>aes</a:t>
+            </a:r>
+            <a:r>
+              <a:rPr lang="en-US" sz="3200" dirty="0"/>
+              <a:t>() says to map an aesthetic to a variable, it does not specify </a:t>
+            </a:r>
+            <a:r>
+              <a:rPr lang="en-US" sz="3200" i="1" dirty="0"/>
+              <a:t>how</a:t>
+            </a:r>
+          </a:p>
+          <a:p>
+            <a:r>
+              <a:rPr lang="en-US" sz="3200" dirty="0"/>
+              <a:t>Ex. </a:t>
+            </a:r>
+          </a:p>
+        </p:txBody>
+      </p:sp>
+      <p:sp>
+        <p:nvSpPr>
+          <p:cNvPr id="2" name="Rectangle 1">
+            <a:extLst>
+              <a:ext uri="{FF2B5EF4-FFF2-40B4-BE49-F238E27FC236}">
+                <a16:creationId xmlns:a16="http://schemas.microsoft.com/office/drawing/2014/main" id="{45A8B571-043E-9D32-7051-F556D1BA71CD}"/>
+              </a:ext>
+            </a:extLst>
+          </p:cNvPr>
+          <p:cNvSpPr/>
+          <p:nvPr/>
+        </p:nvSpPr>
+        <p:spPr>
+          <a:xfrm>
+            <a:off x="503766" y="2273893"/>
+            <a:ext cx="11184468" cy="1962981"/>
+          </a:xfrm>
+          <a:prstGeom prst="rect">
+            <a:avLst/>
+          </a:prstGeom>
+          <a:solidFill>
+            <a:schemeClr val="bg1">
+              <a:lumMod val="95000"/>
+            </a:schemeClr>
+          </a:solidFill>
+          <a:ln>
+            <a:noFill/>
+          </a:ln>
+        </p:spPr>
+        <p:style>
+          <a:lnRef idx="2">
+            <a:schemeClr val="accent4">
+              <a:shade val="50000"/>
+            </a:schemeClr>
+          </a:lnRef>
+          <a:fillRef idx="1">
+            <a:schemeClr val="accent4"/>
+          </a:fillRef>
+          <a:effectRef idx="0">
+            <a:schemeClr val="accent4"/>
+          </a:effectRef>
+          <a:fontRef idx="minor">
+            <a:schemeClr val="lt1"/>
+          </a:fontRef>
+        </p:style>
+        <p:txBody>
+          <a:bodyPr rtlCol="0" anchor="t"/>
+          <a:lstStyle/>
+          <a:p>
+            <a:r>
+              <a:rPr lang="en-US" sz="2400" dirty="0">
+                <a:solidFill>
+                  <a:srgbClr val="00B050"/>
+                </a:solidFill>
+                <a:latin typeface="Courier" pitchFamily="2" charset="0"/>
+              </a:rPr>
+              <a:t># filter</a:t>
+            </a:r>
+          </a:p>
+          <a:p>
+            <a:r>
+              <a:rPr lang="en-US" sz="2400" dirty="0">
+                <a:solidFill>
+                  <a:schemeClr val="tx1"/>
+                </a:solidFill>
+                <a:latin typeface="Courier" pitchFamily="2" charset="0"/>
+              </a:rPr>
+              <a:t>hp2013Q1 &lt;- housing %&gt;% filter(Date == 2013.25) </a:t>
+            </a:r>
+          </a:p>
+          <a:p>
+            <a:r>
+              <a:rPr lang="en-US" sz="2400" dirty="0">
+                <a:solidFill>
+                  <a:srgbClr val="00B050"/>
+                </a:solidFill>
+                <a:latin typeface="Courier" pitchFamily="2" charset="0"/>
+              </a:rPr>
+              <a:t># plot </a:t>
+            </a:r>
+          </a:p>
+          <a:p>
+            <a:r>
+              <a:rPr lang="en-US" sz="2400" dirty="0" err="1">
+                <a:solidFill>
+                  <a:schemeClr val="tx1"/>
+                </a:solidFill>
+                <a:latin typeface="Courier" pitchFamily="2" charset="0"/>
+              </a:rPr>
+              <a:t>ggplot</a:t>
+            </a:r>
+            <a:r>
+              <a:rPr lang="en-US" sz="2400" dirty="0">
+                <a:solidFill>
+                  <a:schemeClr val="tx1"/>
+                </a:solidFill>
+                <a:latin typeface="Courier" pitchFamily="2" charset="0"/>
+              </a:rPr>
+              <a:t>(hp2013Q1, </a:t>
+            </a:r>
+            <a:r>
+              <a:rPr lang="en-US" sz="2400" dirty="0" err="1">
+                <a:solidFill>
+                  <a:schemeClr val="tx1"/>
+                </a:solidFill>
+                <a:latin typeface="Courier" pitchFamily="2" charset="0"/>
+              </a:rPr>
+              <a:t>aes</a:t>
+            </a:r>
+            <a:r>
+              <a:rPr lang="en-US" sz="2400" dirty="0">
+                <a:solidFill>
+                  <a:schemeClr val="tx1"/>
+                </a:solidFill>
+                <a:latin typeface="Courier" pitchFamily="2" charset="0"/>
+              </a:rPr>
+              <a:t>(x = </a:t>
+            </a:r>
+            <a:r>
+              <a:rPr lang="en-US" sz="2400" dirty="0" err="1">
+                <a:solidFill>
+                  <a:schemeClr val="tx1"/>
+                </a:solidFill>
+                <a:latin typeface="Courier" pitchFamily="2" charset="0"/>
+              </a:rPr>
+              <a:t>Land.Value</a:t>
+            </a:r>
+            <a:r>
+              <a:rPr lang="en-US" sz="2400" dirty="0">
+                <a:solidFill>
+                  <a:schemeClr val="tx1"/>
+                </a:solidFill>
+                <a:latin typeface="Courier" pitchFamily="2" charset="0"/>
+              </a:rPr>
+              <a:t>, y = </a:t>
+            </a:r>
+            <a:r>
+              <a:rPr lang="en-US" sz="2400" dirty="0" err="1">
+                <a:solidFill>
+                  <a:schemeClr val="tx1"/>
+                </a:solidFill>
+                <a:latin typeface="Courier" pitchFamily="2" charset="0"/>
+              </a:rPr>
+              <a:t>Structure.Cost</a:t>
+            </a:r>
+            <a:r>
+              <a:rPr lang="en-US" sz="2400" dirty="0">
+                <a:solidFill>
+                  <a:schemeClr val="tx1"/>
+                </a:solidFill>
+                <a:latin typeface="Courier" pitchFamily="2" charset="0"/>
+              </a:rPr>
+              <a:t>)) +</a:t>
+            </a:r>
+          </a:p>
+          <a:p>
+            <a:r>
+              <a:rPr lang="en-US" sz="2400" dirty="0">
+                <a:solidFill>
+                  <a:schemeClr val="tx1"/>
+                </a:solidFill>
+                <a:latin typeface="Courier" pitchFamily="2" charset="0"/>
+              </a:rPr>
+              <a:t>  </a:t>
+            </a:r>
+            <a:r>
+              <a:rPr lang="en-US" sz="2400" dirty="0" err="1">
+                <a:solidFill>
+                  <a:schemeClr val="tx1"/>
+                </a:solidFill>
+                <a:latin typeface="Courier" pitchFamily="2" charset="0"/>
+              </a:rPr>
+              <a:t>geom_point</a:t>
+            </a:r>
+            <a:r>
+              <a:rPr lang="en-US" sz="2400" dirty="0">
+                <a:solidFill>
+                  <a:schemeClr val="tx1"/>
+                </a:solidFill>
+                <a:latin typeface="Courier" pitchFamily="2" charset="0"/>
+              </a:rPr>
+              <a:t>(</a:t>
+            </a:r>
+            <a:r>
+              <a:rPr lang="en-US" sz="2400" dirty="0" err="1">
+                <a:solidFill>
+                  <a:schemeClr val="tx1"/>
+                </a:solidFill>
+                <a:highlight>
+                  <a:srgbClr val="FFFF00"/>
+                </a:highlight>
+                <a:latin typeface="Courier" pitchFamily="2" charset="0"/>
+              </a:rPr>
+              <a:t>aes</a:t>
+            </a:r>
+            <a:r>
+              <a:rPr lang="en-US" sz="2400" dirty="0">
+                <a:solidFill>
+                  <a:schemeClr val="tx1"/>
+                </a:solidFill>
+                <a:highlight>
+                  <a:srgbClr val="FFFF00"/>
+                </a:highlight>
+                <a:latin typeface="Courier" pitchFamily="2" charset="0"/>
+              </a:rPr>
+              <a:t>(color = </a:t>
+            </a:r>
+            <a:r>
+              <a:rPr lang="en-US" sz="2400" dirty="0" err="1">
+                <a:solidFill>
+                  <a:schemeClr val="tx1"/>
+                </a:solidFill>
+                <a:highlight>
+                  <a:srgbClr val="FFFF00"/>
+                </a:highlight>
+                <a:latin typeface="Courier" pitchFamily="2" charset="0"/>
+              </a:rPr>
+              <a:t>Home.Value</a:t>
+            </a:r>
+            <a:r>
+              <a:rPr lang="en-US" sz="2400" dirty="0">
+                <a:solidFill>
+                  <a:schemeClr val="tx1"/>
+                </a:solidFill>
+                <a:highlight>
+                  <a:srgbClr val="FFFF00"/>
+                </a:highlight>
+                <a:latin typeface="Courier" pitchFamily="2" charset="0"/>
+              </a:rPr>
+              <a:t>)</a:t>
+            </a:r>
+            <a:r>
+              <a:rPr lang="en-US" sz="2400" dirty="0">
+                <a:solidFill>
+                  <a:schemeClr val="tx1"/>
+                </a:solidFill>
+                <a:latin typeface="Courier" pitchFamily="2" charset="0"/>
+              </a:rPr>
+              <a:t>)</a:t>
+            </a:r>
+          </a:p>
+        </p:txBody>
+      </p:sp>
+      <p:sp>
+        <p:nvSpPr>
+          <p:cNvPr id="4" name="Rounded Rectangular Callout 3">
+            <a:extLst>
+              <a:ext uri="{FF2B5EF4-FFF2-40B4-BE49-F238E27FC236}">
+                <a16:creationId xmlns:a16="http://schemas.microsoft.com/office/drawing/2014/main" id="{93F7D41C-76ED-09DE-6BCC-A07AB7F42662}"/>
+              </a:ext>
+            </a:extLst>
+          </p:cNvPr>
+          <p:cNvSpPr/>
+          <p:nvPr/>
+        </p:nvSpPr>
+        <p:spPr>
+          <a:xfrm>
+            <a:off x="5017477" y="4769915"/>
+            <a:ext cx="4396154" cy="1214833"/>
+          </a:xfrm>
+          <a:prstGeom prst="wedgeRoundRectCallout">
+            <a:avLst>
+              <a:gd name="adj1" fmla="val -52211"/>
+              <a:gd name="adj2" fmla="val -102955"/>
+              <a:gd name="adj3" fmla="val 16667"/>
+            </a:avLst>
+          </a:prstGeom>
+        </p:spPr>
+        <p:style>
+          <a:lnRef idx="2">
+            <a:schemeClr val="accent3">
+              <a:shade val="15000"/>
+            </a:schemeClr>
+          </a:lnRef>
+          <a:fillRef idx="1">
+            <a:schemeClr val="accent3"/>
+          </a:fillRef>
+          <a:effectRef idx="0">
+            <a:schemeClr val="accent3"/>
+          </a:effectRef>
+          <a:fontRef idx="minor">
+            <a:schemeClr val="lt1"/>
+          </a:fontRef>
+        </p:style>
+        <p:txBody>
+          <a:bodyPr rtlCol="0" anchor="ctr"/>
+          <a:lstStyle/>
+          <a:p>
+            <a:pPr algn="ctr"/>
+            <a:r>
+              <a:rPr lang="en-US" sz="2400" dirty="0"/>
+              <a:t>Maps color to </a:t>
+            </a:r>
+            <a:r>
+              <a:rPr lang="en-US" sz="2400" dirty="0" err="1"/>
+              <a:t>Home.Value</a:t>
+            </a:r>
+            <a:r>
+              <a:rPr lang="en-US" sz="2400" dirty="0"/>
+              <a:t>, but doesn’t specify </a:t>
+            </a:r>
+            <a:r>
+              <a:rPr lang="en-US" sz="2400" i="1" dirty="0"/>
+              <a:t>what</a:t>
+            </a:r>
+            <a:r>
+              <a:rPr lang="en-US" sz="2400" dirty="0"/>
+              <a:t> color</a:t>
+            </a:r>
+          </a:p>
+        </p:txBody>
+      </p:sp>
+    </p:spTree>
+    <p:extLst>
+      <p:ext uri="{BB962C8B-B14F-4D97-AF65-F5344CB8AC3E}">
+        <p14:creationId xmlns:p14="http://schemas.microsoft.com/office/powerpoint/2010/main" val="1274566338"/>
+      </p:ext>
+    </p:extLst>
+  </p:cSld>
+  <p:clrMapOvr>
+    <a:masterClrMapping/>
+  </p:clrMapOvr>
+</p:sld>
+</file>
+
+<file path=ppt/slides/slide17.xml><?xml version="1.0" encoding="utf-8"?>
+<p:sld xmlns:a="http://schemas.openxmlformats.org/drawingml/2006/main" xmlns:r="http://schemas.openxmlformats.org/officeDocument/2006/relationships" xmlns:p="http://schemas.openxmlformats.org/presentationml/2006/main">
+  <p:cSld>
+    <p:spTree>
+      <p:nvGrpSpPr>
+        <p:cNvPr id="1" name=""/>
+        <p:cNvGrpSpPr/>
+        <p:nvPr/>
+      </p:nvGrpSpPr>
+      <p:grpSpPr>
+        <a:xfrm>
+          <a:off x="0" y="0"/>
+          <a:ext cx="0" cy="0"/>
+          <a:chOff x="0" y="0"/>
+          <a:chExt cx="0" cy="0"/>
+        </a:xfrm>
+      </p:grpSpPr>
+      <p:sp>
+        <p:nvSpPr>
+          <p:cNvPr id="3" name="Content Placeholder 2">
+            <a:extLst>
+              <a:ext uri="{FF2B5EF4-FFF2-40B4-BE49-F238E27FC236}">
+                <a16:creationId xmlns:a16="http://schemas.microsoft.com/office/drawing/2014/main" id="{4EE4DF22-35E3-E520-9280-CCF576E15A29}"/>
+              </a:ext>
+            </a:extLst>
+          </p:cNvPr>
+          <p:cNvSpPr>
+            <a:spLocks noGrp="1"/>
+          </p:cNvSpPr>
+          <p:nvPr>
+            <p:ph idx="1"/>
+          </p:nvPr>
+        </p:nvSpPr>
+        <p:spPr>
+          <a:xfrm>
+            <a:off x="3869268" y="164123"/>
+            <a:ext cx="7315200" cy="5820625"/>
+          </a:xfrm>
+        </p:spPr>
+        <p:txBody>
+          <a:bodyPr anchor="t">
+            <a:normAutofit/>
+          </a:bodyPr>
+          <a:lstStyle/>
+          <a:p>
+            <a:pPr marL="0" indent="0">
+              <a:buNone/>
+            </a:pPr>
+            <a:r>
+              <a:rPr lang="en-US" sz="3200" b="1" dirty="0"/>
+              <a:t>Controlling Aesthetic Mapping</a:t>
+            </a:r>
+          </a:p>
+          <a:p>
+            <a:r>
+              <a:rPr lang="en-US" sz="3200" dirty="0" err="1"/>
+              <a:t>aes</a:t>
+            </a:r>
+            <a:r>
+              <a:rPr lang="en-US" sz="3200" dirty="0"/>
+              <a:t>() says to map an aesthetic to a variable, it does not specify </a:t>
+            </a:r>
+            <a:r>
+              <a:rPr lang="en-US" sz="3200" i="1" dirty="0"/>
+              <a:t>how</a:t>
+            </a:r>
+          </a:p>
+          <a:p>
+            <a:r>
+              <a:rPr lang="en-US" sz="3200" dirty="0"/>
+              <a:t>This is controlled through scales </a:t>
+            </a:r>
+          </a:p>
+          <a:p>
+            <a:r>
+              <a:rPr lang="en-US" sz="3200" dirty="0"/>
+              <a:t>In </a:t>
+            </a:r>
+            <a:r>
+              <a:rPr lang="en-US" sz="3200" dirty="0" err="1"/>
+              <a:t>ggplot</a:t>
+            </a:r>
+            <a:r>
+              <a:rPr lang="en-US" sz="3200" dirty="0"/>
+              <a:t> scales include:</a:t>
+            </a:r>
+          </a:p>
+          <a:p>
+            <a:pPr lvl="1"/>
+            <a:r>
+              <a:rPr lang="en-US" sz="3000" dirty="0">
+                <a:latin typeface="Consolas" panose="020B0609020204030204" pitchFamily="49" charset="0"/>
+                <a:cs typeface="Consolas" panose="020B0609020204030204" pitchFamily="49" charset="0"/>
+              </a:rPr>
+              <a:t>position</a:t>
+            </a:r>
+          </a:p>
+          <a:p>
+            <a:pPr lvl="1"/>
+            <a:r>
+              <a:rPr lang="en-US" sz="3000" dirty="0">
+                <a:latin typeface="Consolas" panose="020B0609020204030204" pitchFamily="49" charset="0"/>
+                <a:cs typeface="Consolas" panose="020B0609020204030204" pitchFamily="49" charset="0"/>
+              </a:rPr>
+              <a:t>color </a:t>
+            </a:r>
+            <a:r>
+              <a:rPr lang="en-US" sz="3000" dirty="0">
+                <a:latin typeface="+mj-lt"/>
+                <a:cs typeface="Consolas" panose="020B0609020204030204" pitchFamily="49" charset="0"/>
+              </a:rPr>
+              <a:t>and</a:t>
+            </a:r>
+            <a:r>
+              <a:rPr lang="en-US" sz="3000" dirty="0">
+                <a:latin typeface="Consolas" panose="020B0609020204030204" pitchFamily="49" charset="0"/>
+                <a:cs typeface="Consolas" panose="020B0609020204030204" pitchFamily="49" charset="0"/>
+              </a:rPr>
+              <a:t> fill</a:t>
+            </a:r>
+          </a:p>
+          <a:p>
+            <a:pPr lvl="1"/>
+            <a:r>
+              <a:rPr lang="en-US" sz="3000" dirty="0">
+                <a:latin typeface="Consolas" panose="020B0609020204030204" pitchFamily="49" charset="0"/>
+                <a:cs typeface="Consolas" panose="020B0609020204030204" pitchFamily="49" charset="0"/>
+              </a:rPr>
+              <a:t>size</a:t>
+            </a:r>
+          </a:p>
+          <a:p>
+            <a:pPr lvl="1"/>
+            <a:r>
+              <a:rPr lang="en-US" sz="3000" dirty="0">
+                <a:latin typeface="Consolas" panose="020B0609020204030204" pitchFamily="49" charset="0"/>
+                <a:cs typeface="Consolas" panose="020B0609020204030204" pitchFamily="49" charset="0"/>
+              </a:rPr>
+              <a:t>shape</a:t>
+            </a:r>
+          </a:p>
+          <a:p>
+            <a:pPr lvl="1"/>
+            <a:r>
+              <a:rPr lang="en-US" sz="3000" dirty="0" err="1">
+                <a:latin typeface="Consolas" panose="020B0609020204030204" pitchFamily="49" charset="0"/>
+                <a:cs typeface="Consolas" panose="020B0609020204030204" pitchFamily="49" charset="0"/>
+              </a:rPr>
+              <a:t>linetype</a:t>
+            </a:r>
+            <a:r>
+              <a:rPr lang="en-US" sz="3000" dirty="0">
+                <a:latin typeface="Consolas" panose="020B0609020204030204" pitchFamily="49" charset="0"/>
+                <a:cs typeface="Consolas" panose="020B0609020204030204" pitchFamily="49" charset="0"/>
+              </a:rPr>
+              <a:t> </a:t>
+            </a:r>
+          </a:p>
+        </p:txBody>
+      </p:sp>
+    </p:spTree>
+    <p:extLst>
+      <p:ext uri="{BB962C8B-B14F-4D97-AF65-F5344CB8AC3E}">
+        <p14:creationId xmlns:p14="http://schemas.microsoft.com/office/powerpoint/2010/main" val="1963406837"/>
+      </p:ext>
+    </p:extLst>
+  </p:cSld>
+  <p:clrMapOvr>
+    <a:masterClrMapping/>
+  </p:clrMapOvr>
+</p:sld>
+</file>
+
+<file path=ppt/slides/slide18.xml><?xml version="1.0" encoding="utf-8"?>
+<p:sld xmlns:a="http://schemas.openxmlformats.org/drawingml/2006/main" xmlns:r="http://schemas.openxmlformats.org/officeDocument/2006/relationships" xmlns:p="http://schemas.openxmlformats.org/presentationml/2006/main">
+  <p:cSld>
+    <p:spTree>
+      <p:nvGrpSpPr>
+        <p:cNvPr id="1" name=""/>
+        <p:cNvGrpSpPr/>
+        <p:nvPr/>
+      </p:nvGrpSpPr>
+      <p:grpSpPr>
+        <a:xfrm>
+          <a:off x="0" y="0"/>
+          <a:ext cx="0" cy="0"/>
+          <a:chOff x="0" y="0"/>
+          <a:chExt cx="0" cy="0"/>
+        </a:xfrm>
+      </p:grpSpPr>
+      <p:sp>
+        <p:nvSpPr>
+          <p:cNvPr id="3" name="Content Placeholder 2">
+            <a:extLst>
+              <a:ext uri="{FF2B5EF4-FFF2-40B4-BE49-F238E27FC236}">
+                <a16:creationId xmlns:a16="http://schemas.microsoft.com/office/drawing/2014/main" id="{4EE4DF22-35E3-E520-9280-CCF576E15A29}"/>
+              </a:ext>
+            </a:extLst>
+          </p:cNvPr>
+          <p:cNvSpPr>
+            <a:spLocks noGrp="1"/>
+          </p:cNvSpPr>
+          <p:nvPr>
+            <p:ph idx="1"/>
+          </p:nvPr>
+        </p:nvSpPr>
+        <p:spPr>
+          <a:xfrm>
+            <a:off x="3869268" y="164123"/>
+            <a:ext cx="7315200" cy="5820625"/>
+          </a:xfrm>
+        </p:spPr>
+        <p:txBody>
+          <a:bodyPr anchor="t">
+            <a:normAutofit/>
+          </a:bodyPr>
+          <a:lstStyle/>
+          <a:p>
+            <a:pPr marL="0" indent="0">
+              <a:buNone/>
+            </a:pPr>
+            <a:r>
+              <a:rPr lang="en-US" sz="3200" b="1" dirty="0"/>
+              <a:t>Controlling Aesthetic Mapping</a:t>
+            </a:r>
+          </a:p>
+          <a:p>
+            <a:r>
+              <a:rPr lang="en-US" sz="3200" dirty="0" err="1"/>
+              <a:t>aes</a:t>
+            </a:r>
+            <a:r>
+              <a:rPr lang="en-US" sz="3200" dirty="0"/>
+              <a:t>() says to map an aesthetic to a variable, it does not specify </a:t>
+            </a:r>
+            <a:r>
+              <a:rPr lang="en-US" sz="3200" i="1" dirty="0"/>
+              <a:t>how</a:t>
+            </a:r>
+          </a:p>
+          <a:p>
+            <a:r>
+              <a:rPr lang="en-US" sz="3200" dirty="0"/>
+              <a:t>This is controlled through scales </a:t>
+            </a:r>
+          </a:p>
+          <a:p>
+            <a:r>
+              <a:rPr lang="en-US" sz="3200" dirty="0"/>
+              <a:t>In </a:t>
+            </a:r>
+            <a:r>
+              <a:rPr lang="en-US" sz="3200" dirty="0" err="1"/>
+              <a:t>ggplot</a:t>
+            </a:r>
+            <a:r>
+              <a:rPr lang="en-US" sz="3200" dirty="0"/>
+              <a:t> scales include:</a:t>
+            </a:r>
+          </a:p>
+          <a:p>
+            <a:pPr lvl="1"/>
+            <a:r>
+              <a:rPr lang="en-US" sz="3000" dirty="0">
+                <a:latin typeface="Consolas" panose="020B0609020204030204" pitchFamily="49" charset="0"/>
+                <a:cs typeface="Consolas" panose="020B0609020204030204" pitchFamily="49" charset="0"/>
+              </a:rPr>
+              <a:t>position</a:t>
+            </a:r>
+          </a:p>
+          <a:p>
+            <a:pPr lvl="1"/>
+            <a:r>
+              <a:rPr lang="en-US" sz="3000" dirty="0">
+                <a:latin typeface="Consolas" panose="020B0609020204030204" pitchFamily="49" charset="0"/>
+                <a:cs typeface="Consolas" panose="020B0609020204030204" pitchFamily="49" charset="0"/>
+              </a:rPr>
+              <a:t>color </a:t>
+            </a:r>
+            <a:r>
+              <a:rPr lang="en-US" sz="3000" dirty="0">
+                <a:latin typeface="+mj-lt"/>
+                <a:cs typeface="Consolas" panose="020B0609020204030204" pitchFamily="49" charset="0"/>
+              </a:rPr>
+              <a:t>and</a:t>
+            </a:r>
+            <a:r>
+              <a:rPr lang="en-US" sz="3000" dirty="0">
+                <a:latin typeface="Consolas" panose="020B0609020204030204" pitchFamily="49" charset="0"/>
+                <a:cs typeface="Consolas" panose="020B0609020204030204" pitchFamily="49" charset="0"/>
+              </a:rPr>
+              <a:t> fill</a:t>
+            </a:r>
+          </a:p>
+          <a:p>
+            <a:pPr lvl="1"/>
+            <a:r>
+              <a:rPr lang="en-US" sz="3000" dirty="0">
+                <a:latin typeface="Consolas" panose="020B0609020204030204" pitchFamily="49" charset="0"/>
+                <a:cs typeface="Consolas" panose="020B0609020204030204" pitchFamily="49" charset="0"/>
+              </a:rPr>
+              <a:t>size</a:t>
+            </a:r>
+          </a:p>
+          <a:p>
+            <a:pPr lvl="1"/>
+            <a:r>
+              <a:rPr lang="en-US" sz="3000" dirty="0">
+                <a:latin typeface="Consolas" panose="020B0609020204030204" pitchFamily="49" charset="0"/>
+                <a:cs typeface="Consolas" panose="020B0609020204030204" pitchFamily="49" charset="0"/>
+              </a:rPr>
+              <a:t>shape</a:t>
+            </a:r>
+          </a:p>
+          <a:p>
+            <a:pPr lvl="1"/>
+            <a:r>
+              <a:rPr lang="en-US" sz="3000" dirty="0" err="1">
+                <a:latin typeface="Consolas" panose="020B0609020204030204" pitchFamily="49" charset="0"/>
+                <a:cs typeface="Consolas" panose="020B0609020204030204" pitchFamily="49" charset="0"/>
+              </a:rPr>
+              <a:t>linetype</a:t>
+            </a:r>
+            <a:r>
+              <a:rPr lang="en-US" sz="3000" dirty="0">
+                <a:latin typeface="Consolas" panose="020B0609020204030204" pitchFamily="49" charset="0"/>
+                <a:cs typeface="Consolas" panose="020B0609020204030204" pitchFamily="49" charset="0"/>
+              </a:rPr>
+              <a:t> </a:t>
+            </a:r>
+          </a:p>
+        </p:txBody>
+      </p:sp>
+      <p:sp>
+        <p:nvSpPr>
+          <p:cNvPr id="2" name="Frame 1">
+            <a:extLst>
+              <a:ext uri="{FF2B5EF4-FFF2-40B4-BE49-F238E27FC236}">
+                <a16:creationId xmlns:a16="http://schemas.microsoft.com/office/drawing/2014/main" id="{0B49027A-70FA-D345-2462-7EAF78974B42}"/>
+              </a:ext>
+            </a:extLst>
+          </p:cNvPr>
+          <p:cNvSpPr/>
+          <p:nvPr/>
+        </p:nvSpPr>
+        <p:spPr>
+          <a:xfrm>
+            <a:off x="4384431" y="3317631"/>
+            <a:ext cx="3458307" cy="480646"/>
+          </a:xfrm>
+          <a:prstGeom prst="frame">
+            <a:avLst/>
+          </a:prstGeom>
+          <a:solidFill>
+            <a:srgbClr val="C00000"/>
+          </a:solidFill>
+          <a:ln>
+            <a:noFill/>
+          </a:ln>
+        </p:spPr>
+        <p:style>
+          <a:lnRef idx="2">
+            <a:schemeClr val="accent1">
+              <a:shade val="15000"/>
+            </a:schemeClr>
+          </a:lnRef>
+          <a:fillRef idx="1">
+            <a:schemeClr val="accent1"/>
+          </a:fillRef>
+          <a:effectRef idx="0">
+            <a:schemeClr val="accent1"/>
+          </a:effectRef>
+          <a:fontRef idx="minor">
+            <a:schemeClr val="lt1"/>
+          </a:fontRef>
+        </p:style>
+        <p:txBody>
+          <a:bodyPr rtlCol="0" anchor="ctr"/>
+          <a:lstStyle/>
+          <a:p>
+            <a:pPr algn="ctr"/>
+            <a:endParaRPr lang="en-US">
+              <a:solidFill>
+                <a:schemeClr val="tx1"/>
+              </a:solidFill>
+            </a:endParaRPr>
+          </a:p>
+        </p:txBody>
+      </p:sp>
+    </p:spTree>
+    <p:extLst>
+      <p:ext uri="{BB962C8B-B14F-4D97-AF65-F5344CB8AC3E}">
+        <p14:creationId xmlns:p14="http://schemas.microsoft.com/office/powerpoint/2010/main" val="890462575"/>
+      </p:ext>
+    </p:extLst>
+  </p:cSld>
+  <p:clrMapOvr>
+    <a:masterClrMapping/>
+  </p:clrMapOvr>
+</p:sld>
+</file>
+
+<file path=ppt/slides/slide19.xml><?xml version="1.0" encoding="utf-8"?>
+<p:sld xmlns:a="http://schemas.openxmlformats.org/drawingml/2006/main" xmlns:r="http://schemas.openxmlformats.org/officeDocument/2006/relationships" xmlns:p="http://schemas.openxmlformats.org/presentationml/2006/main">
+  <p:cSld>
+    <p:spTree>
+      <p:nvGrpSpPr>
+        <p:cNvPr id="1" name=""/>
+        <p:cNvGrpSpPr/>
+        <p:nvPr/>
+      </p:nvGrpSpPr>
+      <p:grpSpPr>
+        <a:xfrm>
+          <a:off x="0" y="0"/>
+          <a:ext cx="0" cy="0"/>
+          <a:chOff x="0" y="0"/>
+          <a:chExt cx="0" cy="0"/>
+        </a:xfrm>
+      </p:grpSpPr>
+      <p:sp>
+        <p:nvSpPr>
+          <p:cNvPr id="3" name="Content Placeholder 2">
+            <a:extLst>
+              <a:ext uri="{FF2B5EF4-FFF2-40B4-BE49-F238E27FC236}">
+                <a16:creationId xmlns:a16="http://schemas.microsoft.com/office/drawing/2014/main" id="{4EE4DF22-35E3-E520-9280-CCF576E15A29}"/>
+              </a:ext>
+            </a:extLst>
+          </p:cNvPr>
+          <p:cNvSpPr>
+            <a:spLocks noGrp="1"/>
+          </p:cNvSpPr>
+          <p:nvPr>
+            <p:ph idx="1"/>
+          </p:nvPr>
+        </p:nvSpPr>
+        <p:spPr>
+          <a:xfrm>
+            <a:off x="3869268" y="164123"/>
+            <a:ext cx="7315200" cy="5820625"/>
+          </a:xfrm>
+        </p:spPr>
+        <p:txBody>
+          <a:bodyPr anchor="t">
+            <a:normAutofit fontScale="92500" lnSpcReduction="10000"/>
+          </a:bodyPr>
+          <a:lstStyle/>
+          <a:p>
+            <a:pPr marL="0" indent="0">
+              <a:buNone/>
+            </a:pPr>
+            <a:r>
+              <a:rPr lang="en-US" sz="3200" b="1" dirty="0"/>
+              <a:t>Controlling Aesthetic Mapping</a:t>
+            </a:r>
+          </a:p>
+          <a:p>
+            <a:r>
+              <a:rPr lang="en-US" sz="3200" dirty="0" err="1"/>
+              <a:t>aes</a:t>
+            </a:r>
+            <a:r>
+              <a:rPr lang="en-US" sz="3200" dirty="0"/>
+              <a:t>() says to map an aesthetic to a variable, it does not specify </a:t>
+            </a:r>
+            <a:r>
+              <a:rPr lang="en-US" sz="3200" i="1" dirty="0"/>
+              <a:t>how</a:t>
+            </a:r>
+          </a:p>
+          <a:p>
+            <a:r>
+              <a:rPr lang="en-US" sz="3200" dirty="0"/>
+              <a:t>This is controlled through scales </a:t>
+            </a:r>
+          </a:p>
+          <a:p>
+            <a:r>
+              <a:rPr lang="en-US" sz="3200" dirty="0"/>
+              <a:t>The following arguments are common to most scales in ggplot2:</a:t>
+            </a:r>
+          </a:p>
+          <a:p>
+            <a:pPr lvl="1"/>
+            <a:r>
+              <a:rPr lang="en-US" sz="3000" b="1" dirty="0">
+                <a:latin typeface="Consolas" panose="020B0609020204030204" pitchFamily="49" charset="0"/>
+                <a:cs typeface="Consolas" panose="020B0609020204030204" pitchFamily="49" charset="0"/>
+              </a:rPr>
+              <a:t>name</a:t>
+            </a:r>
+            <a:r>
+              <a:rPr lang="en-US" sz="3000" dirty="0"/>
+              <a:t>:  the first argument specifies the axis or legend title</a:t>
+            </a:r>
+          </a:p>
+          <a:p>
+            <a:pPr lvl="1"/>
+            <a:r>
+              <a:rPr lang="en-US" sz="3000" b="1" dirty="0">
+                <a:latin typeface="Consolas" panose="020B0609020204030204" pitchFamily="49" charset="0"/>
+                <a:cs typeface="Consolas" panose="020B0609020204030204" pitchFamily="49" charset="0"/>
+              </a:rPr>
+              <a:t>limits</a:t>
+            </a:r>
+            <a:r>
+              <a:rPr lang="en-US" sz="3000" dirty="0"/>
+              <a:t>: the minimum and maximum of the scale</a:t>
+            </a:r>
+          </a:p>
+          <a:p>
+            <a:pPr lvl="1"/>
+            <a:r>
+              <a:rPr lang="en-US" sz="3000" b="1" dirty="0">
+                <a:latin typeface="Consolas" panose="020B0609020204030204" pitchFamily="49" charset="0"/>
+                <a:cs typeface="Consolas" panose="020B0609020204030204" pitchFamily="49" charset="0"/>
+              </a:rPr>
+              <a:t>breaks</a:t>
+            </a:r>
+            <a:r>
+              <a:rPr lang="en-US" sz="3000" dirty="0"/>
+              <a:t>:  the points along the scale where labels should appear</a:t>
+            </a:r>
+          </a:p>
+          <a:p>
+            <a:pPr lvl="1"/>
+            <a:r>
+              <a:rPr lang="en-US" sz="3000" b="1" dirty="0">
+                <a:latin typeface="Consolas" panose="020B0609020204030204" pitchFamily="49" charset="0"/>
+                <a:cs typeface="Consolas" panose="020B0609020204030204" pitchFamily="49" charset="0"/>
+              </a:rPr>
+              <a:t>labels</a:t>
+            </a:r>
+            <a:r>
+              <a:rPr lang="en-US" sz="3000" dirty="0"/>
+              <a:t>: the text that appears at each break</a:t>
+            </a:r>
+          </a:p>
+        </p:txBody>
+      </p:sp>
+    </p:spTree>
+    <p:extLst>
+      <p:ext uri="{BB962C8B-B14F-4D97-AF65-F5344CB8AC3E}">
+        <p14:creationId xmlns:p14="http://schemas.microsoft.com/office/powerpoint/2010/main" val="2950676151"/>
+      </p:ext>
+    </p:extLst>
+  </p:cSld>
+  <p:clrMapOvr>
+    <a:masterClrMapping/>
+  </p:clrMapOvr>
+</p:sld>
+</file>
+
+<file path=ppt/slides/slide2.xml><?xml version="1.0" encoding="utf-8"?>
+<p:sld xmlns:a="http://schemas.openxmlformats.org/drawingml/2006/main" xmlns:r="http://schemas.openxmlformats.org/officeDocument/2006/relationships" xmlns:p="http://schemas.openxmlformats.org/presentationml/2006/main">
+  <p:cSld>
+    <p:spTree>
+      <p:nvGrpSpPr>
+        <p:cNvPr id="1" name=""/>
+        <p:cNvGrpSpPr/>
+        <p:nvPr/>
+      </p:nvGrpSpPr>
+      <p:grpSpPr>
+        <a:xfrm>
+          <a:off x="0" y="0"/>
+          <a:ext cx="0" cy="0"/>
+          <a:chOff x="0" y="0"/>
+          <a:chExt cx="0" cy="0"/>
+        </a:xfrm>
+      </p:grpSpPr>
+      <p:sp>
+        <p:nvSpPr>
+          <p:cNvPr id="2" name="Title 1">
+            <a:extLst>
+              <a:ext uri="{FF2B5EF4-FFF2-40B4-BE49-F238E27FC236}">
+                <a16:creationId xmlns:a16="http://schemas.microsoft.com/office/drawing/2014/main" id="{10D330C2-52A4-1ABA-980B-56FBC97F350C}"/>
+              </a:ext>
+            </a:extLst>
+          </p:cNvPr>
+          <p:cNvSpPr>
+            <a:spLocks noGrp="1"/>
+          </p:cNvSpPr>
+          <p:nvPr>
+            <p:ph type="title"/>
+          </p:nvPr>
+        </p:nvSpPr>
+        <p:spPr/>
+        <p:txBody>
+          <a:bodyPr/>
+          <a:lstStyle/>
+          <a:p>
+            <a:r>
+              <a:rPr lang="en-US" dirty="0"/>
+              <a:t>Plan for Today</a:t>
+            </a:r>
+          </a:p>
+        </p:txBody>
+      </p:sp>
+      <p:sp>
+        <p:nvSpPr>
+          <p:cNvPr id="3" name="Content Placeholder 2">
+            <a:extLst>
+              <a:ext uri="{FF2B5EF4-FFF2-40B4-BE49-F238E27FC236}">
+                <a16:creationId xmlns:a16="http://schemas.microsoft.com/office/drawing/2014/main" id="{9EAE50F6-429C-715A-C25C-1C7744AED1CF}"/>
+              </a:ext>
+            </a:extLst>
+          </p:cNvPr>
+          <p:cNvSpPr>
+            <a:spLocks noGrp="1"/>
+          </p:cNvSpPr>
+          <p:nvPr>
+            <p:ph idx="1"/>
+          </p:nvPr>
+        </p:nvSpPr>
+        <p:spPr/>
+        <p:txBody>
+          <a:bodyPr>
+            <a:normAutofit/>
+          </a:bodyPr>
+          <a:lstStyle/>
+          <a:p>
+            <a:r>
+              <a:rPr lang="en-US" sz="3200" dirty="0"/>
+              <a:t>Connect what we know about visualizations to </a:t>
+            </a:r>
+            <a:r>
+              <a:rPr lang="en-US" sz="3200" dirty="0" err="1"/>
+              <a:t>ggplot</a:t>
+            </a:r>
+            <a:r>
+              <a:rPr lang="en-US" sz="3200" dirty="0"/>
+              <a:t> in R </a:t>
+            </a:r>
+          </a:p>
+        </p:txBody>
+      </p:sp>
+    </p:spTree>
+    <p:extLst>
+      <p:ext uri="{BB962C8B-B14F-4D97-AF65-F5344CB8AC3E}">
+        <p14:creationId xmlns:p14="http://schemas.microsoft.com/office/powerpoint/2010/main" val="1085546165"/>
+      </p:ext>
+    </p:extLst>
+  </p:cSld>
+  <p:clrMapOvr>
+    <a:masterClrMapping/>
+  </p:clrMapOvr>
+</p:sld>
+</file>
+
+<file path=ppt/slides/slide20.xml><?xml version="1.0" encoding="utf-8"?>
+<p:sld xmlns:a="http://schemas.openxmlformats.org/drawingml/2006/main" xmlns:r="http://schemas.openxmlformats.org/officeDocument/2006/relationships" xmlns:p="http://schemas.openxmlformats.org/presentationml/2006/main">
+  <p:cSld>
+    <p:spTree>
+      <p:nvGrpSpPr>
+        <p:cNvPr id="1" name=""/>
+        <p:cNvGrpSpPr/>
+        <p:nvPr/>
+      </p:nvGrpSpPr>
+      <p:grpSpPr>
+        <a:xfrm>
+          <a:off x="0" y="0"/>
+          <a:ext cx="0" cy="0"/>
+          <a:chOff x="0" y="0"/>
+          <a:chExt cx="0" cy="0"/>
+        </a:xfrm>
+      </p:grpSpPr>
+      <p:sp>
+        <p:nvSpPr>
+          <p:cNvPr id="3" name="Content Placeholder 2">
+            <a:extLst>
+              <a:ext uri="{FF2B5EF4-FFF2-40B4-BE49-F238E27FC236}">
+                <a16:creationId xmlns:a16="http://schemas.microsoft.com/office/drawing/2014/main" id="{4EE4DF22-35E3-E520-9280-CCF576E15A29}"/>
+              </a:ext>
+            </a:extLst>
+          </p:cNvPr>
+          <p:cNvSpPr>
+            <a:spLocks noGrp="1"/>
+          </p:cNvSpPr>
+          <p:nvPr>
+            <p:ph idx="1"/>
+          </p:nvPr>
+        </p:nvSpPr>
+        <p:spPr>
+          <a:xfrm>
+            <a:off x="3869268" y="164123"/>
+            <a:ext cx="7315200" cy="5820625"/>
+          </a:xfrm>
+        </p:spPr>
+        <p:txBody>
+          <a:bodyPr anchor="t">
+            <a:normAutofit/>
+          </a:bodyPr>
+          <a:lstStyle/>
+          <a:p>
+            <a:pPr marL="0" indent="0">
+              <a:buNone/>
+            </a:pPr>
+            <a:r>
+              <a:rPr lang="en-US" sz="3200" b="1" dirty="0"/>
+              <a:t>Controlling Aesthetic Mapping</a:t>
+            </a:r>
+          </a:p>
+        </p:txBody>
+      </p:sp>
+      <p:sp>
+        <p:nvSpPr>
+          <p:cNvPr id="2" name="Rectangle 1">
+            <a:extLst>
+              <a:ext uri="{FF2B5EF4-FFF2-40B4-BE49-F238E27FC236}">
+                <a16:creationId xmlns:a16="http://schemas.microsoft.com/office/drawing/2014/main" id="{74CF956F-B01F-4676-C7E2-9B296BE44F26}"/>
+              </a:ext>
+            </a:extLst>
+          </p:cNvPr>
+          <p:cNvSpPr/>
+          <p:nvPr/>
+        </p:nvSpPr>
+        <p:spPr>
+          <a:xfrm>
+            <a:off x="146538" y="709130"/>
+            <a:ext cx="11898923" cy="943824"/>
+          </a:xfrm>
+          <a:prstGeom prst="rect">
+            <a:avLst/>
+          </a:prstGeom>
+          <a:solidFill>
+            <a:schemeClr val="bg1">
+              <a:lumMod val="95000"/>
+            </a:schemeClr>
+          </a:solidFill>
+          <a:ln>
+            <a:noFill/>
+          </a:ln>
+        </p:spPr>
+        <p:style>
+          <a:lnRef idx="2">
+            <a:schemeClr val="accent4">
+              <a:shade val="50000"/>
+            </a:schemeClr>
+          </a:lnRef>
+          <a:fillRef idx="1">
+            <a:schemeClr val="accent4"/>
+          </a:fillRef>
+          <a:effectRef idx="0">
+            <a:schemeClr val="accent4"/>
+          </a:effectRef>
+          <a:fontRef idx="minor">
+            <a:schemeClr val="lt1"/>
+          </a:fontRef>
+        </p:style>
+        <p:txBody>
+          <a:bodyPr rtlCol="0" anchor="t"/>
+          <a:lstStyle/>
+          <a:p>
+            <a:r>
+              <a:rPr lang="en-US" sz="2400" dirty="0">
+                <a:solidFill>
+                  <a:schemeClr val="tx1"/>
+                </a:solidFill>
+                <a:latin typeface="Courier" pitchFamily="2" charset="0"/>
+              </a:rPr>
+              <a:t>p1 &lt;- </a:t>
+            </a:r>
+            <a:r>
+              <a:rPr lang="en-US" sz="2400" dirty="0" err="1">
+                <a:solidFill>
+                  <a:schemeClr val="tx1"/>
+                </a:solidFill>
+                <a:latin typeface="Courier" pitchFamily="2" charset="0"/>
+              </a:rPr>
+              <a:t>ggplot</a:t>
+            </a:r>
+            <a:r>
+              <a:rPr lang="en-US" sz="2400" dirty="0">
+                <a:solidFill>
+                  <a:schemeClr val="tx1"/>
+                </a:solidFill>
+                <a:latin typeface="Courier" pitchFamily="2" charset="0"/>
+              </a:rPr>
+              <a:t>(hp2013Q1, </a:t>
+            </a:r>
+            <a:r>
+              <a:rPr lang="en-US" sz="2400" dirty="0" err="1">
+                <a:solidFill>
+                  <a:schemeClr val="tx1"/>
+                </a:solidFill>
+                <a:latin typeface="Courier" pitchFamily="2" charset="0"/>
+              </a:rPr>
+              <a:t>aes</a:t>
+            </a:r>
+            <a:r>
+              <a:rPr lang="en-US" sz="2400" dirty="0">
+                <a:solidFill>
+                  <a:schemeClr val="tx1"/>
+                </a:solidFill>
+                <a:latin typeface="Courier" pitchFamily="2" charset="0"/>
+              </a:rPr>
+              <a:t>(x = </a:t>
+            </a:r>
+            <a:r>
+              <a:rPr lang="en-US" sz="2400" dirty="0" err="1">
+                <a:solidFill>
+                  <a:schemeClr val="tx1"/>
+                </a:solidFill>
+                <a:latin typeface="Courier" pitchFamily="2" charset="0"/>
+              </a:rPr>
+              <a:t>Land.Value</a:t>
+            </a:r>
+            <a:r>
+              <a:rPr lang="en-US" sz="2400" dirty="0">
+                <a:solidFill>
+                  <a:schemeClr val="tx1"/>
+                </a:solidFill>
+                <a:latin typeface="Courier" pitchFamily="2" charset="0"/>
+              </a:rPr>
+              <a:t>, y = </a:t>
+            </a:r>
+            <a:r>
+              <a:rPr lang="en-US" sz="2400" dirty="0" err="1">
+                <a:solidFill>
+                  <a:schemeClr val="tx1"/>
+                </a:solidFill>
+                <a:latin typeface="Courier" pitchFamily="2" charset="0"/>
+              </a:rPr>
+              <a:t>Structure.Cost</a:t>
+            </a:r>
+            <a:r>
+              <a:rPr lang="en-US" sz="2400" dirty="0">
+                <a:solidFill>
+                  <a:schemeClr val="tx1"/>
+                </a:solidFill>
+                <a:latin typeface="Courier" pitchFamily="2" charset="0"/>
+              </a:rPr>
+              <a:t>))+ </a:t>
+            </a:r>
+          </a:p>
+          <a:p>
+            <a:r>
+              <a:rPr lang="en-US" sz="2400" dirty="0">
+                <a:solidFill>
+                  <a:schemeClr val="tx1"/>
+                </a:solidFill>
+                <a:latin typeface="Courier" pitchFamily="2" charset="0"/>
+              </a:rPr>
+              <a:t>			</a:t>
+            </a:r>
+            <a:r>
+              <a:rPr lang="en-US" sz="2400" dirty="0" err="1">
+                <a:solidFill>
+                  <a:schemeClr val="tx1"/>
+                </a:solidFill>
+                <a:latin typeface="Courier" pitchFamily="2" charset="0"/>
+              </a:rPr>
+              <a:t>geom_point</a:t>
+            </a:r>
+            <a:r>
+              <a:rPr lang="en-US" sz="2400" dirty="0">
+                <a:solidFill>
+                  <a:schemeClr val="tx1"/>
+                </a:solidFill>
+                <a:latin typeface="Courier" pitchFamily="2" charset="0"/>
+              </a:rPr>
+              <a:t>(</a:t>
+            </a:r>
+            <a:r>
+              <a:rPr lang="en-US" sz="2400" dirty="0" err="1">
+                <a:solidFill>
+                  <a:schemeClr val="tx1"/>
+                </a:solidFill>
+                <a:latin typeface="Courier" pitchFamily="2" charset="0"/>
+              </a:rPr>
+              <a:t>aes</a:t>
+            </a:r>
+            <a:r>
+              <a:rPr lang="en-US" sz="2400" dirty="0">
+                <a:solidFill>
+                  <a:schemeClr val="tx1"/>
+                </a:solidFill>
+                <a:latin typeface="Courier" pitchFamily="2" charset="0"/>
+              </a:rPr>
+              <a:t>(color = </a:t>
+            </a:r>
+            <a:r>
+              <a:rPr lang="en-US" sz="2400" dirty="0" err="1">
+                <a:solidFill>
+                  <a:schemeClr val="tx1"/>
+                </a:solidFill>
+                <a:latin typeface="Courier" pitchFamily="2" charset="0"/>
+              </a:rPr>
+              <a:t>Home.Value</a:t>
+            </a:r>
+            <a:r>
+              <a:rPr lang="en-US" sz="2400" dirty="0">
+                <a:solidFill>
+                  <a:schemeClr val="tx1"/>
+                </a:solidFill>
+                <a:latin typeface="Courier" pitchFamily="2" charset="0"/>
+              </a:rPr>
+              <a:t>))</a:t>
+            </a:r>
+          </a:p>
+        </p:txBody>
+      </p:sp>
+      <p:pic>
+        <p:nvPicPr>
+          <p:cNvPr id="6" name="Picture 5" descr="A graph with dots and numbers&#10;&#10;Description automatically generated">
+            <a:extLst>
+              <a:ext uri="{FF2B5EF4-FFF2-40B4-BE49-F238E27FC236}">
+                <a16:creationId xmlns:a16="http://schemas.microsoft.com/office/drawing/2014/main" id="{145DDABA-1F20-2347-BBE4-3E90C6B90CE9}"/>
+              </a:ext>
+            </a:extLst>
+          </p:cNvPr>
+          <p:cNvPicPr>
+            <a:picLocks noChangeAspect="1"/>
+          </p:cNvPicPr>
+          <p:nvPr/>
+        </p:nvPicPr>
+        <p:blipFill>
+          <a:blip r:embed="rId2"/>
+          <a:stretch>
+            <a:fillRect/>
+          </a:stretch>
+        </p:blipFill>
+        <p:spPr>
+          <a:xfrm>
+            <a:off x="2209799" y="2197961"/>
+            <a:ext cx="7772400" cy="3938364"/>
           </a:xfrm>
           <a:prstGeom prst="rect">
             <a:avLst/>
@@ -4200,7 +7373,7 @@
     </p:spTree>
     <p:extLst>
       <p:ext uri="{BB962C8B-B14F-4D97-AF65-F5344CB8AC3E}">
-        <p14:creationId xmlns:p14="http://schemas.microsoft.com/office/powerpoint/2010/main" val="1552950116"/>
+        <p14:creationId xmlns:p14="http://schemas.microsoft.com/office/powerpoint/2010/main" val="1434586895"/>
       </p:ext>
     </p:extLst>
   </p:cSld>
@@ -4210,7 +7383,1460 @@
 </p:sld>
 </file>
 
-<file path=ppt/slides/slide11.xml><?xml version="1.0" encoding="utf-8"?>
+<file path=ppt/slides/slide21.xml><?xml version="1.0" encoding="utf-8"?>
+<p:sld xmlns:a="http://schemas.openxmlformats.org/drawingml/2006/main" xmlns:r="http://schemas.openxmlformats.org/officeDocument/2006/relationships" xmlns:p="http://schemas.openxmlformats.org/presentationml/2006/main">
+  <p:cSld>
+    <p:spTree>
+      <p:nvGrpSpPr>
+        <p:cNvPr id="1" name=""/>
+        <p:cNvGrpSpPr/>
+        <p:nvPr/>
+      </p:nvGrpSpPr>
+      <p:grpSpPr>
+        <a:xfrm>
+          <a:off x="0" y="0"/>
+          <a:ext cx="0" cy="0"/>
+          <a:chOff x="0" y="0"/>
+          <a:chExt cx="0" cy="0"/>
+        </a:xfrm>
+      </p:grpSpPr>
+      <p:sp>
+        <p:nvSpPr>
+          <p:cNvPr id="3" name="Content Placeholder 2">
+            <a:extLst>
+              <a:ext uri="{FF2B5EF4-FFF2-40B4-BE49-F238E27FC236}">
+                <a16:creationId xmlns:a16="http://schemas.microsoft.com/office/drawing/2014/main" id="{4EE4DF22-35E3-E520-9280-CCF576E15A29}"/>
+              </a:ext>
+            </a:extLst>
+          </p:cNvPr>
+          <p:cNvSpPr>
+            <a:spLocks noGrp="1"/>
+          </p:cNvSpPr>
+          <p:nvPr>
+            <p:ph idx="1"/>
+          </p:nvPr>
+        </p:nvSpPr>
+        <p:spPr>
+          <a:xfrm>
+            <a:off x="3869268" y="164123"/>
+            <a:ext cx="7315200" cy="5820625"/>
+          </a:xfrm>
+        </p:spPr>
+        <p:txBody>
+          <a:bodyPr anchor="t">
+            <a:normAutofit/>
+          </a:bodyPr>
+          <a:lstStyle/>
+          <a:p>
+            <a:pPr marL="0" indent="0">
+              <a:buNone/>
+            </a:pPr>
+            <a:r>
+              <a:rPr lang="en-US" sz="3200" b="1" dirty="0"/>
+              <a:t>Controlling Aesthetic Mapping</a:t>
+            </a:r>
+          </a:p>
+        </p:txBody>
+      </p:sp>
+      <p:sp>
+        <p:nvSpPr>
+          <p:cNvPr id="2" name="Rectangle 1">
+            <a:extLst>
+              <a:ext uri="{FF2B5EF4-FFF2-40B4-BE49-F238E27FC236}">
+                <a16:creationId xmlns:a16="http://schemas.microsoft.com/office/drawing/2014/main" id="{74CF956F-B01F-4676-C7E2-9B296BE44F26}"/>
+              </a:ext>
+            </a:extLst>
+          </p:cNvPr>
+          <p:cNvSpPr/>
+          <p:nvPr/>
+        </p:nvSpPr>
+        <p:spPr>
+          <a:xfrm>
+            <a:off x="146538" y="673961"/>
+            <a:ext cx="11898923" cy="2282422"/>
+          </a:xfrm>
+          <a:prstGeom prst="rect">
+            <a:avLst/>
+          </a:prstGeom>
+          <a:solidFill>
+            <a:schemeClr val="bg1">
+              <a:lumMod val="95000"/>
+            </a:schemeClr>
+          </a:solidFill>
+          <a:ln>
+            <a:noFill/>
+          </a:ln>
+        </p:spPr>
+        <p:style>
+          <a:lnRef idx="2">
+            <a:schemeClr val="accent4">
+              <a:shade val="50000"/>
+            </a:schemeClr>
+          </a:lnRef>
+          <a:fillRef idx="1">
+            <a:schemeClr val="accent4"/>
+          </a:fillRef>
+          <a:effectRef idx="0">
+            <a:schemeClr val="accent4"/>
+          </a:effectRef>
+          <a:fontRef idx="minor">
+            <a:schemeClr val="lt1"/>
+          </a:fontRef>
+        </p:style>
+        <p:txBody>
+          <a:bodyPr rtlCol="0" anchor="t"/>
+          <a:lstStyle/>
+          <a:p>
+            <a:r>
+              <a:rPr lang="en-US" sz="2400" dirty="0">
+                <a:solidFill>
+                  <a:srgbClr val="00B050"/>
+                </a:solidFill>
+                <a:latin typeface="Courier" pitchFamily="2" charset="0"/>
+              </a:rPr>
+              <a:t># change color scale</a:t>
+            </a:r>
+          </a:p>
+          <a:p>
+            <a:r>
+              <a:rPr lang="en-US" sz="2400" dirty="0">
+                <a:solidFill>
+                  <a:schemeClr val="tx1"/>
+                </a:solidFill>
+                <a:latin typeface="Courier" pitchFamily="2" charset="0"/>
+              </a:rPr>
+              <a:t>p1 + </a:t>
+            </a:r>
+          </a:p>
+          <a:p>
+            <a:r>
+              <a:rPr lang="en-US" sz="2400" dirty="0">
+                <a:solidFill>
+                  <a:schemeClr val="tx1"/>
+                </a:solidFill>
+                <a:latin typeface="Courier" pitchFamily="2" charset="0"/>
+              </a:rPr>
+              <a:t>  </a:t>
+            </a:r>
+            <a:r>
+              <a:rPr lang="en-US" sz="2400" dirty="0" err="1">
+                <a:solidFill>
+                  <a:schemeClr val="tx1"/>
+                </a:solidFill>
+                <a:latin typeface="Courier" pitchFamily="2" charset="0"/>
+              </a:rPr>
+              <a:t>scale_color_continuous</a:t>
+            </a:r>
+            <a:r>
+              <a:rPr lang="en-US" sz="2400" dirty="0">
+                <a:solidFill>
+                  <a:schemeClr val="tx1"/>
+                </a:solidFill>
+                <a:latin typeface="Courier" pitchFamily="2" charset="0"/>
+              </a:rPr>
+              <a:t>(name = "",</a:t>
+            </a:r>
+          </a:p>
+          <a:p>
+            <a:r>
+              <a:rPr lang="en-US" sz="2400" dirty="0">
+                <a:solidFill>
+                  <a:schemeClr val="tx1"/>
+                </a:solidFill>
+                <a:latin typeface="Courier" pitchFamily="2" charset="0"/>
+              </a:rPr>
+              <a:t>                        breaks = c(200001, 500001, 800001),</a:t>
+            </a:r>
+          </a:p>
+          <a:p>
+            <a:r>
+              <a:rPr lang="en-US" sz="2400" dirty="0">
+                <a:solidFill>
+                  <a:schemeClr val="tx1"/>
+                </a:solidFill>
+                <a:latin typeface="Courier" pitchFamily="2" charset="0"/>
+              </a:rPr>
+              <a:t>                        labels = c(200000, 500000, 800000),</a:t>
+            </a:r>
+          </a:p>
+          <a:p>
+            <a:r>
+              <a:rPr lang="en-US" sz="2400" dirty="0">
+                <a:solidFill>
+                  <a:schemeClr val="tx1"/>
+                </a:solidFill>
+                <a:latin typeface="Courier" pitchFamily="2" charset="0"/>
+              </a:rPr>
+              <a:t>                        low = "blue", high = "red")</a:t>
+            </a:r>
+          </a:p>
+        </p:txBody>
+      </p:sp>
+      <p:pic>
+        <p:nvPicPr>
+          <p:cNvPr id="5" name="Picture 4" descr="A graph with red dots and numbers&#10;&#10;Description automatically generated">
+            <a:extLst>
+              <a:ext uri="{FF2B5EF4-FFF2-40B4-BE49-F238E27FC236}">
+                <a16:creationId xmlns:a16="http://schemas.microsoft.com/office/drawing/2014/main" id="{0256F026-BFE5-3B89-7C50-582BD09F7008}"/>
+              </a:ext>
+            </a:extLst>
+          </p:cNvPr>
+          <p:cNvPicPr>
+            <a:picLocks noChangeAspect="1"/>
+          </p:cNvPicPr>
+          <p:nvPr/>
+        </p:nvPicPr>
+        <p:blipFill>
+          <a:blip r:embed="rId2"/>
+          <a:stretch>
+            <a:fillRect/>
+          </a:stretch>
+        </p:blipFill>
+        <p:spPr>
+          <a:xfrm>
+            <a:off x="2209799" y="2956383"/>
+            <a:ext cx="7772400" cy="3948510"/>
+          </a:xfrm>
+          <a:prstGeom prst="rect">
+            <a:avLst/>
+          </a:prstGeom>
+        </p:spPr>
+      </p:pic>
+    </p:spTree>
+    <p:extLst>
+      <p:ext uri="{BB962C8B-B14F-4D97-AF65-F5344CB8AC3E}">
+        <p14:creationId xmlns:p14="http://schemas.microsoft.com/office/powerpoint/2010/main" val="4179428401"/>
+      </p:ext>
+    </p:extLst>
+  </p:cSld>
+  <p:clrMapOvr>
+    <a:masterClrMapping/>
+  </p:clrMapOvr>
+</p:sld>
+</file>
+
+<file path=ppt/slides/slide22.xml><?xml version="1.0" encoding="utf-8"?>
+<p:sld xmlns:a="http://schemas.openxmlformats.org/drawingml/2006/main" xmlns:r="http://schemas.openxmlformats.org/officeDocument/2006/relationships" xmlns:p="http://schemas.openxmlformats.org/presentationml/2006/main">
+  <p:cSld>
+    <p:spTree>
+      <p:nvGrpSpPr>
+        <p:cNvPr id="1" name=""/>
+        <p:cNvGrpSpPr/>
+        <p:nvPr/>
+      </p:nvGrpSpPr>
+      <p:grpSpPr>
+        <a:xfrm>
+          <a:off x="0" y="0"/>
+          <a:ext cx="0" cy="0"/>
+          <a:chOff x="0" y="0"/>
+          <a:chExt cx="0" cy="0"/>
+        </a:xfrm>
+      </p:grpSpPr>
+      <p:sp>
+        <p:nvSpPr>
+          <p:cNvPr id="3" name="Content Placeholder 2">
+            <a:extLst>
+              <a:ext uri="{FF2B5EF4-FFF2-40B4-BE49-F238E27FC236}">
+                <a16:creationId xmlns:a16="http://schemas.microsoft.com/office/drawing/2014/main" id="{4EE4DF22-35E3-E520-9280-CCF576E15A29}"/>
+              </a:ext>
+            </a:extLst>
+          </p:cNvPr>
+          <p:cNvSpPr>
+            <a:spLocks noGrp="1"/>
+          </p:cNvSpPr>
+          <p:nvPr>
+            <p:ph idx="1"/>
+          </p:nvPr>
+        </p:nvSpPr>
+        <p:spPr>
+          <a:xfrm>
+            <a:off x="3869268" y="164123"/>
+            <a:ext cx="7315200" cy="5820625"/>
+          </a:xfrm>
+        </p:spPr>
+        <p:txBody>
+          <a:bodyPr anchor="t">
+            <a:normAutofit/>
+          </a:bodyPr>
+          <a:lstStyle/>
+          <a:p>
+            <a:pPr marL="0" indent="0">
+              <a:buNone/>
+            </a:pPr>
+            <a:r>
+              <a:rPr lang="en-US" sz="3200" b="1" dirty="0"/>
+              <a:t>Controlling Aesthetic Mapping</a:t>
+            </a:r>
+          </a:p>
+        </p:txBody>
+      </p:sp>
+      <p:sp>
+        <p:nvSpPr>
+          <p:cNvPr id="2" name="Rectangle 1">
+            <a:extLst>
+              <a:ext uri="{FF2B5EF4-FFF2-40B4-BE49-F238E27FC236}">
+                <a16:creationId xmlns:a16="http://schemas.microsoft.com/office/drawing/2014/main" id="{74CF956F-B01F-4676-C7E2-9B296BE44F26}"/>
+              </a:ext>
+            </a:extLst>
+          </p:cNvPr>
+          <p:cNvSpPr/>
+          <p:nvPr/>
+        </p:nvSpPr>
+        <p:spPr>
+          <a:xfrm>
+            <a:off x="146538" y="673960"/>
+            <a:ext cx="11898923" cy="2755039"/>
+          </a:xfrm>
+          <a:prstGeom prst="rect">
+            <a:avLst/>
+          </a:prstGeom>
+          <a:solidFill>
+            <a:schemeClr val="bg1">
+              <a:lumMod val="95000"/>
+            </a:schemeClr>
+          </a:solidFill>
+          <a:ln>
+            <a:noFill/>
+          </a:ln>
+        </p:spPr>
+        <p:style>
+          <a:lnRef idx="2">
+            <a:schemeClr val="accent4">
+              <a:shade val="50000"/>
+            </a:schemeClr>
+          </a:lnRef>
+          <a:fillRef idx="1">
+            <a:schemeClr val="accent4"/>
+          </a:fillRef>
+          <a:effectRef idx="0">
+            <a:schemeClr val="accent4"/>
+          </a:effectRef>
+          <a:fontRef idx="minor">
+            <a:schemeClr val="lt1"/>
+          </a:fontRef>
+        </p:style>
+        <p:txBody>
+          <a:bodyPr rtlCol="0" anchor="t"/>
+          <a:lstStyle/>
+          <a:p>
+            <a:r>
+              <a:rPr lang="en-US" sz="2400" dirty="0">
+                <a:solidFill>
+                  <a:srgbClr val="00B050"/>
+                </a:solidFill>
+                <a:latin typeface="Courier" pitchFamily="2" charset="0"/>
+              </a:rPr>
+              <a:t># change color scale</a:t>
+            </a:r>
+          </a:p>
+          <a:p>
+            <a:r>
+              <a:rPr lang="en-US" sz="2400" dirty="0">
+                <a:solidFill>
+                  <a:schemeClr val="tx1"/>
+                </a:solidFill>
+                <a:latin typeface="Courier" pitchFamily="2" charset="0"/>
+              </a:rPr>
+              <a:t>p1 + scale_color_gradient2(name = ”Home Value",</a:t>
+            </a:r>
+          </a:p>
+          <a:p>
+            <a:r>
+              <a:rPr lang="en-US" sz="2400" dirty="0">
+                <a:solidFill>
+                  <a:schemeClr val="tx1"/>
+                </a:solidFill>
+                <a:latin typeface="Courier" pitchFamily="2" charset="0"/>
+              </a:rPr>
+              <a:t>                           breaks = c(200001, 500001, 800001),</a:t>
+            </a:r>
+          </a:p>
+          <a:p>
+            <a:r>
+              <a:rPr lang="en-US" sz="2400" dirty="0">
+                <a:solidFill>
+                  <a:schemeClr val="tx1"/>
+                </a:solidFill>
+                <a:latin typeface="Courier" pitchFamily="2" charset="0"/>
+              </a:rPr>
+              <a:t>                           labels = c(200000, 500000, 800000),</a:t>
+            </a:r>
+          </a:p>
+          <a:p>
+            <a:r>
+              <a:rPr lang="en-US" sz="2400" dirty="0">
+                <a:solidFill>
+                  <a:schemeClr val="tx1"/>
+                </a:solidFill>
+                <a:latin typeface="Courier" pitchFamily="2" charset="0"/>
+              </a:rPr>
+              <a:t>                           low = "blue", high = "red",</a:t>
+            </a:r>
+          </a:p>
+          <a:p>
+            <a:r>
+              <a:rPr lang="en-US" sz="2400" dirty="0">
+                <a:solidFill>
+                  <a:schemeClr val="tx1"/>
+                </a:solidFill>
+                <a:latin typeface="Courier" pitchFamily="2" charset="0"/>
+              </a:rPr>
+              <a:t>                           mid = "gray60",</a:t>
+            </a:r>
+          </a:p>
+          <a:p>
+            <a:r>
+              <a:rPr lang="en-US" sz="2400" dirty="0">
+                <a:solidFill>
+                  <a:schemeClr val="tx1"/>
+                </a:solidFill>
+                <a:latin typeface="Courier" pitchFamily="2" charset="0"/>
+              </a:rPr>
+              <a:t>                           midpoint = 400000)</a:t>
+            </a:r>
+          </a:p>
+        </p:txBody>
+      </p:sp>
+      <p:pic>
+        <p:nvPicPr>
+          <p:cNvPr id="6" name="Picture 5" descr="A graph with red and blue dots&#10;&#10;Description automatically generated">
+            <a:extLst>
+              <a:ext uri="{FF2B5EF4-FFF2-40B4-BE49-F238E27FC236}">
+                <a16:creationId xmlns:a16="http://schemas.microsoft.com/office/drawing/2014/main" id="{27617C71-C5DA-7740-14A8-1E3D599E5F6A}"/>
+              </a:ext>
+            </a:extLst>
+          </p:cNvPr>
+          <p:cNvPicPr>
+            <a:picLocks noChangeAspect="1"/>
+          </p:cNvPicPr>
+          <p:nvPr/>
+        </p:nvPicPr>
+        <p:blipFill>
+          <a:blip r:embed="rId2"/>
+          <a:stretch>
+            <a:fillRect/>
+          </a:stretch>
+        </p:blipFill>
+        <p:spPr>
+          <a:xfrm>
+            <a:off x="2716823" y="3289135"/>
+            <a:ext cx="6758353" cy="3451634"/>
+          </a:xfrm>
+          <a:prstGeom prst="rect">
+            <a:avLst/>
+          </a:prstGeom>
+        </p:spPr>
+      </p:pic>
+    </p:spTree>
+    <p:extLst>
+      <p:ext uri="{BB962C8B-B14F-4D97-AF65-F5344CB8AC3E}">
+        <p14:creationId xmlns:p14="http://schemas.microsoft.com/office/powerpoint/2010/main" val="3990201604"/>
+      </p:ext>
+    </p:extLst>
+  </p:cSld>
+  <p:clrMapOvr>
+    <a:masterClrMapping/>
+  </p:clrMapOvr>
+</p:sld>
+</file>
+
+<file path=ppt/slides/slide23.xml><?xml version="1.0" encoding="utf-8"?>
+<p:sld xmlns:a="http://schemas.openxmlformats.org/drawingml/2006/main" xmlns:r="http://schemas.openxmlformats.org/officeDocument/2006/relationships" xmlns:p="http://schemas.openxmlformats.org/presentationml/2006/main">
+  <p:cSld>
+    <p:spTree>
+      <p:nvGrpSpPr>
+        <p:cNvPr id="1" name=""/>
+        <p:cNvGrpSpPr/>
+        <p:nvPr/>
+      </p:nvGrpSpPr>
+      <p:grpSpPr>
+        <a:xfrm>
+          <a:off x="0" y="0"/>
+          <a:ext cx="0" cy="0"/>
+          <a:chOff x="0" y="0"/>
+          <a:chExt cx="0" cy="0"/>
+        </a:xfrm>
+      </p:grpSpPr>
+      <p:sp>
+        <p:nvSpPr>
+          <p:cNvPr id="3" name="Content Placeholder 2">
+            <a:extLst>
+              <a:ext uri="{FF2B5EF4-FFF2-40B4-BE49-F238E27FC236}">
+                <a16:creationId xmlns:a16="http://schemas.microsoft.com/office/drawing/2014/main" id="{4EE4DF22-35E3-E520-9280-CCF576E15A29}"/>
+              </a:ext>
+            </a:extLst>
+          </p:cNvPr>
+          <p:cNvSpPr>
+            <a:spLocks noGrp="1"/>
+          </p:cNvSpPr>
+          <p:nvPr>
+            <p:ph idx="1"/>
+          </p:nvPr>
+        </p:nvSpPr>
+        <p:spPr>
+          <a:xfrm>
+            <a:off x="3575538" y="164123"/>
+            <a:ext cx="7608930" cy="5820625"/>
+          </a:xfrm>
+        </p:spPr>
+        <p:txBody>
+          <a:bodyPr anchor="t">
+            <a:normAutofit/>
+          </a:bodyPr>
+          <a:lstStyle/>
+          <a:p>
+            <a:pPr marL="0" indent="0">
+              <a:buNone/>
+            </a:pPr>
+            <a:r>
+              <a:rPr lang="en-US" sz="3200" b="1" dirty="0"/>
+              <a:t>Controlling Aesthetic Mapping – </a:t>
+            </a:r>
+            <a:r>
+              <a:rPr lang="en-US" sz="3200" b="1" dirty="0" err="1"/>
+              <a:t>colorbrewer</a:t>
+            </a:r>
+            <a:endParaRPr lang="en-US" sz="3200" b="1" dirty="0"/>
+          </a:p>
+          <a:p>
+            <a:r>
+              <a:rPr lang="en-US" sz="3200" dirty="0"/>
+              <a:t>We can also use built in color maps</a:t>
+            </a:r>
+          </a:p>
+          <a:p>
+            <a:r>
+              <a:rPr lang="en-US" sz="3200" dirty="0"/>
+              <a:t>Be sure to choose the correct map for your data type </a:t>
+            </a:r>
+          </a:p>
+        </p:txBody>
+      </p:sp>
+    </p:spTree>
+    <p:extLst>
+      <p:ext uri="{BB962C8B-B14F-4D97-AF65-F5344CB8AC3E}">
+        <p14:creationId xmlns:p14="http://schemas.microsoft.com/office/powerpoint/2010/main" val="433462579"/>
+      </p:ext>
+    </p:extLst>
+  </p:cSld>
+  <p:clrMapOvr>
+    <a:masterClrMapping/>
+  </p:clrMapOvr>
+</p:sld>
+</file>
+
+<file path=ppt/slides/slide24.xml><?xml version="1.0" encoding="utf-8"?>
+<p:sld xmlns:a="http://schemas.openxmlformats.org/drawingml/2006/main" xmlns:r="http://schemas.openxmlformats.org/officeDocument/2006/relationships" xmlns:p="http://schemas.openxmlformats.org/presentationml/2006/main">
+  <p:cSld>
+    <p:spTree>
+      <p:nvGrpSpPr>
+        <p:cNvPr id="1" name=""/>
+        <p:cNvGrpSpPr/>
+        <p:nvPr/>
+      </p:nvGrpSpPr>
+      <p:grpSpPr>
+        <a:xfrm>
+          <a:off x="0" y="0"/>
+          <a:ext cx="0" cy="0"/>
+          <a:chOff x="0" y="0"/>
+          <a:chExt cx="0" cy="0"/>
+        </a:xfrm>
+      </p:grpSpPr>
+      <p:sp>
+        <p:nvSpPr>
+          <p:cNvPr id="2" name="Rectangle 1">
+            <a:extLst>
+              <a:ext uri="{FF2B5EF4-FFF2-40B4-BE49-F238E27FC236}">
+                <a16:creationId xmlns:a16="http://schemas.microsoft.com/office/drawing/2014/main" id="{74CF956F-B01F-4676-C7E2-9B296BE44F26}"/>
+              </a:ext>
+            </a:extLst>
+          </p:cNvPr>
+          <p:cNvSpPr/>
+          <p:nvPr/>
+        </p:nvSpPr>
+        <p:spPr>
+          <a:xfrm>
+            <a:off x="146538" y="1154606"/>
+            <a:ext cx="11898923" cy="1565147"/>
+          </a:xfrm>
+          <a:prstGeom prst="rect">
+            <a:avLst/>
+          </a:prstGeom>
+          <a:solidFill>
+            <a:schemeClr val="bg1">
+              <a:lumMod val="95000"/>
+            </a:schemeClr>
+          </a:solidFill>
+          <a:ln>
+            <a:noFill/>
+          </a:ln>
+        </p:spPr>
+        <p:style>
+          <a:lnRef idx="2">
+            <a:schemeClr val="accent4">
+              <a:shade val="50000"/>
+            </a:schemeClr>
+          </a:lnRef>
+          <a:fillRef idx="1">
+            <a:schemeClr val="accent4"/>
+          </a:fillRef>
+          <a:effectRef idx="0">
+            <a:schemeClr val="accent4"/>
+          </a:effectRef>
+          <a:fontRef idx="minor">
+            <a:schemeClr val="lt1"/>
+          </a:fontRef>
+        </p:style>
+        <p:txBody>
+          <a:bodyPr rtlCol="0" anchor="t"/>
+          <a:lstStyle/>
+          <a:p>
+            <a:r>
+              <a:rPr lang="en-US" sz="2400" dirty="0">
+                <a:solidFill>
+                  <a:srgbClr val="00B050"/>
+                </a:solidFill>
+                <a:latin typeface="Courier" pitchFamily="2" charset="0"/>
+              </a:rPr>
+              <a:t># use existing color scale</a:t>
+            </a:r>
+          </a:p>
+          <a:p>
+            <a:r>
+              <a:rPr lang="en-US" sz="2400" dirty="0" err="1">
+                <a:solidFill>
+                  <a:schemeClr val="tx1"/>
+                </a:solidFill>
+                <a:latin typeface="Courier" pitchFamily="2" charset="0"/>
+              </a:rPr>
+              <a:t>ggplot</a:t>
+            </a:r>
+            <a:r>
+              <a:rPr lang="en-US" sz="2400" dirty="0">
+                <a:solidFill>
+                  <a:schemeClr val="tx1"/>
+                </a:solidFill>
+                <a:latin typeface="Courier" pitchFamily="2" charset="0"/>
+              </a:rPr>
+              <a:t>(hp2013Q1, </a:t>
+            </a:r>
+            <a:r>
+              <a:rPr lang="en-US" sz="2400" dirty="0" err="1">
+                <a:solidFill>
+                  <a:schemeClr val="tx1"/>
+                </a:solidFill>
+                <a:latin typeface="Courier" pitchFamily="2" charset="0"/>
+              </a:rPr>
+              <a:t>aes</a:t>
+            </a:r>
+            <a:r>
+              <a:rPr lang="en-US" sz="2400" dirty="0">
+                <a:solidFill>
+                  <a:schemeClr val="tx1"/>
+                </a:solidFill>
+                <a:latin typeface="Courier" pitchFamily="2" charset="0"/>
+              </a:rPr>
+              <a:t>(x = </a:t>
+            </a:r>
+            <a:r>
+              <a:rPr lang="en-US" sz="2400" dirty="0" err="1">
+                <a:solidFill>
+                  <a:schemeClr val="tx1"/>
+                </a:solidFill>
+                <a:latin typeface="Courier" pitchFamily="2" charset="0"/>
+              </a:rPr>
+              <a:t>Land.Value</a:t>
+            </a:r>
+            <a:r>
+              <a:rPr lang="en-US" sz="2400" dirty="0">
+                <a:solidFill>
+                  <a:schemeClr val="tx1"/>
+                </a:solidFill>
+                <a:latin typeface="Courier" pitchFamily="2" charset="0"/>
+              </a:rPr>
+              <a:t>, y = </a:t>
+            </a:r>
+            <a:r>
+              <a:rPr lang="en-US" sz="2400" dirty="0" err="1">
+                <a:solidFill>
+                  <a:schemeClr val="tx1"/>
+                </a:solidFill>
+                <a:latin typeface="Courier" pitchFamily="2" charset="0"/>
+              </a:rPr>
+              <a:t>Structure.Cost</a:t>
+            </a:r>
+            <a:r>
+              <a:rPr lang="en-US" sz="2400" dirty="0">
+                <a:solidFill>
+                  <a:schemeClr val="tx1"/>
+                </a:solidFill>
+                <a:latin typeface="Courier" pitchFamily="2" charset="0"/>
+              </a:rPr>
+              <a:t>)) +</a:t>
+            </a:r>
+          </a:p>
+          <a:p>
+            <a:r>
+              <a:rPr lang="en-US" sz="2400" dirty="0">
+                <a:solidFill>
+                  <a:schemeClr val="tx1"/>
+                </a:solidFill>
+                <a:latin typeface="Courier" pitchFamily="2" charset="0"/>
+              </a:rPr>
+              <a:t>  </a:t>
+            </a:r>
+            <a:r>
+              <a:rPr lang="en-US" sz="2400" dirty="0" err="1">
+                <a:solidFill>
+                  <a:schemeClr val="tx1"/>
+                </a:solidFill>
+                <a:latin typeface="Courier" pitchFamily="2" charset="0"/>
+              </a:rPr>
+              <a:t>geom_point</a:t>
+            </a:r>
+            <a:r>
+              <a:rPr lang="en-US" sz="2400" dirty="0">
+                <a:solidFill>
+                  <a:schemeClr val="tx1"/>
+                </a:solidFill>
+                <a:latin typeface="Courier" pitchFamily="2" charset="0"/>
+              </a:rPr>
+              <a:t>(</a:t>
+            </a:r>
+            <a:r>
+              <a:rPr lang="en-US" sz="2400" dirty="0" err="1">
+                <a:solidFill>
+                  <a:schemeClr val="tx1"/>
+                </a:solidFill>
+                <a:latin typeface="Courier" pitchFamily="2" charset="0"/>
+              </a:rPr>
+              <a:t>aes</a:t>
+            </a:r>
+            <a:r>
+              <a:rPr lang="en-US" sz="2400" dirty="0">
+                <a:solidFill>
+                  <a:schemeClr val="tx1"/>
+                </a:solidFill>
+                <a:latin typeface="Courier" pitchFamily="2" charset="0"/>
+              </a:rPr>
+              <a:t>(color = region)) + </a:t>
+            </a:r>
+          </a:p>
+          <a:p>
+            <a:r>
+              <a:rPr lang="en-US" sz="2400" dirty="0">
+                <a:solidFill>
+                  <a:schemeClr val="tx1"/>
+                </a:solidFill>
+                <a:latin typeface="Courier" pitchFamily="2" charset="0"/>
+              </a:rPr>
+              <a:t>  </a:t>
+            </a:r>
+            <a:r>
+              <a:rPr lang="en-US" sz="2400" dirty="0" err="1">
+                <a:solidFill>
+                  <a:schemeClr val="tx1"/>
+                </a:solidFill>
+                <a:latin typeface="Courier" pitchFamily="2" charset="0"/>
+              </a:rPr>
+              <a:t>scale_colour_brewer</a:t>
+            </a:r>
+            <a:r>
+              <a:rPr lang="en-US" sz="2400" dirty="0">
+                <a:solidFill>
+                  <a:schemeClr val="tx1"/>
+                </a:solidFill>
+                <a:latin typeface="Courier" pitchFamily="2" charset="0"/>
+              </a:rPr>
+              <a:t>(palette = "Accent") </a:t>
+            </a:r>
+          </a:p>
+          <a:p>
+            <a:endParaRPr lang="en-US" sz="2400" dirty="0">
+              <a:solidFill>
+                <a:srgbClr val="00B050"/>
+              </a:solidFill>
+              <a:latin typeface="Courier" pitchFamily="2" charset="0"/>
+            </a:endParaRPr>
+          </a:p>
+        </p:txBody>
+      </p:sp>
+      <p:sp>
+        <p:nvSpPr>
+          <p:cNvPr id="7" name="Content Placeholder 2">
+            <a:extLst>
+              <a:ext uri="{FF2B5EF4-FFF2-40B4-BE49-F238E27FC236}">
+                <a16:creationId xmlns:a16="http://schemas.microsoft.com/office/drawing/2014/main" id="{F0CC5CFD-ACF3-51E2-1FBF-E8AE00EE7854}"/>
+              </a:ext>
+            </a:extLst>
+          </p:cNvPr>
+          <p:cNvSpPr txBox="1">
+            <a:spLocks/>
+          </p:cNvSpPr>
+          <p:nvPr/>
+        </p:nvSpPr>
+        <p:spPr>
+          <a:xfrm>
+            <a:off x="3575538" y="164123"/>
+            <a:ext cx="7608930" cy="5820625"/>
+          </a:xfrm>
+          <a:prstGeom prst="rect">
+            <a:avLst/>
+          </a:prstGeom>
+        </p:spPr>
+        <p:txBody>
+          <a:bodyPr vert="horz" lIns="91440" tIns="45720" rIns="91440" bIns="45720" rtlCol="0" anchor="t">
+            <a:normAutofit/>
+          </a:bodyPr>
+          <a:lstStyle>
+            <a:lvl1pPr marL="182880" indent="-182880" algn="l" defTabSz="914400" rtl="0" eaLnBrk="1" latinLnBrk="0" hangingPunct="1">
+              <a:lnSpc>
+                <a:spcPct val="90000"/>
+              </a:lnSpc>
+              <a:spcBef>
+                <a:spcPts val="1200"/>
+              </a:spcBef>
+              <a:buClr>
+                <a:schemeClr val="accent1"/>
+              </a:buClr>
+              <a:buFont typeface="Wingdings 2" pitchFamily="18" charset="2"/>
+              <a:buChar char=""/>
+              <a:defRPr sz="2000" kern="1200">
+                <a:solidFill>
+                  <a:schemeClr val="tx1">
+                    <a:lumMod val="75000"/>
+                    <a:lumOff val="25000"/>
+                  </a:schemeClr>
+                </a:solidFill>
+                <a:latin typeface="+mn-lt"/>
+                <a:ea typeface="+mn-ea"/>
+                <a:cs typeface="+mn-cs"/>
+              </a:defRPr>
+            </a:lvl1pPr>
+            <a:lvl2pPr marL="685800" indent="-182880" algn="l" defTabSz="914400" rtl="0" eaLnBrk="1" latinLnBrk="0" hangingPunct="1">
+              <a:lnSpc>
+                <a:spcPct val="90000"/>
+              </a:lnSpc>
+              <a:spcBef>
+                <a:spcPts val="250"/>
+              </a:spcBef>
+              <a:spcAft>
+                <a:spcPts val="250"/>
+              </a:spcAft>
+              <a:buClr>
+                <a:schemeClr val="accent1"/>
+              </a:buClr>
+              <a:buFont typeface="Wingdings 2" pitchFamily="18" charset="2"/>
+              <a:buChar char=""/>
+              <a:defRPr sz="1800" kern="1200">
+                <a:solidFill>
+                  <a:schemeClr val="tx1">
+                    <a:lumMod val="75000"/>
+                    <a:lumOff val="25000"/>
+                  </a:schemeClr>
+                </a:solidFill>
+                <a:latin typeface="+mn-lt"/>
+                <a:ea typeface="+mn-ea"/>
+                <a:cs typeface="+mn-cs"/>
+              </a:defRPr>
+            </a:lvl2pPr>
+            <a:lvl3pPr marL="1143000" indent="-182880" algn="l" defTabSz="914400" rtl="0" eaLnBrk="1" latinLnBrk="0" hangingPunct="1">
+              <a:lnSpc>
+                <a:spcPct val="90000"/>
+              </a:lnSpc>
+              <a:spcBef>
+                <a:spcPts val="250"/>
+              </a:spcBef>
+              <a:spcAft>
+                <a:spcPts val="250"/>
+              </a:spcAft>
+              <a:buClr>
+                <a:schemeClr val="accent1"/>
+              </a:buClr>
+              <a:buFont typeface="Wingdings 2" pitchFamily="18" charset="2"/>
+              <a:buChar char=""/>
+              <a:defRPr sz="1600" kern="1200">
+                <a:solidFill>
+                  <a:schemeClr val="tx1">
+                    <a:lumMod val="75000"/>
+                    <a:lumOff val="25000"/>
+                  </a:schemeClr>
+                </a:solidFill>
+                <a:latin typeface="+mn-lt"/>
+                <a:ea typeface="+mn-ea"/>
+                <a:cs typeface="+mn-cs"/>
+              </a:defRPr>
+            </a:lvl3pPr>
+            <a:lvl4pPr marL="1600200" indent="-182880" algn="l" defTabSz="914400" rtl="0" eaLnBrk="1" latinLnBrk="0" hangingPunct="1">
+              <a:lnSpc>
+                <a:spcPct val="90000"/>
+              </a:lnSpc>
+              <a:spcBef>
+                <a:spcPts val="250"/>
+              </a:spcBef>
+              <a:spcAft>
+                <a:spcPts val="250"/>
+              </a:spcAft>
+              <a:buClr>
+                <a:schemeClr val="accent1"/>
+              </a:buClr>
+              <a:buFont typeface="Wingdings 2" pitchFamily="18" charset="2"/>
+              <a:buChar char=""/>
+              <a:defRPr sz="1400" kern="1200">
+                <a:solidFill>
+                  <a:schemeClr val="tx1">
+                    <a:lumMod val="75000"/>
+                    <a:lumOff val="25000"/>
+                  </a:schemeClr>
+                </a:solidFill>
+                <a:latin typeface="+mn-lt"/>
+                <a:ea typeface="+mn-ea"/>
+                <a:cs typeface="+mn-cs"/>
+              </a:defRPr>
+            </a:lvl4pPr>
+            <a:lvl5pPr marL="2057400" indent="-182880" algn="l" defTabSz="914400" rtl="0" eaLnBrk="1" latinLnBrk="0" hangingPunct="1">
+              <a:lnSpc>
+                <a:spcPct val="90000"/>
+              </a:lnSpc>
+              <a:spcBef>
+                <a:spcPts val="250"/>
+              </a:spcBef>
+              <a:spcAft>
+                <a:spcPts val="250"/>
+              </a:spcAft>
+              <a:buClr>
+                <a:schemeClr val="accent1"/>
+              </a:buClr>
+              <a:buFont typeface="Wingdings 2" pitchFamily="18" charset="2"/>
+              <a:buChar char=""/>
+              <a:defRPr sz="1400" kern="1200">
+                <a:solidFill>
+                  <a:schemeClr val="tx1">
+                    <a:lumMod val="75000"/>
+                    <a:lumOff val="25000"/>
+                  </a:schemeClr>
+                </a:solidFill>
+                <a:latin typeface="+mn-lt"/>
+                <a:ea typeface="+mn-ea"/>
+                <a:cs typeface="+mn-cs"/>
+              </a:defRPr>
+            </a:lvl5pPr>
+            <a:lvl6pPr marL="2514600" indent="-228600" algn="l" defTabSz="914400" rtl="0" eaLnBrk="1" latinLnBrk="0" hangingPunct="1">
+              <a:lnSpc>
+                <a:spcPct val="90000"/>
+              </a:lnSpc>
+              <a:spcBef>
+                <a:spcPts val="250"/>
+              </a:spcBef>
+              <a:spcAft>
+                <a:spcPts val="250"/>
+              </a:spcAft>
+              <a:buClr>
+                <a:schemeClr val="accent1"/>
+              </a:buClr>
+              <a:buFont typeface="Wingdings 2" pitchFamily="18" charset="2"/>
+              <a:buChar char=""/>
+              <a:defRPr sz="1400" kern="1200">
+                <a:solidFill>
+                  <a:schemeClr val="tx1">
+                    <a:lumMod val="75000"/>
+                    <a:lumOff val="25000"/>
+                  </a:schemeClr>
+                </a:solidFill>
+                <a:latin typeface="+mn-lt"/>
+                <a:ea typeface="+mn-ea"/>
+                <a:cs typeface="+mn-cs"/>
+              </a:defRPr>
+            </a:lvl6pPr>
+            <a:lvl7pPr marL="2971800" indent="-228600" algn="l" defTabSz="914400" rtl="0" eaLnBrk="1" latinLnBrk="0" hangingPunct="1">
+              <a:lnSpc>
+                <a:spcPct val="90000"/>
+              </a:lnSpc>
+              <a:spcBef>
+                <a:spcPts val="250"/>
+              </a:spcBef>
+              <a:spcAft>
+                <a:spcPts val="250"/>
+              </a:spcAft>
+              <a:buClr>
+                <a:schemeClr val="accent1"/>
+              </a:buClr>
+              <a:buFont typeface="Wingdings 2" pitchFamily="18" charset="2"/>
+              <a:buChar char=""/>
+              <a:defRPr sz="1400" kern="1200">
+                <a:solidFill>
+                  <a:schemeClr val="tx1">
+                    <a:lumMod val="75000"/>
+                    <a:lumOff val="25000"/>
+                  </a:schemeClr>
+                </a:solidFill>
+                <a:latin typeface="+mn-lt"/>
+                <a:ea typeface="+mn-ea"/>
+                <a:cs typeface="+mn-cs"/>
+              </a:defRPr>
+            </a:lvl7pPr>
+            <a:lvl8pPr marL="3429000" indent="-228600" algn="l" defTabSz="914400" rtl="0" eaLnBrk="1" latinLnBrk="0" hangingPunct="1">
+              <a:lnSpc>
+                <a:spcPct val="90000"/>
+              </a:lnSpc>
+              <a:spcBef>
+                <a:spcPts val="250"/>
+              </a:spcBef>
+              <a:spcAft>
+                <a:spcPts val="250"/>
+              </a:spcAft>
+              <a:buClr>
+                <a:schemeClr val="accent1"/>
+              </a:buClr>
+              <a:buFont typeface="Wingdings 2" pitchFamily="18" charset="2"/>
+              <a:buChar char=""/>
+              <a:defRPr sz="1400" kern="1200">
+                <a:solidFill>
+                  <a:schemeClr val="tx1">
+                    <a:lumMod val="75000"/>
+                    <a:lumOff val="25000"/>
+                  </a:schemeClr>
+                </a:solidFill>
+                <a:latin typeface="+mn-lt"/>
+                <a:ea typeface="+mn-ea"/>
+                <a:cs typeface="+mn-cs"/>
+              </a:defRPr>
+            </a:lvl8pPr>
+            <a:lvl9pPr marL="3886200" indent="-228600" algn="l" defTabSz="914400" rtl="0" eaLnBrk="1" latinLnBrk="0" hangingPunct="1">
+              <a:lnSpc>
+                <a:spcPct val="90000"/>
+              </a:lnSpc>
+              <a:spcBef>
+                <a:spcPts val="250"/>
+              </a:spcBef>
+              <a:spcAft>
+                <a:spcPts val="250"/>
+              </a:spcAft>
+              <a:buClr>
+                <a:schemeClr val="accent1"/>
+              </a:buClr>
+              <a:buFont typeface="Wingdings 2" pitchFamily="18" charset="2"/>
+              <a:buChar char=""/>
+              <a:defRPr sz="1400" kern="1200">
+                <a:solidFill>
+                  <a:schemeClr val="tx1">
+                    <a:lumMod val="75000"/>
+                    <a:lumOff val="25000"/>
+                  </a:schemeClr>
+                </a:solidFill>
+                <a:latin typeface="+mn-lt"/>
+                <a:ea typeface="+mn-ea"/>
+                <a:cs typeface="+mn-cs"/>
+              </a:defRPr>
+            </a:lvl9pPr>
+          </a:lstStyle>
+          <a:p>
+            <a:pPr marL="0" indent="0">
+              <a:buFont typeface="Wingdings 2" pitchFamily="18" charset="2"/>
+              <a:buNone/>
+            </a:pPr>
+            <a:r>
+              <a:rPr lang="en-US" sz="3200" b="1" dirty="0"/>
+              <a:t>Controlling Aesthetic Mapping – </a:t>
+            </a:r>
+            <a:r>
+              <a:rPr lang="en-US" sz="3200" b="1" dirty="0" err="1"/>
+              <a:t>colorbrewer</a:t>
+            </a:r>
+            <a:endParaRPr lang="en-US" sz="3200" b="1" dirty="0"/>
+          </a:p>
+        </p:txBody>
+      </p:sp>
+      <p:pic>
+        <p:nvPicPr>
+          <p:cNvPr id="9" name="Picture 8" descr="A graph with numbers and dots&#10;&#10;Description automatically generated">
+            <a:extLst>
+              <a:ext uri="{FF2B5EF4-FFF2-40B4-BE49-F238E27FC236}">
+                <a16:creationId xmlns:a16="http://schemas.microsoft.com/office/drawing/2014/main" id="{2B4F89C2-7D43-E87E-B25B-85DB9EE63235}"/>
+              </a:ext>
+            </a:extLst>
+          </p:cNvPr>
+          <p:cNvPicPr>
+            <a:picLocks noChangeAspect="1"/>
+          </p:cNvPicPr>
+          <p:nvPr/>
+        </p:nvPicPr>
+        <p:blipFill>
+          <a:blip r:embed="rId2"/>
+          <a:stretch>
+            <a:fillRect/>
+          </a:stretch>
+        </p:blipFill>
+        <p:spPr>
+          <a:xfrm>
+            <a:off x="2209799" y="2696306"/>
+            <a:ext cx="7772400" cy="3886200"/>
+          </a:xfrm>
+          <a:prstGeom prst="rect">
+            <a:avLst/>
+          </a:prstGeom>
+        </p:spPr>
+      </p:pic>
+    </p:spTree>
+    <p:extLst>
+      <p:ext uri="{BB962C8B-B14F-4D97-AF65-F5344CB8AC3E}">
+        <p14:creationId xmlns:p14="http://schemas.microsoft.com/office/powerpoint/2010/main" val="479856958"/>
+      </p:ext>
+    </p:extLst>
+  </p:cSld>
+  <p:clrMapOvr>
+    <a:masterClrMapping/>
+  </p:clrMapOvr>
+</p:sld>
+</file>
+
+<file path=ppt/slides/slide25.xml><?xml version="1.0" encoding="utf-8"?>
+<p:sld xmlns:a="http://schemas.openxmlformats.org/drawingml/2006/main" xmlns:r="http://schemas.openxmlformats.org/officeDocument/2006/relationships" xmlns:p="http://schemas.openxmlformats.org/presentationml/2006/main">
+  <p:cSld>
+    <p:spTree>
+      <p:nvGrpSpPr>
+        <p:cNvPr id="1" name=""/>
+        <p:cNvGrpSpPr/>
+        <p:nvPr/>
+      </p:nvGrpSpPr>
+      <p:grpSpPr>
+        <a:xfrm>
+          <a:off x="0" y="0"/>
+          <a:ext cx="0" cy="0"/>
+          <a:chOff x="0" y="0"/>
+          <a:chExt cx="0" cy="0"/>
+        </a:xfrm>
+      </p:grpSpPr>
+      <p:sp>
+        <p:nvSpPr>
+          <p:cNvPr id="7" name="Content Placeholder 2">
+            <a:extLst>
+              <a:ext uri="{FF2B5EF4-FFF2-40B4-BE49-F238E27FC236}">
+                <a16:creationId xmlns:a16="http://schemas.microsoft.com/office/drawing/2014/main" id="{F0CC5CFD-ACF3-51E2-1FBF-E8AE00EE7854}"/>
+              </a:ext>
+            </a:extLst>
+          </p:cNvPr>
+          <p:cNvSpPr txBox="1">
+            <a:spLocks/>
+          </p:cNvSpPr>
+          <p:nvPr/>
+        </p:nvSpPr>
+        <p:spPr>
+          <a:xfrm>
+            <a:off x="3575538" y="164123"/>
+            <a:ext cx="7608930" cy="5820625"/>
+          </a:xfrm>
+          <a:prstGeom prst="rect">
+            <a:avLst/>
+          </a:prstGeom>
+        </p:spPr>
+        <p:txBody>
+          <a:bodyPr vert="horz" lIns="91440" tIns="45720" rIns="91440" bIns="45720" rtlCol="0" anchor="t">
+            <a:normAutofit/>
+          </a:bodyPr>
+          <a:lstStyle>
+            <a:lvl1pPr marL="182880" indent="-182880" algn="l" defTabSz="914400" rtl="0" eaLnBrk="1" latinLnBrk="0" hangingPunct="1">
+              <a:lnSpc>
+                <a:spcPct val="90000"/>
+              </a:lnSpc>
+              <a:spcBef>
+                <a:spcPts val="1200"/>
+              </a:spcBef>
+              <a:buClr>
+                <a:schemeClr val="accent1"/>
+              </a:buClr>
+              <a:buFont typeface="Wingdings 2" pitchFamily="18" charset="2"/>
+              <a:buChar char=""/>
+              <a:defRPr sz="2000" kern="1200">
+                <a:solidFill>
+                  <a:schemeClr val="tx1">
+                    <a:lumMod val="75000"/>
+                    <a:lumOff val="25000"/>
+                  </a:schemeClr>
+                </a:solidFill>
+                <a:latin typeface="+mn-lt"/>
+                <a:ea typeface="+mn-ea"/>
+                <a:cs typeface="+mn-cs"/>
+              </a:defRPr>
+            </a:lvl1pPr>
+            <a:lvl2pPr marL="685800" indent="-182880" algn="l" defTabSz="914400" rtl="0" eaLnBrk="1" latinLnBrk="0" hangingPunct="1">
+              <a:lnSpc>
+                <a:spcPct val="90000"/>
+              </a:lnSpc>
+              <a:spcBef>
+                <a:spcPts val="250"/>
+              </a:spcBef>
+              <a:spcAft>
+                <a:spcPts val="250"/>
+              </a:spcAft>
+              <a:buClr>
+                <a:schemeClr val="accent1"/>
+              </a:buClr>
+              <a:buFont typeface="Wingdings 2" pitchFamily="18" charset="2"/>
+              <a:buChar char=""/>
+              <a:defRPr sz="1800" kern="1200">
+                <a:solidFill>
+                  <a:schemeClr val="tx1">
+                    <a:lumMod val="75000"/>
+                    <a:lumOff val="25000"/>
+                  </a:schemeClr>
+                </a:solidFill>
+                <a:latin typeface="+mn-lt"/>
+                <a:ea typeface="+mn-ea"/>
+                <a:cs typeface="+mn-cs"/>
+              </a:defRPr>
+            </a:lvl2pPr>
+            <a:lvl3pPr marL="1143000" indent="-182880" algn="l" defTabSz="914400" rtl="0" eaLnBrk="1" latinLnBrk="0" hangingPunct="1">
+              <a:lnSpc>
+                <a:spcPct val="90000"/>
+              </a:lnSpc>
+              <a:spcBef>
+                <a:spcPts val="250"/>
+              </a:spcBef>
+              <a:spcAft>
+                <a:spcPts val="250"/>
+              </a:spcAft>
+              <a:buClr>
+                <a:schemeClr val="accent1"/>
+              </a:buClr>
+              <a:buFont typeface="Wingdings 2" pitchFamily="18" charset="2"/>
+              <a:buChar char=""/>
+              <a:defRPr sz="1600" kern="1200">
+                <a:solidFill>
+                  <a:schemeClr val="tx1">
+                    <a:lumMod val="75000"/>
+                    <a:lumOff val="25000"/>
+                  </a:schemeClr>
+                </a:solidFill>
+                <a:latin typeface="+mn-lt"/>
+                <a:ea typeface="+mn-ea"/>
+                <a:cs typeface="+mn-cs"/>
+              </a:defRPr>
+            </a:lvl3pPr>
+            <a:lvl4pPr marL="1600200" indent="-182880" algn="l" defTabSz="914400" rtl="0" eaLnBrk="1" latinLnBrk="0" hangingPunct="1">
+              <a:lnSpc>
+                <a:spcPct val="90000"/>
+              </a:lnSpc>
+              <a:spcBef>
+                <a:spcPts val="250"/>
+              </a:spcBef>
+              <a:spcAft>
+                <a:spcPts val="250"/>
+              </a:spcAft>
+              <a:buClr>
+                <a:schemeClr val="accent1"/>
+              </a:buClr>
+              <a:buFont typeface="Wingdings 2" pitchFamily="18" charset="2"/>
+              <a:buChar char=""/>
+              <a:defRPr sz="1400" kern="1200">
+                <a:solidFill>
+                  <a:schemeClr val="tx1">
+                    <a:lumMod val="75000"/>
+                    <a:lumOff val="25000"/>
+                  </a:schemeClr>
+                </a:solidFill>
+                <a:latin typeface="+mn-lt"/>
+                <a:ea typeface="+mn-ea"/>
+                <a:cs typeface="+mn-cs"/>
+              </a:defRPr>
+            </a:lvl4pPr>
+            <a:lvl5pPr marL="2057400" indent="-182880" algn="l" defTabSz="914400" rtl="0" eaLnBrk="1" latinLnBrk="0" hangingPunct="1">
+              <a:lnSpc>
+                <a:spcPct val="90000"/>
+              </a:lnSpc>
+              <a:spcBef>
+                <a:spcPts val="250"/>
+              </a:spcBef>
+              <a:spcAft>
+                <a:spcPts val="250"/>
+              </a:spcAft>
+              <a:buClr>
+                <a:schemeClr val="accent1"/>
+              </a:buClr>
+              <a:buFont typeface="Wingdings 2" pitchFamily="18" charset="2"/>
+              <a:buChar char=""/>
+              <a:defRPr sz="1400" kern="1200">
+                <a:solidFill>
+                  <a:schemeClr val="tx1">
+                    <a:lumMod val="75000"/>
+                    <a:lumOff val="25000"/>
+                  </a:schemeClr>
+                </a:solidFill>
+                <a:latin typeface="+mn-lt"/>
+                <a:ea typeface="+mn-ea"/>
+                <a:cs typeface="+mn-cs"/>
+              </a:defRPr>
+            </a:lvl5pPr>
+            <a:lvl6pPr marL="2514600" indent="-228600" algn="l" defTabSz="914400" rtl="0" eaLnBrk="1" latinLnBrk="0" hangingPunct="1">
+              <a:lnSpc>
+                <a:spcPct val="90000"/>
+              </a:lnSpc>
+              <a:spcBef>
+                <a:spcPts val="250"/>
+              </a:spcBef>
+              <a:spcAft>
+                <a:spcPts val="250"/>
+              </a:spcAft>
+              <a:buClr>
+                <a:schemeClr val="accent1"/>
+              </a:buClr>
+              <a:buFont typeface="Wingdings 2" pitchFamily="18" charset="2"/>
+              <a:buChar char=""/>
+              <a:defRPr sz="1400" kern="1200">
+                <a:solidFill>
+                  <a:schemeClr val="tx1">
+                    <a:lumMod val="75000"/>
+                    <a:lumOff val="25000"/>
+                  </a:schemeClr>
+                </a:solidFill>
+                <a:latin typeface="+mn-lt"/>
+                <a:ea typeface="+mn-ea"/>
+                <a:cs typeface="+mn-cs"/>
+              </a:defRPr>
+            </a:lvl6pPr>
+            <a:lvl7pPr marL="2971800" indent="-228600" algn="l" defTabSz="914400" rtl="0" eaLnBrk="1" latinLnBrk="0" hangingPunct="1">
+              <a:lnSpc>
+                <a:spcPct val="90000"/>
+              </a:lnSpc>
+              <a:spcBef>
+                <a:spcPts val="250"/>
+              </a:spcBef>
+              <a:spcAft>
+                <a:spcPts val="250"/>
+              </a:spcAft>
+              <a:buClr>
+                <a:schemeClr val="accent1"/>
+              </a:buClr>
+              <a:buFont typeface="Wingdings 2" pitchFamily="18" charset="2"/>
+              <a:buChar char=""/>
+              <a:defRPr sz="1400" kern="1200">
+                <a:solidFill>
+                  <a:schemeClr val="tx1">
+                    <a:lumMod val="75000"/>
+                    <a:lumOff val="25000"/>
+                  </a:schemeClr>
+                </a:solidFill>
+                <a:latin typeface="+mn-lt"/>
+                <a:ea typeface="+mn-ea"/>
+                <a:cs typeface="+mn-cs"/>
+              </a:defRPr>
+            </a:lvl7pPr>
+            <a:lvl8pPr marL="3429000" indent="-228600" algn="l" defTabSz="914400" rtl="0" eaLnBrk="1" latinLnBrk="0" hangingPunct="1">
+              <a:lnSpc>
+                <a:spcPct val="90000"/>
+              </a:lnSpc>
+              <a:spcBef>
+                <a:spcPts val="250"/>
+              </a:spcBef>
+              <a:spcAft>
+                <a:spcPts val="250"/>
+              </a:spcAft>
+              <a:buClr>
+                <a:schemeClr val="accent1"/>
+              </a:buClr>
+              <a:buFont typeface="Wingdings 2" pitchFamily="18" charset="2"/>
+              <a:buChar char=""/>
+              <a:defRPr sz="1400" kern="1200">
+                <a:solidFill>
+                  <a:schemeClr val="tx1">
+                    <a:lumMod val="75000"/>
+                    <a:lumOff val="25000"/>
+                  </a:schemeClr>
+                </a:solidFill>
+                <a:latin typeface="+mn-lt"/>
+                <a:ea typeface="+mn-ea"/>
+                <a:cs typeface="+mn-cs"/>
+              </a:defRPr>
+            </a:lvl8pPr>
+            <a:lvl9pPr marL="3886200" indent="-228600" algn="l" defTabSz="914400" rtl="0" eaLnBrk="1" latinLnBrk="0" hangingPunct="1">
+              <a:lnSpc>
+                <a:spcPct val="90000"/>
+              </a:lnSpc>
+              <a:spcBef>
+                <a:spcPts val="250"/>
+              </a:spcBef>
+              <a:spcAft>
+                <a:spcPts val="250"/>
+              </a:spcAft>
+              <a:buClr>
+                <a:schemeClr val="accent1"/>
+              </a:buClr>
+              <a:buFont typeface="Wingdings 2" pitchFamily="18" charset="2"/>
+              <a:buChar char=""/>
+              <a:defRPr sz="1400" kern="1200">
+                <a:solidFill>
+                  <a:schemeClr val="tx1">
+                    <a:lumMod val="75000"/>
+                    <a:lumOff val="25000"/>
+                  </a:schemeClr>
+                </a:solidFill>
+                <a:latin typeface="+mn-lt"/>
+                <a:ea typeface="+mn-ea"/>
+                <a:cs typeface="+mn-cs"/>
+              </a:defRPr>
+            </a:lvl9pPr>
+          </a:lstStyle>
+          <a:p>
+            <a:pPr marL="0" indent="0">
+              <a:buFont typeface="Wingdings 2" pitchFamily="18" charset="2"/>
+              <a:buNone/>
+            </a:pPr>
+            <a:r>
+              <a:rPr lang="en-US" sz="3200" b="1" dirty="0"/>
+              <a:t>Controlling Aesthetic Mapping – </a:t>
+            </a:r>
+            <a:r>
+              <a:rPr lang="en-US" sz="3200" b="1" dirty="0" err="1"/>
+              <a:t>colorbrewer</a:t>
+            </a:r>
+            <a:endParaRPr lang="en-US" sz="3200" b="1" dirty="0"/>
+          </a:p>
+        </p:txBody>
+      </p:sp>
+      <p:pic>
+        <p:nvPicPr>
+          <p:cNvPr id="4" name="Picture 3" descr="A close-up of a color chart&#10;&#10;Description automatically generated">
+            <a:extLst>
+              <a:ext uri="{FF2B5EF4-FFF2-40B4-BE49-F238E27FC236}">
+                <a16:creationId xmlns:a16="http://schemas.microsoft.com/office/drawing/2014/main" id="{5E95AD55-8850-B2A0-698D-6833F594F690}"/>
+              </a:ext>
+            </a:extLst>
+          </p:cNvPr>
+          <p:cNvPicPr>
+            <a:picLocks noChangeAspect="1"/>
+          </p:cNvPicPr>
+          <p:nvPr/>
+        </p:nvPicPr>
+        <p:blipFill>
+          <a:blip r:embed="rId2"/>
+          <a:stretch>
+            <a:fillRect/>
+          </a:stretch>
+        </p:blipFill>
+        <p:spPr>
+          <a:xfrm>
+            <a:off x="4744836" y="1221053"/>
+            <a:ext cx="4532513" cy="5472824"/>
+          </a:xfrm>
+          <a:prstGeom prst="rect">
+            <a:avLst/>
+          </a:prstGeom>
+        </p:spPr>
+      </p:pic>
+    </p:spTree>
+    <p:extLst>
+      <p:ext uri="{BB962C8B-B14F-4D97-AF65-F5344CB8AC3E}">
+        <p14:creationId xmlns:p14="http://schemas.microsoft.com/office/powerpoint/2010/main" val="1486379866"/>
+      </p:ext>
+    </p:extLst>
+  </p:cSld>
+  <p:clrMapOvr>
+    <a:masterClrMapping/>
+  </p:clrMapOvr>
+</p:sld>
+</file>
+
+<file path=ppt/slides/slide26.xml><?xml version="1.0" encoding="utf-8"?>
 <p:sld xmlns:a="http://schemas.openxmlformats.org/drawingml/2006/main" xmlns:r="http://schemas.openxmlformats.org/officeDocument/2006/relationships" xmlns:p="http://schemas.openxmlformats.org/presentationml/2006/main">
   <p:cSld>
     <p:spTree>
@@ -4317,46 +8943,46 @@
             <a:endParaRPr lang="en-US" sz="2800" dirty="0"/>
           </a:p>
           <a:p>
+            <a:endParaRPr lang="en-US" sz="2800" dirty="0"/>
+          </a:p>
+          <a:p>
+            <a:pPr marL="0" indent="0">
+              <a:buNone/>
+            </a:pPr>
             <a:r>
               <a:rPr lang="en-US" sz="2800" dirty="0"/>
-              <a:t> Remember building blocks</a:t>
-            </a:r>
-          </a:p>
-          <a:p>
-            <a:pPr lvl="1"/>
-            <a:r>
-              <a:rPr lang="en-US" sz="2400" dirty="0"/>
-              <a:t>data </a:t>
-            </a:r>
-          </a:p>
-          <a:p>
-            <a:pPr lvl="1"/>
-            <a:r>
-              <a:rPr lang="en-US" sz="2400" dirty="0"/>
-              <a:t>aesthetic mappings </a:t>
-            </a:r>
-          </a:p>
-          <a:p>
-            <a:pPr lvl="1"/>
-            <a:r>
-              <a:rPr lang="en-US" sz="2400" dirty="0"/>
-              <a:t>geometric objects</a:t>
-            </a:r>
-          </a:p>
-          <a:p>
+              <a:t>Now, try it out!</a:t>
+            </a:r>
+          </a:p>
+          <a:p>
+            <a:pPr marL="0" indent="0">
+              <a:buNone/>
+            </a:pPr>
             <a:r>
               <a:rPr lang="en-US" sz="2800" dirty="0"/>
-              <a:t>Play around! Try different things in your lab and look at documentation if you get stuck: </a:t>
-            </a:r>
-            <a:r>
-              <a:rPr lang="en-US" sz="2800" dirty="0">
-                <a:hlinkClick r:id="rId4"/>
-              </a:rPr>
-              <a:t>https://ggplot2.tidyverse.org/</a:t>
-            </a:r>
+              <a:t>Work with 1-2 </a:t>
+            </a:r>
+            <a:r>
+              <a:rPr lang="en-US" sz="2800"/>
+              <a:t>other people. </a:t>
+            </a:r>
+            <a:endParaRPr lang="en-US" sz="2800" dirty="0"/>
+          </a:p>
+          <a:p>
+            <a:pPr marL="0" indent="0">
+              <a:buNone/>
+            </a:pPr>
             <a:r>
               <a:rPr lang="en-US" sz="2800" dirty="0"/>
-              <a:t> </a:t>
+              <a:t>Ask a question you can answer with the </a:t>
+            </a:r>
+            <a:r>
+              <a:rPr lang="en-US" sz="2800" dirty="0" err="1"/>
+              <a:t>landdata</a:t>
+            </a:r>
+            <a:r>
+              <a:rPr lang="en-US" sz="2800" dirty="0"/>
+              <a:t> dataset. Make a graph to answer your question that uses ggplot2, and a colormap. </a:t>
             </a:r>
           </a:p>
         </p:txBody>
@@ -4365,102 +8991,6 @@
     <p:extLst>
       <p:ext uri="{BB962C8B-B14F-4D97-AF65-F5344CB8AC3E}">
         <p14:creationId xmlns:p14="http://schemas.microsoft.com/office/powerpoint/2010/main" val="3802643546"/>
-      </p:ext>
-    </p:extLst>
-  </p:cSld>
-  <p:clrMapOvr>
-    <a:masterClrMapping/>
-  </p:clrMapOvr>
-</p:sld>
-</file>
-
-<file path=ppt/slides/slide2.xml><?xml version="1.0" encoding="utf-8"?>
-<p:sld xmlns:a="http://schemas.openxmlformats.org/drawingml/2006/main" xmlns:r="http://schemas.openxmlformats.org/officeDocument/2006/relationships" xmlns:p="http://schemas.openxmlformats.org/presentationml/2006/main">
-  <p:cSld>
-    <p:spTree>
-      <p:nvGrpSpPr>
-        <p:cNvPr id="1" name=""/>
-        <p:cNvGrpSpPr/>
-        <p:nvPr/>
-      </p:nvGrpSpPr>
-      <p:grpSpPr>
-        <a:xfrm>
-          <a:off x="0" y="0"/>
-          <a:ext cx="0" cy="0"/>
-          <a:chOff x="0" y="0"/>
-          <a:chExt cx="0" cy="0"/>
-        </a:xfrm>
-      </p:grpSpPr>
-      <p:sp>
-        <p:nvSpPr>
-          <p:cNvPr id="2" name="Title 1">
-            <a:extLst>
-              <a:ext uri="{FF2B5EF4-FFF2-40B4-BE49-F238E27FC236}">
-                <a16:creationId xmlns:a16="http://schemas.microsoft.com/office/drawing/2014/main" id="{10D330C2-52A4-1ABA-980B-56FBC97F350C}"/>
-              </a:ext>
-            </a:extLst>
-          </p:cNvPr>
-          <p:cNvSpPr>
-            <a:spLocks noGrp="1"/>
-          </p:cNvSpPr>
-          <p:nvPr>
-            <p:ph type="title"/>
-          </p:nvPr>
-        </p:nvSpPr>
-        <p:spPr/>
-        <p:txBody>
-          <a:bodyPr/>
-          <a:lstStyle/>
-          <a:p>
-            <a:r>
-              <a:rPr lang="en-US" dirty="0"/>
-              <a:t>Plan for Today</a:t>
-            </a:r>
-          </a:p>
-        </p:txBody>
-      </p:sp>
-      <p:sp>
-        <p:nvSpPr>
-          <p:cNvPr id="3" name="Content Placeholder 2">
-            <a:extLst>
-              <a:ext uri="{FF2B5EF4-FFF2-40B4-BE49-F238E27FC236}">
-                <a16:creationId xmlns:a16="http://schemas.microsoft.com/office/drawing/2014/main" id="{9EAE50F6-429C-715A-C25C-1C7744AED1CF}"/>
-              </a:ext>
-            </a:extLst>
-          </p:cNvPr>
-          <p:cNvSpPr>
-            <a:spLocks noGrp="1"/>
-          </p:cNvSpPr>
-          <p:nvPr>
-            <p:ph idx="1"/>
-          </p:nvPr>
-        </p:nvSpPr>
-        <p:spPr/>
-        <p:txBody>
-          <a:bodyPr>
-            <a:normAutofit/>
-          </a:bodyPr>
-          <a:lstStyle/>
-          <a:p>
-            <a:r>
-              <a:rPr lang="en-US" sz="3200" dirty="0"/>
-              <a:t>Connect what we know about visualizations to </a:t>
-            </a:r>
-            <a:r>
-              <a:rPr lang="en-US" sz="3200" dirty="0" err="1"/>
-              <a:t>ggplot</a:t>
-            </a:r>
-            <a:r>
-              <a:rPr lang="en-US" sz="3200" dirty="0"/>
-              <a:t> in R </a:t>
-            </a:r>
-          </a:p>
-        </p:txBody>
-      </p:sp>
-    </p:spTree>
-    <p:extLst>
-      <p:ext uri="{BB962C8B-B14F-4D97-AF65-F5344CB8AC3E}">
-        <p14:creationId xmlns:p14="http://schemas.microsoft.com/office/powerpoint/2010/main" val="1085546165"/>
       </p:ext>
     </p:extLst>
   </p:cSld>
@@ -4553,50 +9083,383 @@
           <a:p>
             <a:r>
               <a:rPr lang="en-US" sz="3200" dirty="0"/>
-              <a:t>Library for creating plots in R</a:t>
-            </a:r>
-          </a:p>
-          <a:p>
-            <a:r>
-              <a:rPr lang="en-US" sz="3200" dirty="0"/>
-              <a:t>The “gg” stand for </a:t>
-            </a:r>
-            <a:r>
-              <a:rPr lang="en-US" sz="3200" b="1" dirty="0"/>
-              <a:t>g</a:t>
-            </a:r>
-            <a:r>
-              <a:rPr lang="en-US" sz="3200" dirty="0"/>
-              <a:t>rammar of </a:t>
-            </a:r>
-            <a:r>
-              <a:rPr lang="en-US" sz="3200" b="1" dirty="0"/>
-              <a:t>g</a:t>
-            </a:r>
-            <a:r>
-              <a:rPr lang="en-US" sz="3200" dirty="0"/>
-              <a:t>raphics</a:t>
-            </a:r>
-          </a:p>
-          <a:p>
-            <a:pPr marL="0" indent="0">
+              <a:t>Plot building blocks</a:t>
+            </a:r>
+          </a:p>
+          <a:p>
+            <a:pPr lvl="1"/>
+            <a:r>
+              <a:rPr lang="en-US" sz="2400" dirty="0"/>
+              <a:t>data </a:t>
+            </a:r>
+          </a:p>
+          <a:p>
+            <a:pPr lvl="1"/>
+            <a:r>
+              <a:rPr lang="en-US" sz="2400" dirty="0"/>
+              <a:t>aesthetic mappings (how we draw that stuff)</a:t>
+            </a:r>
+          </a:p>
+          <a:p>
+            <a:pPr lvl="1"/>
+            <a:r>
+              <a:rPr lang="en-US" sz="2400" dirty="0"/>
+              <a:t>geometric objects (the literal stuff we draw)</a:t>
+            </a:r>
+          </a:p>
+          <a:p>
+            <a:pPr lvl="1"/>
+            <a:r>
+              <a:rPr lang="en-US" sz="2400" dirty="0"/>
+              <a:t>statistical transformations (underlying model)</a:t>
+            </a:r>
+          </a:p>
+          <a:p>
+            <a:pPr lvl="1"/>
+            <a:r>
+              <a:rPr lang="en-US" sz="2400" dirty="0"/>
+              <a:t>scales (range of values, colors, etc.)</a:t>
+            </a:r>
+          </a:p>
+          <a:p>
+            <a:pPr lvl="1"/>
+            <a:r>
+              <a:rPr lang="en-US" sz="2400" dirty="0"/>
+              <a:t>faceting (small multiples)</a:t>
+            </a:r>
+          </a:p>
+          <a:p>
+            <a:pPr marL="502920" lvl="1" indent="0">
               <a:buNone/>
             </a:pPr>
-            <a:endParaRPr lang="en-US" sz="3200" dirty="0"/>
-          </a:p>
-          <a:p>
-            <a:pPr marL="0" indent="0">
-              <a:buNone/>
-            </a:pPr>
-            <a:r>
-              <a:rPr lang="en-US" sz="3200" b="1" dirty="0"/>
-              <a:t>Big idea behind a grammar of graphics:</a:t>
-            </a:r>
-          </a:p>
-          <a:p>
-            <a:r>
-              <a:rPr lang="en-US" sz="3200" dirty="0"/>
-              <a:t>Independently specify plot building blocks and combine them to create graphical displays</a:t>
+            <a:endParaRPr lang="en-US" sz="3000" dirty="0"/>
+          </a:p>
+        </p:txBody>
+      </p:sp>
+      <p:sp>
+        <p:nvSpPr>
+          <p:cNvPr id="2" name="Frame 1">
+            <a:extLst>
+              <a:ext uri="{FF2B5EF4-FFF2-40B4-BE49-F238E27FC236}">
+                <a16:creationId xmlns:a16="http://schemas.microsoft.com/office/drawing/2014/main" id="{E1CF0967-14D2-5EB2-B931-0C256107B97D}"/>
+              </a:ext>
+            </a:extLst>
+          </p:cNvPr>
+          <p:cNvSpPr/>
+          <p:nvPr/>
+        </p:nvSpPr>
+        <p:spPr>
+          <a:xfrm>
+            <a:off x="4308764" y="1884218"/>
+            <a:ext cx="6192981" cy="1302325"/>
+          </a:xfrm>
+          <a:prstGeom prst="frame">
+            <a:avLst>
+              <a:gd name="adj1" fmla="val 5593"/>
+            </a:avLst>
+          </a:prstGeom>
+          <a:solidFill>
+            <a:srgbClr val="C00000"/>
+          </a:solidFill>
+        </p:spPr>
+        <p:style>
+          <a:lnRef idx="2">
+            <a:schemeClr val="accent1">
+              <a:shade val="50000"/>
+            </a:schemeClr>
+          </a:lnRef>
+          <a:fillRef idx="1">
+            <a:schemeClr val="accent1"/>
+          </a:fillRef>
+          <a:effectRef idx="0">
+            <a:schemeClr val="accent1"/>
+          </a:effectRef>
+          <a:fontRef idx="minor">
+            <a:schemeClr val="lt1"/>
+          </a:fontRef>
+        </p:style>
+        <p:txBody>
+          <a:bodyPr rtlCol="0" anchor="ctr"/>
+          <a:lstStyle/>
+          <a:p>
+            <a:pPr algn="ctr"/>
+            <a:endParaRPr lang="en-US">
+              <a:solidFill>
+                <a:schemeClr val="tx1"/>
+              </a:solidFill>
+            </a:endParaRPr>
+          </a:p>
+        </p:txBody>
+      </p:sp>
+      <p:sp>
+        <p:nvSpPr>
+          <p:cNvPr id="5" name="Rectangle 4">
+            <a:extLst>
+              <a:ext uri="{FF2B5EF4-FFF2-40B4-BE49-F238E27FC236}">
+                <a16:creationId xmlns:a16="http://schemas.microsoft.com/office/drawing/2014/main" id="{3D8E1850-F814-AD13-5428-33090F244FD2}"/>
+              </a:ext>
+            </a:extLst>
+          </p:cNvPr>
+          <p:cNvSpPr/>
+          <p:nvPr/>
+        </p:nvSpPr>
+        <p:spPr>
+          <a:xfrm>
+            <a:off x="3869269" y="4475362"/>
+            <a:ext cx="7103532" cy="1177293"/>
+          </a:xfrm>
+          <a:prstGeom prst="rect">
+            <a:avLst/>
+          </a:prstGeom>
+          <a:solidFill>
+            <a:schemeClr val="bg1">
+              <a:lumMod val="95000"/>
+            </a:schemeClr>
+          </a:solidFill>
+          <a:ln>
+            <a:noFill/>
+          </a:ln>
+        </p:spPr>
+        <p:style>
+          <a:lnRef idx="2">
+            <a:schemeClr val="accent4">
+              <a:shade val="50000"/>
+            </a:schemeClr>
+          </a:lnRef>
+          <a:fillRef idx="1">
+            <a:schemeClr val="accent4"/>
+          </a:fillRef>
+          <a:effectRef idx="0">
+            <a:schemeClr val="accent4"/>
+          </a:effectRef>
+          <a:fontRef idx="minor">
+            <a:schemeClr val="lt1"/>
+          </a:fontRef>
+        </p:style>
+        <p:txBody>
+          <a:bodyPr rtlCol="0" anchor="t"/>
+          <a:lstStyle/>
+          <a:p>
+            <a:r>
+              <a:rPr lang="en-US" sz="2400" dirty="0" err="1">
+                <a:solidFill>
+                  <a:schemeClr val="tx1"/>
+                </a:solidFill>
+                <a:latin typeface="Courier" pitchFamily="2" charset="0"/>
+              </a:rPr>
+              <a:t>ggplot</a:t>
+            </a:r>
+            <a:r>
+              <a:rPr lang="en-US" sz="2400" dirty="0">
+                <a:solidFill>
+                  <a:schemeClr val="tx1"/>
+                </a:solidFill>
+                <a:latin typeface="Courier" pitchFamily="2" charset="0"/>
+              </a:rPr>
+              <a:t>(data, </a:t>
+            </a:r>
+            <a:r>
+              <a:rPr lang="en-US" sz="2400" dirty="0" err="1">
+                <a:solidFill>
+                  <a:schemeClr val="tx1"/>
+                </a:solidFill>
+                <a:latin typeface="Courier" pitchFamily="2" charset="0"/>
+              </a:rPr>
+              <a:t>aes</a:t>
+            </a:r>
+            <a:r>
+              <a:rPr lang="en-US" sz="2400" dirty="0">
+                <a:solidFill>
+                  <a:schemeClr val="tx1"/>
+                </a:solidFill>
+                <a:latin typeface="Courier" pitchFamily="2" charset="0"/>
+              </a:rPr>
+              <a:t>()) + </a:t>
+            </a:r>
+          </a:p>
+          <a:p>
+            <a:r>
+              <a:rPr lang="en-US" sz="2400" dirty="0">
+                <a:solidFill>
+                  <a:schemeClr val="tx1"/>
+                </a:solidFill>
+                <a:latin typeface="Courier" pitchFamily="2" charset="0"/>
+              </a:rPr>
+              <a:t>	</a:t>
+            </a:r>
+            <a:r>
+              <a:rPr lang="en-US" sz="2400" dirty="0" err="1">
+                <a:solidFill>
+                  <a:schemeClr val="tx1"/>
+                </a:solidFill>
+                <a:latin typeface="Courier" pitchFamily="2" charset="0"/>
+              </a:rPr>
+              <a:t>geom</a:t>
+            </a:r>
+            <a:r>
+              <a:rPr lang="en-US" sz="2400" dirty="0">
+                <a:solidFill>
+                  <a:schemeClr val="tx1"/>
+                </a:solidFill>
+                <a:latin typeface="Courier" pitchFamily="2" charset="0"/>
+              </a:rPr>
+              <a:t>_* </a:t>
+            </a:r>
+          </a:p>
+        </p:txBody>
+      </p:sp>
+      <p:sp>
+        <p:nvSpPr>
+          <p:cNvPr id="7" name="Rounded Rectangular Callout 6">
+            <a:extLst>
+              <a:ext uri="{FF2B5EF4-FFF2-40B4-BE49-F238E27FC236}">
+                <a16:creationId xmlns:a16="http://schemas.microsoft.com/office/drawing/2014/main" id="{982B69B9-96DD-A1C8-E0D5-61067214E9BE}"/>
+              </a:ext>
+            </a:extLst>
+          </p:cNvPr>
+          <p:cNvSpPr/>
+          <p:nvPr/>
+        </p:nvSpPr>
+        <p:spPr>
+          <a:xfrm>
+            <a:off x="5645519" y="6256532"/>
+            <a:ext cx="2790832" cy="425866"/>
+          </a:xfrm>
+          <a:prstGeom prst="wedgeRoundRectCallout">
+            <a:avLst>
+              <a:gd name="adj1" fmla="val -80179"/>
+              <a:gd name="adj2" fmla="val -279097"/>
+              <a:gd name="adj3" fmla="val 16667"/>
+            </a:avLst>
+          </a:prstGeom>
+        </p:spPr>
+        <p:style>
+          <a:lnRef idx="2">
+            <a:schemeClr val="accent4">
+              <a:shade val="50000"/>
+            </a:schemeClr>
+          </a:lnRef>
+          <a:fillRef idx="1">
+            <a:schemeClr val="accent4"/>
+          </a:fillRef>
+          <a:effectRef idx="0">
+            <a:schemeClr val="accent4"/>
+          </a:effectRef>
+          <a:fontRef idx="minor">
+            <a:schemeClr val="lt1"/>
+          </a:fontRef>
+        </p:style>
+        <p:txBody>
+          <a:bodyPr rtlCol="0" anchor="ctr"/>
+          <a:lstStyle/>
+          <a:p>
+            <a:r>
+              <a:rPr lang="en-US" sz="2800" dirty="0"/>
+              <a:t>geometric object</a:t>
+            </a:r>
+          </a:p>
+        </p:txBody>
+      </p:sp>
+      <p:sp>
+        <p:nvSpPr>
+          <p:cNvPr id="8" name="Rounded Rectangular Callout 7">
+            <a:extLst>
+              <a:ext uri="{FF2B5EF4-FFF2-40B4-BE49-F238E27FC236}">
+                <a16:creationId xmlns:a16="http://schemas.microsoft.com/office/drawing/2014/main" id="{C91BDA69-C33C-B2C4-D367-17AF889E3A13}"/>
+              </a:ext>
+            </a:extLst>
+          </p:cNvPr>
+          <p:cNvSpPr/>
+          <p:nvPr/>
+        </p:nvSpPr>
+        <p:spPr>
+          <a:xfrm>
+            <a:off x="8436351" y="5005296"/>
+            <a:ext cx="3173758" cy="522668"/>
+          </a:xfrm>
+          <a:prstGeom prst="wedgeRoundRectCallout">
+            <a:avLst>
+              <a:gd name="adj1" fmla="val -100016"/>
+              <a:gd name="adj2" fmla="val -73534"/>
+              <a:gd name="adj3" fmla="val 16667"/>
+            </a:avLst>
+          </a:prstGeom>
+        </p:spPr>
+        <p:style>
+          <a:lnRef idx="2">
+            <a:schemeClr val="accent4">
+              <a:shade val="50000"/>
+            </a:schemeClr>
+          </a:lnRef>
+          <a:fillRef idx="1">
+            <a:schemeClr val="accent4"/>
+          </a:fillRef>
+          <a:effectRef idx="0">
+            <a:schemeClr val="accent4"/>
+          </a:effectRef>
+          <a:fontRef idx="minor">
+            <a:schemeClr val="lt1"/>
+          </a:fontRef>
+        </p:style>
+        <p:txBody>
+          <a:bodyPr rtlCol="0" anchor="ctr"/>
+          <a:lstStyle/>
+          <a:p>
+            <a:r>
+              <a:rPr lang="en-US" sz="2800" dirty="0"/>
+              <a:t>aesthetic mapping</a:t>
+            </a:r>
+          </a:p>
+        </p:txBody>
+      </p:sp>
+      <p:sp>
+        <p:nvSpPr>
+          <p:cNvPr id="9" name="Rounded Rectangular Callout 8">
+            <a:extLst>
+              <a:ext uri="{FF2B5EF4-FFF2-40B4-BE49-F238E27FC236}">
+                <a16:creationId xmlns:a16="http://schemas.microsoft.com/office/drawing/2014/main" id="{A7A7B46A-E982-1ED7-F310-81A0CC8DCED3}"/>
+              </a:ext>
+            </a:extLst>
+          </p:cNvPr>
+          <p:cNvSpPr/>
+          <p:nvPr/>
+        </p:nvSpPr>
+        <p:spPr>
+          <a:xfrm>
+            <a:off x="6169167" y="5128987"/>
+            <a:ext cx="1003512" cy="398977"/>
+          </a:xfrm>
+          <a:prstGeom prst="wedgeRoundRectCallout">
+            <a:avLst>
+              <a:gd name="adj1" fmla="val -94178"/>
+              <a:gd name="adj2" fmla="val -119576"/>
+              <a:gd name="adj3" fmla="val 16667"/>
+            </a:avLst>
+          </a:prstGeom>
+        </p:spPr>
+        <p:style>
+          <a:lnRef idx="2">
+            <a:schemeClr val="accent4">
+              <a:shade val="50000"/>
+            </a:schemeClr>
+          </a:lnRef>
+          <a:fillRef idx="1">
+            <a:schemeClr val="accent4"/>
+          </a:fillRef>
+          <a:effectRef idx="0">
+            <a:schemeClr val="accent4"/>
+          </a:effectRef>
+          <a:fontRef idx="minor">
+            <a:schemeClr val="lt1"/>
+          </a:fontRef>
+        </p:style>
+        <p:txBody>
+          <a:bodyPr rtlCol="0" anchor="ctr"/>
+          <a:lstStyle/>
+          <a:p>
+            <a:r>
+              <a:rPr lang="en-US" sz="2800" dirty="0"/>
+              <a:t>data</a:t>
             </a:r>
           </a:p>
         </p:txBody>
@@ -4604,7 +9467,7 @@
     </p:spTree>
     <p:extLst>
       <p:ext uri="{BB962C8B-B14F-4D97-AF65-F5344CB8AC3E}">
-        <p14:creationId xmlns:p14="http://schemas.microsoft.com/office/powerpoint/2010/main" val="1538391692"/>
+        <p14:creationId xmlns:p14="http://schemas.microsoft.com/office/powerpoint/2010/main" val="430122791"/>
       </p:ext>
     </p:extLst>
   </p:cSld>
@@ -4663,10 +9526,10 @@
       </p:pic>
       <p:sp>
         <p:nvSpPr>
-          <p:cNvPr id="8" name="Content Placeholder 2">
+          <p:cNvPr id="3" name="Content Placeholder 2">
             <a:extLst>
               <a:ext uri="{FF2B5EF4-FFF2-40B4-BE49-F238E27FC236}">
-                <a16:creationId xmlns:a16="http://schemas.microsoft.com/office/drawing/2014/main" id="{3DF2B7BE-EF7D-0593-21B8-0C89861A3385}"/>
+                <a16:creationId xmlns:a16="http://schemas.microsoft.com/office/drawing/2014/main" id="{4EE4DF22-35E3-E520-9280-CCF576E15A29}"/>
               </a:ext>
             </a:extLst>
           </p:cNvPr>
@@ -4677,12 +9540,7 @@
             <p:ph idx="1"/>
           </p:nvPr>
         </p:nvSpPr>
-        <p:spPr>
-          <a:xfrm>
-            <a:off x="3869268" y="864108"/>
-            <a:ext cx="7315200" cy="5120640"/>
-          </a:xfrm>
-        </p:spPr>
+        <p:spPr/>
         <p:txBody>
           <a:bodyPr anchor="t">
             <a:normAutofit/>
@@ -4755,10 +9613,338 @@
           </a:p>
         </p:txBody>
       </p:sp>
+      <p:sp>
+        <p:nvSpPr>
+          <p:cNvPr id="2" name="Frame 1">
+            <a:extLst>
+              <a:ext uri="{FF2B5EF4-FFF2-40B4-BE49-F238E27FC236}">
+                <a16:creationId xmlns:a16="http://schemas.microsoft.com/office/drawing/2014/main" id="{E1CF0967-14D2-5EB2-B931-0C256107B97D}"/>
+              </a:ext>
+            </a:extLst>
+          </p:cNvPr>
+          <p:cNvSpPr/>
+          <p:nvPr/>
+        </p:nvSpPr>
+        <p:spPr>
+          <a:xfrm>
+            <a:off x="4302370" y="1884218"/>
+            <a:ext cx="6199376" cy="2591144"/>
+          </a:xfrm>
+          <a:prstGeom prst="frame">
+            <a:avLst>
+              <a:gd name="adj1" fmla="val 3331"/>
+            </a:avLst>
+          </a:prstGeom>
+          <a:solidFill>
+            <a:srgbClr val="C00000"/>
+          </a:solidFill>
+        </p:spPr>
+        <p:style>
+          <a:lnRef idx="2">
+            <a:schemeClr val="accent1">
+              <a:shade val="50000"/>
+            </a:schemeClr>
+          </a:lnRef>
+          <a:fillRef idx="1">
+            <a:schemeClr val="accent1"/>
+          </a:fillRef>
+          <a:effectRef idx="0">
+            <a:schemeClr val="accent1"/>
+          </a:effectRef>
+          <a:fontRef idx="minor">
+            <a:schemeClr val="lt1"/>
+          </a:fontRef>
+        </p:style>
+        <p:txBody>
+          <a:bodyPr rtlCol="0" anchor="ctr"/>
+          <a:lstStyle/>
+          <a:p>
+            <a:pPr algn="ctr"/>
+            <a:endParaRPr lang="en-US">
+              <a:solidFill>
+                <a:schemeClr val="tx1"/>
+              </a:solidFill>
+            </a:endParaRPr>
+          </a:p>
+        </p:txBody>
+      </p:sp>
+      <p:sp>
+        <p:nvSpPr>
+          <p:cNvPr id="5" name="Rectangle 4">
+            <a:extLst>
+              <a:ext uri="{FF2B5EF4-FFF2-40B4-BE49-F238E27FC236}">
+                <a16:creationId xmlns:a16="http://schemas.microsoft.com/office/drawing/2014/main" id="{3D8E1850-F814-AD13-5428-33090F244FD2}"/>
+              </a:ext>
+            </a:extLst>
+          </p:cNvPr>
+          <p:cNvSpPr/>
+          <p:nvPr/>
+        </p:nvSpPr>
+        <p:spPr>
+          <a:xfrm>
+            <a:off x="3869269" y="4475362"/>
+            <a:ext cx="7103532" cy="1177293"/>
+          </a:xfrm>
+          <a:prstGeom prst="rect">
+            <a:avLst/>
+          </a:prstGeom>
+          <a:solidFill>
+            <a:schemeClr val="bg1">
+              <a:lumMod val="95000"/>
+            </a:schemeClr>
+          </a:solidFill>
+          <a:ln>
+            <a:noFill/>
+          </a:ln>
+        </p:spPr>
+        <p:style>
+          <a:lnRef idx="2">
+            <a:schemeClr val="accent4">
+              <a:shade val="50000"/>
+            </a:schemeClr>
+          </a:lnRef>
+          <a:fillRef idx="1">
+            <a:schemeClr val="accent4"/>
+          </a:fillRef>
+          <a:effectRef idx="0">
+            <a:schemeClr val="accent4"/>
+          </a:effectRef>
+          <a:fontRef idx="minor">
+            <a:schemeClr val="lt1"/>
+          </a:fontRef>
+        </p:style>
+        <p:txBody>
+          <a:bodyPr rtlCol="0" anchor="t"/>
+          <a:lstStyle/>
+          <a:p>
+            <a:r>
+              <a:rPr lang="en-US" sz="2400" dirty="0" err="1">
+                <a:solidFill>
+                  <a:schemeClr val="tx1"/>
+                </a:solidFill>
+                <a:latin typeface="Courier" pitchFamily="2" charset="0"/>
+              </a:rPr>
+              <a:t>ggplot</a:t>
+            </a:r>
+            <a:r>
+              <a:rPr lang="en-US" sz="2400" dirty="0">
+                <a:solidFill>
+                  <a:schemeClr val="tx1"/>
+                </a:solidFill>
+                <a:latin typeface="Courier" pitchFamily="2" charset="0"/>
+              </a:rPr>
+              <a:t>(data, </a:t>
+            </a:r>
+            <a:r>
+              <a:rPr lang="en-US" sz="2400" dirty="0" err="1">
+                <a:solidFill>
+                  <a:schemeClr val="tx1"/>
+                </a:solidFill>
+                <a:latin typeface="Courier" pitchFamily="2" charset="0"/>
+              </a:rPr>
+              <a:t>aes</a:t>
+            </a:r>
+            <a:r>
+              <a:rPr lang="en-US" sz="2400" dirty="0">
+                <a:solidFill>
+                  <a:schemeClr val="tx1"/>
+                </a:solidFill>
+                <a:latin typeface="Courier" pitchFamily="2" charset="0"/>
+              </a:rPr>
+              <a:t>()) + </a:t>
+            </a:r>
+          </a:p>
+          <a:p>
+            <a:r>
+              <a:rPr lang="en-US" sz="2400" dirty="0">
+                <a:solidFill>
+                  <a:schemeClr val="tx1"/>
+                </a:solidFill>
+                <a:latin typeface="Courier" pitchFamily="2" charset="0"/>
+              </a:rPr>
+              <a:t>	</a:t>
+            </a:r>
+            <a:r>
+              <a:rPr lang="en-US" sz="2400" dirty="0" err="1">
+                <a:solidFill>
+                  <a:schemeClr val="tx1"/>
+                </a:solidFill>
+                <a:latin typeface="Courier" pitchFamily="2" charset="0"/>
+              </a:rPr>
+              <a:t>geom</a:t>
+            </a:r>
+            <a:r>
+              <a:rPr lang="en-US" sz="2400" dirty="0">
+                <a:solidFill>
+                  <a:schemeClr val="tx1"/>
+                </a:solidFill>
+                <a:latin typeface="Courier" pitchFamily="2" charset="0"/>
+              </a:rPr>
+              <a:t>_* </a:t>
+            </a:r>
+          </a:p>
+        </p:txBody>
+      </p:sp>
+      <p:sp>
+        <p:nvSpPr>
+          <p:cNvPr id="7" name="Rounded Rectangular Callout 6">
+            <a:extLst>
+              <a:ext uri="{FF2B5EF4-FFF2-40B4-BE49-F238E27FC236}">
+                <a16:creationId xmlns:a16="http://schemas.microsoft.com/office/drawing/2014/main" id="{982B69B9-96DD-A1C8-E0D5-61067214E9BE}"/>
+              </a:ext>
+            </a:extLst>
+          </p:cNvPr>
+          <p:cNvSpPr/>
+          <p:nvPr/>
+        </p:nvSpPr>
+        <p:spPr>
+          <a:xfrm>
+            <a:off x="5645519" y="6256532"/>
+            <a:ext cx="2790832" cy="425866"/>
+          </a:xfrm>
+          <a:prstGeom prst="wedgeRoundRectCallout">
+            <a:avLst>
+              <a:gd name="adj1" fmla="val -80179"/>
+              <a:gd name="adj2" fmla="val -279097"/>
+              <a:gd name="adj3" fmla="val 16667"/>
+            </a:avLst>
+          </a:prstGeom>
+        </p:spPr>
+        <p:style>
+          <a:lnRef idx="2">
+            <a:schemeClr val="accent4">
+              <a:shade val="50000"/>
+            </a:schemeClr>
+          </a:lnRef>
+          <a:fillRef idx="1">
+            <a:schemeClr val="accent4"/>
+          </a:fillRef>
+          <a:effectRef idx="0">
+            <a:schemeClr val="accent4"/>
+          </a:effectRef>
+          <a:fontRef idx="minor">
+            <a:schemeClr val="lt1"/>
+          </a:fontRef>
+        </p:style>
+        <p:txBody>
+          <a:bodyPr rtlCol="0" anchor="ctr"/>
+          <a:lstStyle/>
+          <a:p>
+            <a:r>
+              <a:rPr lang="en-US" sz="2800" dirty="0"/>
+              <a:t>geometric object</a:t>
+            </a:r>
+          </a:p>
+        </p:txBody>
+      </p:sp>
+      <p:sp>
+        <p:nvSpPr>
+          <p:cNvPr id="8" name="Rounded Rectangular Callout 7">
+            <a:extLst>
+              <a:ext uri="{FF2B5EF4-FFF2-40B4-BE49-F238E27FC236}">
+                <a16:creationId xmlns:a16="http://schemas.microsoft.com/office/drawing/2014/main" id="{C91BDA69-C33C-B2C4-D367-17AF889E3A13}"/>
+              </a:ext>
+            </a:extLst>
+          </p:cNvPr>
+          <p:cNvSpPr/>
+          <p:nvPr/>
+        </p:nvSpPr>
+        <p:spPr>
+          <a:xfrm>
+            <a:off x="8436351" y="5005296"/>
+            <a:ext cx="3173758" cy="522668"/>
+          </a:xfrm>
+          <a:prstGeom prst="wedgeRoundRectCallout">
+            <a:avLst>
+              <a:gd name="adj1" fmla="val -100016"/>
+              <a:gd name="adj2" fmla="val -73534"/>
+              <a:gd name="adj3" fmla="val 16667"/>
+            </a:avLst>
+          </a:prstGeom>
+        </p:spPr>
+        <p:style>
+          <a:lnRef idx="2">
+            <a:schemeClr val="accent4">
+              <a:shade val="50000"/>
+            </a:schemeClr>
+          </a:lnRef>
+          <a:fillRef idx="1">
+            <a:schemeClr val="accent4"/>
+          </a:fillRef>
+          <a:effectRef idx="0">
+            <a:schemeClr val="accent4"/>
+          </a:effectRef>
+          <a:fontRef idx="minor">
+            <a:schemeClr val="lt1"/>
+          </a:fontRef>
+        </p:style>
+        <p:txBody>
+          <a:bodyPr rtlCol="0" anchor="ctr"/>
+          <a:lstStyle/>
+          <a:p>
+            <a:r>
+              <a:rPr lang="en-US" sz="2800" dirty="0"/>
+              <a:t>aesthetic mapping</a:t>
+            </a:r>
+          </a:p>
+        </p:txBody>
+      </p:sp>
+      <p:sp>
+        <p:nvSpPr>
+          <p:cNvPr id="9" name="Rounded Rectangular Callout 8">
+            <a:extLst>
+              <a:ext uri="{FF2B5EF4-FFF2-40B4-BE49-F238E27FC236}">
+                <a16:creationId xmlns:a16="http://schemas.microsoft.com/office/drawing/2014/main" id="{A7A7B46A-E982-1ED7-F310-81A0CC8DCED3}"/>
+              </a:ext>
+            </a:extLst>
+          </p:cNvPr>
+          <p:cNvSpPr/>
+          <p:nvPr/>
+        </p:nvSpPr>
+        <p:spPr>
+          <a:xfrm>
+            <a:off x="6169167" y="5128987"/>
+            <a:ext cx="1003512" cy="398977"/>
+          </a:xfrm>
+          <a:prstGeom prst="wedgeRoundRectCallout">
+            <a:avLst>
+              <a:gd name="adj1" fmla="val -94178"/>
+              <a:gd name="adj2" fmla="val -119576"/>
+              <a:gd name="adj3" fmla="val 16667"/>
+            </a:avLst>
+          </a:prstGeom>
+        </p:spPr>
+        <p:style>
+          <a:lnRef idx="2">
+            <a:schemeClr val="accent4">
+              <a:shade val="50000"/>
+            </a:schemeClr>
+          </a:lnRef>
+          <a:fillRef idx="1">
+            <a:schemeClr val="accent4"/>
+          </a:fillRef>
+          <a:effectRef idx="0">
+            <a:schemeClr val="accent4"/>
+          </a:effectRef>
+          <a:fontRef idx="minor">
+            <a:schemeClr val="lt1"/>
+          </a:fontRef>
+        </p:style>
+        <p:txBody>
+          <a:bodyPr rtlCol="0" anchor="ctr"/>
+          <a:lstStyle/>
+          <a:p>
+            <a:r>
+              <a:rPr lang="en-US" sz="2800" dirty="0"/>
+              <a:t>data</a:t>
+            </a:r>
+          </a:p>
+        </p:txBody>
+      </p:sp>
     </p:spTree>
     <p:extLst>
       <p:ext uri="{BB962C8B-B14F-4D97-AF65-F5344CB8AC3E}">
-        <p14:creationId xmlns:p14="http://schemas.microsoft.com/office/powerpoint/2010/main" val="3124175457"/>
+        <p14:creationId xmlns:p14="http://schemas.microsoft.com/office/powerpoint/2010/main" val="1503909554"/>
       </p:ext>
     </p:extLst>
   </p:cSld>
@@ -4843,73 +10029,61 @@
             </a:pPr>
             <a:r>
               <a:rPr lang="en-US" sz="3200" b="1" dirty="0">
-                <a:latin typeface="Courier" pitchFamily="2" charset="0"/>
-              </a:rPr>
-              <a:t>ggplot2</a:t>
-            </a:r>
-          </a:p>
-          <a:p>
-            <a:r>
-              <a:rPr lang="en-US" sz="3200" dirty="0"/>
-              <a:t>Plot building blocks</a:t>
-            </a:r>
-          </a:p>
-          <a:p>
-            <a:pPr lvl="1"/>
-            <a:r>
-              <a:rPr lang="en-US" sz="2400" dirty="0"/>
-              <a:t>data </a:t>
-            </a:r>
-          </a:p>
-          <a:p>
-            <a:pPr lvl="1"/>
-            <a:r>
-              <a:rPr lang="en-US" sz="2400" dirty="0"/>
-              <a:t>aesthetic mappings (how we draw that stuff)</a:t>
-            </a:r>
-          </a:p>
-          <a:p>
-            <a:pPr lvl="1"/>
-            <a:r>
-              <a:rPr lang="en-US" sz="2400" dirty="0"/>
-              <a:t>geometric objects (the literal stuff we draw)</a:t>
-            </a:r>
-          </a:p>
-          <a:p>
-            <a:pPr lvl="1"/>
-            <a:r>
-              <a:rPr lang="en-US" sz="2400" dirty="0"/>
-              <a:t>statistical transformations (underlying model)</a:t>
-            </a:r>
-          </a:p>
-          <a:p>
-            <a:pPr lvl="1"/>
-            <a:r>
-              <a:rPr lang="en-US" sz="2400" dirty="0"/>
-              <a:t>scales (range of values, colors, etc.)</a:t>
-            </a:r>
-          </a:p>
-          <a:p>
-            <a:pPr lvl="1"/>
-            <a:r>
-              <a:rPr lang="en-US" sz="2400" dirty="0"/>
-              <a:t>faceting (small multiples)</a:t>
-            </a:r>
-          </a:p>
-          <a:p>
-            <a:pPr marL="502920" lvl="1" indent="0">
+                <a:latin typeface="+mj-lt"/>
+                <a:cs typeface="Calibri" panose="020F0502020204030204" pitchFamily="34" charset="0"/>
+              </a:rPr>
+              <a:t>Data</a:t>
+            </a:r>
+          </a:p>
+          <a:p>
+            <a:r>
+              <a:rPr lang="en-US" sz="2400" dirty="0">
+                <a:latin typeface="+mj-lt"/>
+                <a:cs typeface="Calibri" panose="020F0502020204030204" pitchFamily="34" charset="0"/>
+              </a:rPr>
+              <a:t>For today, upload the </a:t>
+            </a:r>
+            <a:r>
+              <a:rPr lang="en-US" sz="2400" dirty="0" err="1">
+                <a:latin typeface="+mj-lt"/>
+                <a:cs typeface="Calibri" panose="020F0502020204030204" pitchFamily="34" charset="0"/>
+              </a:rPr>
+              <a:t>landdata-states.csv</a:t>
+            </a:r>
+            <a:r>
+              <a:rPr lang="en-US" sz="2400" dirty="0">
+                <a:latin typeface="+mj-lt"/>
+                <a:cs typeface="Calibri" panose="020F0502020204030204" pitchFamily="34" charset="0"/>
+              </a:rPr>
+              <a:t> from the course website (under Labs tab) to your R Studio working directory </a:t>
+            </a:r>
+          </a:p>
+          <a:p>
+            <a:r>
+              <a:rPr lang="en-US" sz="2400" dirty="0">
+                <a:latin typeface="+mj-lt"/>
+                <a:cs typeface="Calibri" panose="020F0502020204030204" pitchFamily="34" charset="0"/>
+              </a:rPr>
+              <a:t>Load the data and look at it</a:t>
+            </a:r>
+          </a:p>
+          <a:p>
+            <a:pPr marL="0" indent="0">
               <a:buNone/>
             </a:pPr>
-            <a:endParaRPr lang="en-US" sz="3000" dirty="0"/>
-          </a:p>
-        </p:txBody>
-      </p:sp>
-      <p:sp>
-        <p:nvSpPr>
-          <p:cNvPr id="2" name="Frame 1">
+            <a:endParaRPr lang="en-US" sz="3200" dirty="0">
+              <a:latin typeface="+mj-lt"/>
+              <a:cs typeface="Calibri" panose="020F0502020204030204" pitchFamily="34" charset="0"/>
+            </a:endParaRPr>
+          </a:p>
+        </p:txBody>
+      </p:sp>
+      <p:sp>
+        <p:nvSpPr>
+          <p:cNvPr id="6" name="Rectangle 5">
             <a:extLst>
               <a:ext uri="{FF2B5EF4-FFF2-40B4-BE49-F238E27FC236}">
-                <a16:creationId xmlns:a16="http://schemas.microsoft.com/office/drawing/2014/main" id="{E1CF0967-14D2-5EB2-B931-0C256107B97D}"/>
+                <a16:creationId xmlns:a16="http://schemas.microsoft.com/office/drawing/2014/main" id="{1A242574-B1D6-D718-605F-1DB53A9D9D4D}"/>
               </a:ext>
             </a:extLst>
           </p:cNvPr>
@@ -4918,267 +10092,8 @@
         </p:nvSpPr>
         <p:spPr>
           <a:xfrm>
-            <a:off x="4308764" y="1884218"/>
-            <a:ext cx="6192981" cy="1302325"/>
-          </a:xfrm>
-          <a:prstGeom prst="frame">
-            <a:avLst>
-              <a:gd name="adj1" fmla="val 5593"/>
-            </a:avLst>
-          </a:prstGeom>
-          <a:solidFill>
-            <a:srgbClr val="C00000"/>
-          </a:solidFill>
-        </p:spPr>
-        <p:style>
-          <a:lnRef idx="2">
-            <a:schemeClr val="accent1">
-              <a:shade val="50000"/>
-            </a:schemeClr>
-          </a:lnRef>
-          <a:fillRef idx="1">
-            <a:schemeClr val="accent1"/>
-          </a:fillRef>
-          <a:effectRef idx="0">
-            <a:schemeClr val="accent1"/>
-          </a:effectRef>
-          <a:fontRef idx="minor">
-            <a:schemeClr val="lt1"/>
-          </a:fontRef>
-        </p:style>
-        <p:txBody>
-          <a:bodyPr rtlCol="0" anchor="ctr"/>
-          <a:lstStyle/>
-          <a:p>
-            <a:pPr algn="ctr"/>
-            <a:endParaRPr lang="en-US">
-              <a:solidFill>
-                <a:schemeClr val="tx1"/>
-              </a:solidFill>
-            </a:endParaRPr>
-          </a:p>
-        </p:txBody>
-      </p:sp>
-    </p:spTree>
-    <p:extLst>
-      <p:ext uri="{BB962C8B-B14F-4D97-AF65-F5344CB8AC3E}">
-        <p14:creationId xmlns:p14="http://schemas.microsoft.com/office/powerpoint/2010/main" val="960565647"/>
-      </p:ext>
-    </p:extLst>
-  </p:cSld>
-  <p:clrMapOvr>
-    <a:masterClrMapping/>
-  </p:clrMapOvr>
-</p:sld>
-</file>
-
-<file path=ppt/slides/slide6.xml><?xml version="1.0" encoding="utf-8"?>
-<p:sld xmlns:a="http://schemas.openxmlformats.org/drawingml/2006/main" xmlns:r="http://schemas.openxmlformats.org/officeDocument/2006/relationships" xmlns:p="http://schemas.openxmlformats.org/presentationml/2006/main">
-  <p:cSld>
-    <p:spTree>
-      <p:nvGrpSpPr>
-        <p:cNvPr id="1" name=""/>
-        <p:cNvGrpSpPr/>
-        <p:nvPr/>
-      </p:nvGrpSpPr>
-      <p:grpSpPr>
-        <a:xfrm>
-          <a:off x="0" y="0"/>
-          <a:ext cx="0" cy="0"/>
-          <a:chOff x="0" y="0"/>
-          <a:chExt cx="0" cy="0"/>
-        </a:xfrm>
-      </p:grpSpPr>
-      <p:pic>
-        <p:nvPicPr>
-          <p:cNvPr id="4" name="Picture 3">
-            <a:extLst>
-              <a:ext uri="{FF2B5EF4-FFF2-40B4-BE49-F238E27FC236}">
-                <a16:creationId xmlns:a16="http://schemas.microsoft.com/office/drawing/2014/main" id="{07923A24-466A-29F2-6D37-F7A9FC922C51}"/>
-              </a:ext>
-            </a:extLst>
-          </p:cNvPr>
-          <p:cNvPicPr>
-            <a:picLocks noChangeAspect="1"/>
-          </p:cNvPicPr>
-          <p:nvPr/>
-        </p:nvPicPr>
-        <p:blipFill>
-          <a:blip r:embed="rId2"/>
-          <a:stretch>
-            <a:fillRect/>
-          </a:stretch>
-        </p:blipFill>
-        <p:spPr>
-          <a:xfrm>
-            <a:off x="641927" y="2252869"/>
-            <a:ext cx="2032000" cy="2352261"/>
-          </a:xfrm>
-          <a:prstGeom prst="rect">
-            <a:avLst/>
-          </a:prstGeom>
-        </p:spPr>
-      </p:pic>
-      <p:sp>
-        <p:nvSpPr>
-          <p:cNvPr id="3" name="Content Placeholder 2">
-            <a:extLst>
-              <a:ext uri="{FF2B5EF4-FFF2-40B4-BE49-F238E27FC236}">
-                <a16:creationId xmlns:a16="http://schemas.microsoft.com/office/drawing/2014/main" id="{4EE4DF22-35E3-E520-9280-CCF576E15A29}"/>
-              </a:ext>
-            </a:extLst>
-          </p:cNvPr>
-          <p:cNvSpPr>
-            <a:spLocks noGrp="1"/>
-          </p:cNvSpPr>
-          <p:nvPr>
-            <p:ph idx="1"/>
-          </p:nvPr>
-        </p:nvSpPr>
-        <p:spPr/>
-        <p:txBody>
-          <a:bodyPr anchor="t">
-            <a:normAutofit/>
-          </a:bodyPr>
-          <a:lstStyle/>
-          <a:p>
-            <a:pPr marL="0" indent="0">
-              <a:buNone/>
-            </a:pPr>
-            <a:r>
-              <a:rPr lang="en-US" sz="3200" b="1" dirty="0">
-                <a:latin typeface="Courier" pitchFamily="2" charset="0"/>
-              </a:rPr>
-              <a:t>ggplot2</a:t>
-            </a:r>
-          </a:p>
-          <a:p>
-            <a:r>
-              <a:rPr lang="en-US" sz="3200" dirty="0"/>
-              <a:t>Plot building blocks</a:t>
-            </a:r>
-          </a:p>
-          <a:p>
-            <a:pPr lvl="1"/>
-            <a:r>
-              <a:rPr lang="en-US" sz="2400" dirty="0"/>
-              <a:t>data </a:t>
-            </a:r>
-          </a:p>
-          <a:p>
-            <a:pPr lvl="1"/>
-            <a:r>
-              <a:rPr lang="en-US" sz="2400" dirty="0"/>
-              <a:t>aesthetic mappings (how we draw that stuff)</a:t>
-            </a:r>
-          </a:p>
-          <a:p>
-            <a:pPr lvl="1"/>
-            <a:r>
-              <a:rPr lang="en-US" sz="2400" dirty="0"/>
-              <a:t>geometric objects (the literal stuff we draw)</a:t>
-            </a:r>
-          </a:p>
-          <a:p>
-            <a:pPr lvl="1"/>
-            <a:r>
-              <a:rPr lang="en-US" sz="2400" dirty="0"/>
-              <a:t>statistical transformations (underlying model)</a:t>
-            </a:r>
-          </a:p>
-          <a:p>
-            <a:pPr lvl="1"/>
-            <a:r>
-              <a:rPr lang="en-US" sz="2400" dirty="0"/>
-              <a:t>scales (range of values, colors, etc.)</a:t>
-            </a:r>
-          </a:p>
-          <a:p>
-            <a:pPr lvl="1"/>
-            <a:r>
-              <a:rPr lang="en-US" sz="2400" dirty="0"/>
-              <a:t>faceting (small multiples)</a:t>
-            </a:r>
-          </a:p>
-          <a:p>
-            <a:pPr marL="502920" lvl="1" indent="0">
-              <a:buNone/>
-            </a:pPr>
-            <a:endParaRPr lang="en-US" sz="3000" dirty="0"/>
-          </a:p>
-        </p:txBody>
-      </p:sp>
-      <p:sp>
-        <p:nvSpPr>
-          <p:cNvPr id="2" name="Frame 1">
-            <a:extLst>
-              <a:ext uri="{FF2B5EF4-FFF2-40B4-BE49-F238E27FC236}">
-                <a16:creationId xmlns:a16="http://schemas.microsoft.com/office/drawing/2014/main" id="{E1CF0967-14D2-5EB2-B931-0C256107B97D}"/>
-              </a:ext>
-            </a:extLst>
-          </p:cNvPr>
-          <p:cNvSpPr/>
-          <p:nvPr/>
-        </p:nvSpPr>
-        <p:spPr>
-          <a:xfrm>
-            <a:off x="4308764" y="1884218"/>
-            <a:ext cx="6192981" cy="1302325"/>
-          </a:xfrm>
-          <a:prstGeom prst="frame">
-            <a:avLst>
-              <a:gd name="adj1" fmla="val 5593"/>
-            </a:avLst>
-          </a:prstGeom>
-          <a:solidFill>
-            <a:srgbClr val="C00000"/>
-          </a:solidFill>
-        </p:spPr>
-        <p:style>
-          <a:lnRef idx="2">
-            <a:schemeClr val="accent1">
-              <a:shade val="50000"/>
-            </a:schemeClr>
-          </a:lnRef>
-          <a:fillRef idx="1">
-            <a:schemeClr val="accent1"/>
-          </a:fillRef>
-          <a:effectRef idx="0">
-            <a:schemeClr val="accent1"/>
-          </a:effectRef>
-          <a:fontRef idx="minor">
-            <a:schemeClr val="lt1"/>
-          </a:fontRef>
-        </p:style>
-        <p:txBody>
-          <a:bodyPr rtlCol="0" anchor="ctr"/>
-          <a:lstStyle/>
-          <a:p>
-            <a:pPr algn="ctr"/>
-            <a:endParaRPr lang="en-US">
-              <a:solidFill>
-                <a:schemeClr val="tx1"/>
-              </a:solidFill>
-            </a:endParaRPr>
-          </a:p>
-        </p:txBody>
-      </p:sp>
-      <p:sp>
-        <p:nvSpPr>
-          <p:cNvPr id="5" name="Rectangle 4">
-            <a:extLst>
-              <a:ext uri="{FF2B5EF4-FFF2-40B4-BE49-F238E27FC236}">
-                <a16:creationId xmlns:a16="http://schemas.microsoft.com/office/drawing/2014/main" id="{3D8E1850-F814-AD13-5428-33090F244FD2}"/>
-              </a:ext>
-            </a:extLst>
-          </p:cNvPr>
-          <p:cNvSpPr/>
-          <p:nvPr/>
-        </p:nvSpPr>
-        <p:spPr>
-          <a:xfrm>
-            <a:off x="3869269" y="4475362"/>
-            <a:ext cx="7103532" cy="1177293"/>
+            <a:off x="3153508" y="2995109"/>
+            <a:ext cx="8534399" cy="858638"/>
           </a:xfrm>
           <a:prstGeom prst="rect">
             <a:avLst/>
@@ -5219,16 +10134,16 @@
                 </a:solidFill>
                 <a:latin typeface="Courier" pitchFamily="2" charset="0"/>
               </a:rPr>
-              <a:t>ggplot</a:t>
-            </a:r>
-            <a:r>
-              <a:rPr lang="en-US" sz="2400" dirty="0">
-                <a:solidFill>
-                  <a:schemeClr val="tx1"/>
-                </a:solidFill>
-                <a:latin typeface="Courier" pitchFamily="2" charset="0"/>
-              </a:rPr>
-              <a:t>(data, </a:t>
+              <a:t>housing_ds</a:t>
+            </a:r>
+            <a:r>
+              <a:rPr lang="en-US" sz="2400" dirty="0">
+                <a:solidFill>
+                  <a:schemeClr val="tx1"/>
+                </a:solidFill>
+                <a:latin typeface="Courier" pitchFamily="2" charset="0"/>
+              </a:rPr>
+              <a:t> &lt;- </a:t>
             </a:r>
             <a:r>
               <a:rPr lang="en-US" sz="2400" dirty="0" err="1">
@@ -5237,27 +10152,16 @@
                 </a:solidFill>
                 <a:latin typeface="Courier" pitchFamily="2" charset="0"/>
               </a:rPr>
-              <a:t>aes</a:t>
-            </a:r>
-            <a:r>
-              <a:rPr lang="en-US" sz="2400" dirty="0">
-                <a:solidFill>
-                  <a:schemeClr val="tx1"/>
-                </a:solidFill>
-                <a:latin typeface="Courier" pitchFamily="2" charset="0"/>
-              </a:rPr>
-              <a:t>()) + </a:t>
-            </a:r>
-          </a:p>
-          <a:p>
-            <a:r>
-              <a:rPr lang="en-US" sz="2400" dirty="0">
-                <a:solidFill>
-                  <a:schemeClr val="tx1"/>
-                </a:solidFill>
-                <a:latin typeface="Courier" pitchFamily="2" charset="0"/>
-              </a:rPr>
-              <a:t>	</a:t>
+              <a:t>read_csv</a:t>
+            </a:r>
+            <a:r>
+              <a:rPr lang="en-US" sz="2400" dirty="0">
+                <a:solidFill>
+                  <a:schemeClr val="tx1"/>
+                </a:solidFill>
+                <a:latin typeface="Courier" pitchFamily="2" charset="0"/>
+              </a:rPr>
+              <a:t>(“</a:t>
             </a:r>
             <a:r>
               <a:rPr lang="en-US" sz="2400" dirty="0" err="1">
@@ -5266,26 +10170,153 @@
                 </a:solidFill>
                 <a:latin typeface="Courier" pitchFamily="2" charset="0"/>
               </a:rPr>
-              <a:t>geom</a:t>
-            </a:r>
-            <a:r>
-              <a:rPr lang="en-US" sz="2400" dirty="0">
-                <a:solidFill>
-                  <a:schemeClr val="tx1"/>
-                </a:solidFill>
-                <a:latin typeface="Courier" pitchFamily="2" charset="0"/>
-              </a:rPr>
-              <a:t>_* </a:t>
-            </a:r>
-          </a:p>
-        </p:txBody>
-      </p:sp>
-      <p:sp>
-        <p:nvSpPr>
-          <p:cNvPr id="7" name="Rounded Rectangular Callout 6">
+              <a:t>landdata-states.csv</a:t>
+            </a:r>
+            <a:r>
+              <a:rPr lang="en-US" sz="2400" dirty="0">
+                <a:solidFill>
+                  <a:schemeClr val="tx1"/>
+                </a:solidFill>
+                <a:latin typeface="Courier" pitchFamily="2" charset="0"/>
+              </a:rPr>
+              <a:t>”)</a:t>
+            </a:r>
+          </a:p>
+          <a:p>
+            <a:r>
+              <a:rPr lang="en-US" sz="2400" dirty="0">
+                <a:solidFill>
+                  <a:schemeClr val="tx1"/>
+                </a:solidFill>
+                <a:latin typeface="Courier" pitchFamily="2" charset="0"/>
+              </a:rPr>
+              <a:t>glimpse(</a:t>
+            </a:r>
+            <a:r>
+              <a:rPr lang="en-US" sz="2400" dirty="0" err="1">
+                <a:solidFill>
+                  <a:schemeClr val="tx1"/>
+                </a:solidFill>
+                <a:latin typeface="Courier" pitchFamily="2" charset="0"/>
+              </a:rPr>
+              <a:t>housing_ds</a:t>
+            </a:r>
+            <a:r>
+              <a:rPr lang="en-US" sz="2400" dirty="0">
+                <a:solidFill>
+                  <a:schemeClr val="tx1"/>
+                </a:solidFill>
+                <a:latin typeface="Courier" pitchFamily="2" charset="0"/>
+              </a:rPr>
+              <a:t>)</a:t>
+            </a:r>
+          </a:p>
+        </p:txBody>
+      </p:sp>
+      <p:pic>
+        <p:nvPicPr>
+          <p:cNvPr id="11" name="Picture 10" descr="A white background with black numbers&#10;&#10;Description automatically generated">
             <a:extLst>
               <a:ext uri="{FF2B5EF4-FFF2-40B4-BE49-F238E27FC236}">
-                <a16:creationId xmlns:a16="http://schemas.microsoft.com/office/drawing/2014/main" id="{982B69B9-96DD-A1C8-E0D5-61067214E9BE}"/>
+                <a16:creationId xmlns:a16="http://schemas.microsoft.com/office/drawing/2014/main" id="{E73F11FA-4F58-BA4B-7165-704D1E67B3F2}"/>
+              </a:ext>
+            </a:extLst>
+          </p:cNvPr>
+          <p:cNvPicPr>
+            <a:picLocks noChangeAspect="1"/>
+          </p:cNvPicPr>
+          <p:nvPr/>
+        </p:nvPicPr>
+        <p:blipFill>
+          <a:blip r:embed="rId3"/>
+          <a:stretch>
+            <a:fillRect/>
+          </a:stretch>
+        </p:blipFill>
+        <p:spPr>
+          <a:xfrm>
+            <a:off x="3129733" y="3853747"/>
+            <a:ext cx="8794270" cy="3004253"/>
+          </a:xfrm>
+          <a:prstGeom prst="rect">
+            <a:avLst/>
+          </a:prstGeom>
+        </p:spPr>
+      </p:pic>
+    </p:spTree>
+    <p:extLst>
+      <p:ext uri="{BB962C8B-B14F-4D97-AF65-F5344CB8AC3E}">
+        <p14:creationId xmlns:p14="http://schemas.microsoft.com/office/powerpoint/2010/main" val="3644747800"/>
+      </p:ext>
+    </p:extLst>
+  </p:cSld>
+  <p:clrMapOvr>
+    <a:masterClrMapping/>
+  </p:clrMapOvr>
+</p:sld>
+</file>
+
+<file path=ppt/slides/slide6.xml><?xml version="1.0" encoding="utf-8"?>
+<p:sld xmlns:a="http://schemas.openxmlformats.org/drawingml/2006/main" xmlns:r="http://schemas.openxmlformats.org/officeDocument/2006/relationships" xmlns:p="http://schemas.openxmlformats.org/presentationml/2006/main">
+  <p:cSld>
+    <p:spTree>
+      <p:nvGrpSpPr>
+        <p:cNvPr id="1" name=""/>
+        <p:cNvGrpSpPr/>
+        <p:nvPr/>
+      </p:nvGrpSpPr>
+      <p:grpSpPr>
+        <a:xfrm>
+          <a:off x="0" y="0"/>
+          <a:ext cx="0" cy="0"/>
+          <a:chOff x="0" y="0"/>
+          <a:chExt cx="0" cy="0"/>
+        </a:xfrm>
+      </p:grpSpPr>
+      <p:sp>
+        <p:nvSpPr>
+          <p:cNvPr id="3" name="Content Placeholder 2">
+            <a:extLst>
+              <a:ext uri="{FF2B5EF4-FFF2-40B4-BE49-F238E27FC236}">
+                <a16:creationId xmlns:a16="http://schemas.microsoft.com/office/drawing/2014/main" id="{4EE4DF22-35E3-E520-9280-CCF576E15A29}"/>
+              </a:ext>
+            </a:extLst>
+          </p:cNvPr>
+          <p:cNvSpPr>
+            <a:spLocks noGrp="1"/>
+          </p:cNvSpPr>
+          <p:nvPr>
+            <p:ph idx="1"/>
+          </p:nvPr>
+        </p:nvSpPr>
+        <p:spPr>
+          <a:xfrm>
+            <a:off x="3869268" y="164123"/>
+            <a:ext cx="7315200" cy="5820625"/>
+          </a:xfrm>
+        </p:spPr>
+        <p:txBody>
+          <a:bodyPr anchor="t">
+            <a:normAutofit/>
+          </a:bodyPr>
+          <a:lstStyle/>
+          <a:p>
+            <a:pPr marL="0" indent="0">
+              <a:buNone/>
+            </a:pPr>
+            <a:r>
+              <a:rPr lang="en-US" sz="3200" b="1" dirty="0"/>
+              <a:t>Simple Scatterplot</a:t>
+            </a:r>
+          </a:p>
+        </p:txBody>
+      </p:sp>
+      <p:sp>
+        <p:nvSpPr>
+          <p:cNvPr id="6" name="Rectangle 5">
+            <a:extLst>
+              <a:ext uri="{FF2B5EF4-FFF2-40B4-BE49-F238E27FC236}">
+                <a16:creationId xmlns:a16="http://schemas.microsoft.com/office/drawing/2014/main" id="{54620B49-A9F4-71F9-F0AE-01652290CAC1}"/>
               </a:ext>
             </a:extLst>
           </p:cNvPr>
@@ -5294,16 +10325,20 @@
         </p:nvSpPr>
         <p:spPr>
           <a:xfrm>
-            <a:off x="5645519" y="6256532"/>
-            <a:ext cx="2790832" cy="425866"/>
+            <a:off x="503766" y="679554"/>
+            <a:ext cx="11184468" cy="1962981"/>
           </a:xfrm>
-          <a:prstGeom prst="wedgeRoundRectCallout">
-            <a:avLst>
-              <a:gd name="adj1" fmla="val -80179"/>
-              <a:gd name="adj2" fmla="val -279097"/>
-              <a:gd name="adj3" fmla="val 16667"/>
-            </a:avLst>
+          <a:prstGeom prst="rect">
+            <a:avLst/>
           </a:prstGeom>
+          <a:solidFill>
+            <a:schemeClr val="bg1">
+              <a:lumMod val="95000"/>
+            </a:schemeClr>
+          </a:solidFill>
+          <a:ln>
+            <a:noFill/>
+          </a:ln>
         </p:spPr>
         <p:style>
           <a:lnRef idx="2">
@@ -5322,124 +10357,180 @@
           </a:fontRef>
         </p:style>
         <p:txBody>
-          <a:bodyPr rtlCol="0" anchor="ctr"/>
+          <a:bodyPr rtlCol="0" anchor="t"/>
           <a:lstStyle/>
           <a:p>
             <a:r>
-              <a:rPr lang="en-US" sz="2800" dirty="0"/>
-              <a:t>geometric object</a:t>
-            </a:r>
-          </a:p>
-        </p:txBody>
-      </p:sp>
-      <p:sp>
-        <p:nvSpPr>
-          <p:cNvPr id="8" name="Rounded Rectangular Callout 7">
+              <a:rPr lang="en-US" sz="2400" dirty="0">
+                <a:solidFill>
+                  <a:srgbClr val="00B050"/>
+                </a:solidFill>
+                <a:latin typeface="Courier" pitchFamily="2" charset="0"/>
+              </a:rPr>
+              <a:t># filter</a:t>
+            </a:r>
+          </a:p>
+          <a:p>
+            <a:r>
+              <a:rPr lang="en-US" sz="2400" dirty="0">
+                <a:solidFill>
+                  <a:schemeClr val="tx1"/>
+                </a:solidFill>
+                <a:latin typeface="Courier" pitchFamily="2" charset="0"/>
+              </a:rPr>
+              <a:t>hp2013Q1 &lt;- housing %&gt;% filter(Date == 2013.25) </a:t>
+            </a:r>
+          </a:p>
+          <a:p>
+            <a:r>
+              <a:rPr lang="en-US" sz="2400" dirty="0">
+                <a:solidFill>
+                  <a:srgbClr val="00B050"/>
+                </a:solidFill>
+                <a:latin typeface="Courier" pitchFamily="2" charset="0"/>
+              </a:rPr>
+              <a:t># plot </a:t>
+            </a:r>
+          </a:p>
+          <a:p>
+            <a:r>
+              <a:rPr lang="en-US" sz="2400" dirty="0" err="1">
+                <a:solidFill>
+                  <a:schemeClr val="tx1"/>
+                </a:solidFill>
+                <a:latin typeface="Courier" pitchFamily="2" charset="0"/>
+              </a:rPr>
+              <a:t>ggplot</a:t>
+            </a:r>
+            <a:r>
+              <a:rPr lang="en-US" sz="2400" dirty="0">
+                <a:solidFill>
+                  <a:schemeClr val="tx1"/>
+                </a:solidFill>
+                <a:latin typeface="Courier" pitchFamily="2" charset="0"/>
+              </a:rPr>
+              <a:t>(hp2013Q1, </a:t>
+            </a:r>
+            <a:r>
+              <a:rPr lang="en-US" sz="2400" dirty="0" err="1">
+                <a:solidFill>
+                  <a:schemeClr val="tx1"/>
+                </a:solidFill>
+                <a:latin typeface="Courier" pitchFamily="2" charset="0"/>
+              </a:rPr>
+              <a:t>aes</a:t>
+            </a:r>
+            <a:r>
+              <a:rPr lang="en-US" sz="2400" dirty="0">
+                <a:solidFill>
+                  <a:schemeClr val="tx1"/>
+                </a:solidFill>
+                <a:latin typeface="Courier" pitchFamily="2" charset="0"/>
+              </a:rPr>
+              <a:t>(x = </a:t>
+            </a:r>
+            <a:r>
+              <a:rPr lang="en-US" sz="2400" dirty="0" err="1">
+                <a:solidFill>
+                  <a:schemeClr val="tx1"/>
+                </a:solidFill>
+                <a:latin typeface="Courier" pitchFamily="2" charset="0"/>
+              </a:rPr>
+              <a:t>Land.Value</a:t>
+            </a:r>
+            <a:r>
+              <a:rPr lang="en-US" sz="2400" dirty="0">
+                <a:solidFill>
+                  <a:schemeClr val="tx1"/>
+                </a:solidFill>
+                <a:latin typeface="Courier" pitchFamily="2" charset="0"/>
+              </a:rPr>
+              <a:t>, y = </a:t>
+            </a:r>
+            <a:r>
+              <a:rPr lang="en-US" sz="2400" dirty="0" err="1">
+                <a:solidFill>
+                  <a:schemeClr val="tx1"/>
+                </a:solidFill>
+                <a:latin typeface="Courier" pitchFamily="2" charset="0"/>
+              </a:rPr>
+              <a:t>Structure.Cost</a:t>
+            </a:r>
+            <a:r>
+              <a:rPr lang="en-US" sz="2400" dirty="0">
+                <a:solidFill>
+                  <a:schemeClr val="tx1"/>
+                </a:solidFill>
+                <a:latin typeface="Courier" pitchFamily="2" charset="0"/>
+              </a:rPr>
+              <a:t>)) +</a:t>
+            </a:r>
+          </a:p>
+          <a:p>
+            <a:r>
+              <a:rPr lang="en-US" sz="2400" dirty="0">
+                <a:solidFill>
+                  <a:schemeClr val="tx1"/>
+                </a:solidFill>
+                <a:latin typeface="Courier" pitchFamily="2" charset="0"/>
+              </a:rPr>
+              <a:t>  </a:t>
+            </a:r>
+            <a:r>
+              <a:rPr lang="en-US" sz="2400" dirty="0" err="1">
+                <a:solidFill>
+                  <a:schemeClr val="tx1"/>
+                </a:solidFill>
+                <a:latin typeface="Courier" pitchFamily="2" charset="0"/>
+              </a:rPr>
+              <a:t>geom_point</a:t>
+            </a:r>
+            <a:r>
+              <a:rPr lang="en-US" sz="2400" dirty="0">
+                <a:solidFill>
+                  <a:schemeClr val="tx1"/>
+                </a:solidFill>
+                <a:latin typeface="Courier" pitchFamily="2" charset="0"/>
+              </a:rPr>
+              <a:t>()</a:t>
+            </a:r>
+          </a:p>
+        </p:txBody>
+      </p:sp>
+      <p:pic>
+        <p:nvPicPr>
+          <p:cNvPr id="8" name="Picture 7" descr="A graph with black dots&#10;&#10;Description automatically generated">
             <a:extLst>
               <a:ext uri="{FF2B5EF4-FFF2-40B4-BE49-F238E27FC236}">
-                <a16:creationId xmlns:a16="http://schemas.microsoft.com/office/drawing/2014/main" id="{C91BDA69-C33C-B2C4-D367-17AF889E3A13}"/>
+                <a16:creationId xmlns:a16="http://schemas.microsoft.com/office/drawing/2014/main" id="{3EB29D97-FB12-8A0D-1CA0-3797AC9BCF12}"/>
               </a:ext>
             </a:extLst>
           </p:cNvPr>
-          <p:cNvSpPr/>
+          <p:cNvPicPr>
+            <a:picLocks noChangeAspect="1"/>
+          </p:cNvPicPr>
           <p:nvPr/>
-        </p:nvSpPr>
+        </p:nvPicPr>
+        <p:blipFill>
+          <a:blip r:embed="rId2"/>
+          <a:stretch>
+            <a:fillRect/>
+          </a:stretch>
+        </p:blipFill>
         <p:spPr>
           <a:xfrm>
-            <a:off x="8436351" y="5005296"/>
-            <a:ext cx="3173758" cy="522668"/>
+            <a:off x="2209800" y="2732629"/>
+            <a:ext cx="7772400" cy="3961248"/>
           </a:xfrm>
-          <a:prstGeom prst="wedgeRoundRectCallout">
-            <a:avLst>
-              <a:gd name="adj1" fmla="val -100016"/>
-              <a:gd name="adj2" fmla="val -73534"/>
-              <a:gd name="adj3" fmla="val 16667"/>
-            </a:avLst>
+          <a:prstGeom prst="rect">
+            <a:avLst/>
           </a:prstGeom>
         </p:spPr>
-        <p:style>
-          <a:lnRef idx="2">
-            <a:schemeClr val="accent4">
-              <a:shade val="50000"/>
-            </a:schemeClr>
-          </a:lnRef>
-          <a:fillRef idx="1">
-            <a:schemeClr val="accent4"/>
-          </a:fillRef>
-          <a:effectRef idx="0">
-            <a:schemeClr val="accent4"/>
-          </a:effectRef>
-          <a:fontRef idx="minor">
-            <a:schemeClr val="lt1"/>
-          </a:fontRef>
-        </p:style>
-        <p:txBody>
-          <a:bodyPr rtlCol="0" anchor="ctr"/>
-          <a:lstStyle/>
-          <a:p>
-            <a:r>
-              <a:rPr lang="en-US" sz="2800" dirty="0"/>
-              <a:t>aesthetic mapping</a:t>
-            </a:r>
-          </a:p>
-        </p:txBody>
-      </p:sp>
-      <p:sp>
-        <p:nvSpPr>
-          <p:cNvPr id="9" name="Rounded Rectangular Callout 8">
-            <a:extLst>
-              <a:ext uri="{FF2B5EF4-FFF2-40B4-BE49-F238E27FC236}">
-                <a16:creationId xmlns:a16="http://schemas.microsoft.com/office/drawing/2014/main" id="{A7A7B46A-E982-1ED7-F310-81A0CC8DCED3}"/>
-              </a:ext>
-            </a:extLst>
-          </p:cNvPr>
-          <p:cNvSpPr/>
-          <p:nvPr/>
-        </p:nvSpPr>
-        <p:spPr>
-          <a:xfrm>
-            <a:off x="6169167" y="5128987"/>
-            <a:ext cx="1003512" cy="398977"/>
-          </a:xfrm>
-          <a:prstGeom prst="wedgeRoundRectCallout">
-            <a:avLst>
-              <a:gd name="adj1" fmla="val -94178"/>
-              <a:gd name="adj2" fmla="val -119576"/>
-              <a:gd name="adj3" fmla="val 16667"/>
-            </a:avLst>
-          </a:prstGeom>
-        </p:spPr>
-        <p:style>
-          <a:lnRef idx="2">
-            <a:schemeClr val="accent4">
-              <a:shade val="50000"/>
-            </a:schemeClr>
-          </a:lnRef>
-          <a:fillRef idx="1">
-            <a:schemeClr val="accent4"/>
-          </a:fillRef>
-          <a:effectRef idx="0">
-            <a:schemeClr val="accent4"/>
-          </a:effectRef>
-          <a:fontRef idx="minor">
-            <a:schemeClr val="lt1"/>
-          </a:fontRef>
-        </p:style>
-        <p:txBody>
-          <a:bodyPr rtlCol="0" anchor="ctr"/>
-          <a:lstStyle/>
-          <a:p>
-            <a:r>
-              <a:rPr lang="en-US" sz="2800" dirty="0"/>
-              <a:t>data</a:t>
-            </a:r>
-          </a:p>
-        </p:txBody>
-      </p:sp>
+      </p:pic>
     </p:spTree>
     <p:extLst>
       <p:ext uri="{BB962C8B-B14F-4D97-AF65-F5344CB8AC3E}">
-        <p14:creationId xmlns:p14="http://schemas.microsoft.com/office/powerpoint/2010/main" val="430122791"/>
+        <p14:creationId xmlns:p14="http://schemas.microsoft.com/office/powerpoint/2010/main" val="3894457053"/>
       </p:ext>
     </p:extLst>
   </p:cSld>
@@ -5524,191 +10615,83 @@
             </a:pPr>
             <a:r>
               <a:rPr lang="en-US" sz="3200" b="1" dirty="0"/>
-              <a:t>Data</a:t>
-            </a:r>
-          </a:p>
-          <a:p>
+              <a:t>Geometric Objects (</a:t>
+            </a:r>
+            <a:r>
+              <a:rPr lang="en-US" sz="3200" b="1" dirty="0" err="1">
+                <a:latin typeface="Courier" pitchFamily="2" charset="0"/>
+              </a:rPr>
+              <a:t>geom</a:t>
+            </a:r>
+            <a:r>
+              <a:rPr lang="en-US" sz="3200" b="1" dirty="0"/>
+              <a:t>) + Aesthetics</a:t>
+            </a:r>
+          </a:p>
+          <a:p>
+            <a:r>
+              <a:rPr lang="en-US" sz="2800" dirty="0"/>
+              <a:t>Apply aesthetics to geometric objects </a:t>
+            </a:r>
+          </a:p>
+          <a:p>
+            <a:r>
+              <a:rPr lang="en-US" sz="2800" dirty="0"/>
+              <a:t>Ex.</a:t>
+            </a:r>
+          </a:p>
+          <a:p>
+            <a:pPr lvl="1"/>
             <a:r>
               <a:rPr lang="en-US" sz="2600" dirty="0"/>
-              <a:t>First argument to </a:t>
-            </a:r>
-            <a:r>
-              <a:rPr lang="en-US" sz="2600" dirty="0" err="1">
-                <a:latin typeface="Courier" pitchFamily="2" charset="0"/>
-              </a:rPr>
-              <a:t>ggplot</a:t>
-            </a:r>
+              <a:t>position (i.e., on the x and y axes)</a:t>
+            </a:r>
+          </a:p>
+          <a:p>
+            <a:pPr lvl="1"/>
             <a:r>
               <a:rPr lang="en-US" sz="2600" dirty="0"/>
-              <a:t> is the data you want to plot</a:t>
-            </a:r>
-          </a:p>
-        </p:txBody>
-      </p:sp>
-      <p:pic>
-        <p:nvPicPr>
-          <p:cNvPr id="9" name="Picture 8" descr="Table&#10;&#10;Description automatically generated">
-            <a:extLst>
-              <a:ext uri="{FF2B5EF4-FFF2-40B4-BE49-F238E27FC236}">
-                <a16:creationId xmlns:a16="http://schemas.microsoft.com/office/drawing/2014/main" id="{50BD59EC-680B-D1C4-1BEF-497793A77126}"/>
-              </a:ext>
-            </a:extLst>
-          </p:cNvPr>
-          <p:cNvPicPr>
-            <a:picLocks noChangeAspect="1"/>
-          </p:cNvPicPr>
-          <p:nvPr/>
-        </p:nvPicPr>
-        <p:blipFill>
-          <a:blip r:embed="rId3"/>
-          <a:stretch>
-            <a:fillRect/>
-          </a:stretch>
-        </p:blipFill>
-        <p:spPr>
-          <a:xfrm>
-            <a:off x="6593692" y="2032425"/>
-            <a:ext cx="4956381" cy="1643221"/>
-          </a:xfrm>
-          <a:prstGeom prst="rect">
-            <a:avLst/>
-          </a:prstGeom>
-        </p:spPr>
-      </p:pic>
-      <p:pic>
-        <p:nvPicPr>
-          <p:cNvPr id="12" name="Picture 11" descr="Shape&#10;&#10;Description automatically generated">
-            <a:extLst>
-              <a:ext uri="{FF2B5EF4-FFF2-40B4-BE49-F238E27FC236}">
-                <a16:creationId xmlns:a16="http://schemas.microsoft.com/office/drawing/2014/main" id="{9BBD5CEB-CFB1-B575-5C73-A59B491E84A0}"/>
-              </a:ext>
-            </a:extLst>
-          </p:cNvPr>
-          <p:cNvPicPr>
-            <a:picLocks noChangeAspect="1"/>
-          </p:cNvPicPr>
-          <p:nvPr/>
-        </p:nvPicPr>
-        <p:blipFill>
-          <a:blip r:embed="rId4"/>
-          <a:stretch>
-            <a:fillRect/>
-          </a:stretch>
-        </p:blipFill>
-        <p:spPr>
-          <a:xfrm>
-            <a:off x="4672831" y="3075534"/>
-            <a:ext cx="5708073" cy="3536857"/>
-          </a:xfrm>
-          <a:prstGeom prst="rect">
-            <a:avLst/>
-          </a:prstGeom>
-        </p:spPr>
-      </p:pic>
-      <p:sp>
-        <p:nvSpPr>
-          <p:cNvPr id="14" name="Rectangle 13">
-            <a:extLst>
-              <a:ext uri="{FF2B5EF4-FFF2-40B4-BE49-F238E27FC236}">
-                <a16:creationId xmlns:a16="http://schemas.microsoft.com/office/drawing/2014/main" id="{F164840E-5474-A963-96FC-9C721FBE9510}"/>
-              </a:ext>
-            </a:extLst>
-          </p:cNvPr>
-          <p:cNvSpPr/>
-          <p:nvPr/>
-        </p:nvSpPr>
-        <p:spPr>
-          <a:xfrm>
-            <a:off x="3975103" y="2252870"/>
-            <a:ext cx="2618590" cy="518040"/>
-          </a:xfrm>
-          <a:prstGeom prst="rect">
-            <a:avLst/>
-          </a:prstGeom>
-          <a:solidFill>
-            <a:schemeClr val="bg1">
-              <a:lumMod val="95000"/>
-            </a:schemeClr>
-          </a:solidFill>
-          <a:ln>
-            <a:noFill/>
-          </a:ln>
-        </p:spPr>
-        <p:style>
-          <a:lnRef idx="2">
-            <a:schemeClr val="accent4">
-              <a:shade val="50000"/>
-            </a:schemeClr>
-          </a:lnRef>
-          <a:fillRef idx="1">
-            <a:schemeClr val="accent4"/>
-          </a:fillRef>
-          <a:effectRef idx="0">
-            <a:schemeClr val="accent4"/>
-          </a:effectRef>
-          <a:fontRef idx="minor">
-            <a:schemeClr val="lt1"/>
-          </a:fontRef>
-        </p:style>
-        <p:txBody>
-          <a:bodyPr rtlCol="0" anchor="t"/>
-          <a:lstStyle/>
-          <a:p>
-            <a:r>
-              <a:rPr lang="en-US" sz="2000" dirty="0" err="1">
-                <a:solidFill>
-                  <a:schemeClr val="tx1"/>
-                </a:solidFill>
-                <a:latin typeface="Courier" pitchFamily="2" charset="0"/>
-              </a:rPr>
-              <a:t>ggplot</a:t>
-            </a:r>
-            <a:r>
-              <a:rPr lang="en-US" sz="2000" dirty="0">
-                <a:solidFill>
-                  <a:schemeClr val="tx1"/>
-                </a:solidFill>
-                <a:latin typeface="Courier" pitchFamily="2" charset="0"/>
-              </a:rPr>
-              <a:t>(iris)</a:t>
-            </a:r>
-          </a:p>
-        </p:txBody>
-      </p:sp>
-      <p:pic>
-        <p:nvPicPr>
-          <p:cNvPr id="10" name="Picture 9" descr="A screenshot of a computer&#10;&#10;Description automatically generated">
-            <a:extLst>
-              <a:ext uri="{FF2B5EF4-FFF2-40B4-BE49-F238E27FC236}">
-                <a16:creationId xmlns:a16="http://schemas.microsoft.com/office/drawing/2014/main" id="{87B04E4A-F923-AFF9-BCFC-20BA2BEB1F70}"/>
-              </a:ext>
-            </a:extLst>
-          </p:cNvPr>
-          <p:cNvPicPr>
-            <a:picLocks noChangeAspect="1"/>
-          </p:cNvPicPr>
-          <p:nvPr/>
-        </p:nvPicPr>
-        <p:blipFill>
-          <a:blip r:embed="rId5"/>
-          <a:stretch>
-            <a:fillRect/>
-          </a:stretch>
-        </p:blipFill>
-        <p:spPr>
-          <a:xfrm>
-            <a:off x="7055602" y="93210"/>
-            <a:ext cx="4517918" cy="1395621"/>
-          </a:xfrm>
-          <a:prstGeom prst="rect">
-            <a:avLst/>
-          </a:prstGeom>
-        </p:spPr>
-      </p:pic>
+              <a:t>color (“outside” color)</a:t>
+            </a:r>
+          </a:p>
+          <a:p>
+            <a:pPr lvl="1"/>
+            <a:r>
+              <a:rPr lang="en-US" sz="2600" dirty="0"/>
+              <a:t>fill (“inside” color)</a:t>
+            </a:r>
+          </a:p>
+          <a:p>
+            <a:pPr lvl="1"/>
+            <a:r>
+              <a:rPr lang="en-US" sz="2600" dirty="0"/>
+              <a:t>shape (of points)</a:t>
+            </a:r>
+          </a:p>
+          <a:p>
+            <a:pPr lvl="1"/>
+            <a:r>
+              <a:rPr lang="en-US" sz="2600" dirty="0"/>
+              <a:t>line type</a:t>
+            </a:r>
+          </a:p>
+          <a:p>
+            <a:pPr lvl="1"/>
+            <a:r>
+              <a:rPr lang="en-US" sz="2600" dirty="0"/>
+              <a:t>size</a:t>
+            </a:r>
+          </a:p>
+          <a:p>
+            <a:pPr lvl="1"/>
+            <a:endParaRPr lang="en-US" sz="2600" dirty="0"/>
+          </a:p>
+        </p:txBody>
+      </p:sp>
     </p:spTree>
     <p:extLst>
       <p:ext uri="{BB962C8B-B14F-4D97-AF65-F5344CB8AC3E}">
-        <p14:creationId xmlns:p14="http://schemas.microsoft.com/office/powerpoint/2010/main" val="3302492367"/>
+        <p14:creationId xmlns:p14="http://schemas.microsoft.com/office/powerpoint/2010/main" val="285225211"/>
       </p:ext>
     </p:extLst>
   </p:cSld>
@@ -5793,82 +10776,85 @@
             </a:pPr>
             <a:r>
               <a:rPr lang="en-US" sz="3200" b="1" dirty="0"/>
-              <a:t>Aesthetic </a:t>
-            </a:r>
-          </a:p>
-          <a:p>
-            <a:pPr marL="0" indent="0">
-              <a:buNone/>
-            </a:pPr>
+              <a:t>Geometric Objects (</a:t>
+            </a:r>
+            <a:r>
+              <a:rPr lang="en-US" sz="3200" b="1" dirty="0" err="1">
+                <a:latin typeface="Courier" pitchFamily="2" charset="0"/>
+              </a:rPr>
+              <a:t>geom</a:t>
+            </a:r>
             <a:r>
               <a:rPr lang="en-US" sz="3200" b="1" dirty="0"/>
-              <a:t>Mapping (</a:t>
-            </a:r>
-            <a:r>
-              <a:rPr lang="en-US" sz="3200" b="1" dirty="0" err="1">
-                <a:latin typeface="Courier" pitchFamily="2" charset="0"/>
-              </a:rPr>
-              <a:t>aes</a:t>
-            </a:r>
-            <a:r>
-              <a:rPr lang="en-US" sz="3200" b="1" dirty="0">
-                <a:latin typeface="Courier" pitchFamily="2" charset="0"/>
-              </a:rPr>
-              <a:t>()</a:t>
-            </a:r>
-            <a:r>
-              <a:rPr lang="en-US" sz="3200" b="1" dirty="0"/>
-              <a:t>)</a:t>
-            </a:r>
-          </a:p>
-          <a:p>
-            <a:r>
-              <a:rPr lang="en-US" sz="2800" dirty="0" err="1"/>
-              <a:t>aes</a:t>
-            </a:r>
+              <a:t>) + Aesthetics</a:t>
+            </a:r>
+          </a:p>
+          <a:p>
             <a:r>
               <a:rPr lang="en-US" sz="2800" dirty="0"/>
-              <a:t> is the data to visual channels mapping</a:t>
-            </a:r>
-          </a:p>
-        </p:txBody>
-      </p:sp>
-      <p:pic>
-        <p:nvPicPr>
-          <p:cNvPr id="6" name="Picture 5" descr="Chart, histogram&#10;&#10;Description automatically generated">
+              <a:t>Apply aesthetics to geometric objects </a:t>
+            </a:r>
+          </a:p>
+          <a:p>
+            <a:r>
+              <a:rPr lang="en-US" sz="2800" dirty="0"/>
+              <a:t>Ex.</a:t>
+            </a:r>
+          </a:p>
+          <a:p>
+            <a:pPr lvl="1"/>
+            <a:r>
+              <a:rPr lang="en-US" sz="2600" dirty="0"/>
+              <a:t>position (i.e., on the x and y axes)</a:t>
+            </a:r>
+          </a:p>
+          <a:p>
+            <a:pPr lvl="1"/>
+            <a:r>
+              <a:rPr lang="en-US" sz="2600" dirty="0"/>
+              <a:t>color (“outside” color)</a:t>
+            </a:r>
+          </a:p>
+          <a:p>
+            <a:pPr lvl="1"/>
+            <a:r>
+              <a:rPr lang="en-US" sz="2600" dirty="0"/>
+              <a:t>fill (“inside” color)</a:t>
+            </a:r>
+          </a:p>
+          <a:p>
+            <a:pPr lvl="1"/>
+            <a:r>
+              <a:rPr lang="en-US" sz="2600" dirty="0"/>
+              <a:t>shape (of points)</a:t>
+            </a:r>
+          </a:p>
+          <a:p>
+            <a:pPr lvl="1"/>
+            <a:r>
+              <a:rPr lang="en-US" sz="2600" dirty="0"/>
+              <a:t>line type</a:t>
+            </a:r>
+          </a:p>
+          <a:p>
+            <a:pPr lvl="1"/>
+            <a:r>
+              <a:rPr lang="en-US" sz="2600" dirty="0"/>
+              <a:t>size</a:t>
+            </a:r>
+          </a:p>
+          <a:p>
+            <a:pPr lvl="1"/>
+            <a:endParaRPr lang="en-US" sz="2600" dirty="0"/>
+          </a:p>
+        </p:txBody>
+      </p:sp>
+      <p:sp>
+        <p:nvSpPr>
+          <p:cNvPr id="2" name="Frame 1">
             <a:extLst>
               <a:ext uri="{FF2B5EF4-FFF2-40B4-BE49-F238E27FC236}">
-                <a16:creationId xmlns:a16="http://schemas.microsoft.com/office/drawing/2014/main" id="{E381EA19-6754-0538-B5A3-6B95E6E86F58}"/>
-              </a:ext>
-            </a:extLst>
-          </p:cNvPr>
-          <p:cNvPicPr>
-            <a:picLocks noChangeAspect="1"/>
-          </p:cNvPicPr>
-          <p:nvPr/>
-        </p:nvPicPr>
-        <p:blipFill>
-          <a:blip r:embed="rId3"/>
-          <a:stretch>
-            <a:fillRect/>
-          </a:stretch>
-        </p:blipFill>
-        <p:spPr>
-          <a:xfrm>
-            <a:off x="4846879" y="3205612"/>
-            <a:ext cx="5422535" cy="3327297"/>
-          </a:xfrm>
-          <a:prstGeom prst="rect">
-            <a:avLst/>
-          </a:prstGeom>
-        </p:spPr>
-      </p:pic>
-      <p:sp>
-        <p:nvSpPr>
-          <p:cNvPr id="7" name="Rectangle 6">
-            <a:extLst>
-              <a:ext uri="{FF2B5EF4-FFF2-40B4-BE49-F238E27FC236}">
-                <a16:creationId xmlns:a16="http://schemas.microsoft.com/office/drawing/2014/main" id="{6B10BF84-7808-1FAE-D678-7613319AE50D}"/>
+                <a16:creationId xmlns:a16="http://schemas.microsoft.com/office/drawing/2014/main" id="{6EE8094D-761E-C9EC-0CC6-A6FAE70AA4A1}"/>
               </a:ext>
             </a:extLst>
           </p:cNvPr>
@@ -5877,8 +10863,132 @@
         </p:nvSpPr>
         <p:spPr>
           <a:xfrm>
-            <a:off x="3503065" y="2506854"/>
-            <a:ext cx="8603673" cy="573458"/>
+            <a:off x="4208585" y="2766646"/>
+            <a:ext cx="3856892" cy="550985"/>
+          </a:xfrm>
+          <a:prstGeom prst="frame">
+            <a:avLst/>
+          </a:prstGeom>
+          <a:solidFill>
+            <a:srgbClr val="C00000"/>
+          </a:solidFill>
+          <a:ln>
+            <a:noFill/>
+          </a:ln>
+        </p:spPr>
+        <p:style>
+          <a:lnRef idx="2">
+            <a:schemeClr val="accent1">
+              <a:shade val="15000"/>
+            </a:schemeClr>
+          </a:lnRef>
+          <a:fillRef idx="1">
+            <a:schemeClr val="accent1"/>
+          </a:fillRef>
+          <a:effectRef idx="0">
+            <a:schemeClr val="accent1"/>
+          </a:effectRef>
+          <a:fontRef idx="minor">
+            <a:schemeClr val="lt1"/>
+          </a:fontRef>
+        </p:style>
+        <p:txBody>
+          <a:bodyPr rtlCol="0" anchor="ctr"/>
+          <a:lstStyle/>
+          <a:p>
+            <a:pPr algn="ctr"/>
+            <a:endParaRPr lang="en-US">
+              <a:solidFill>
+                <a:schemeClr val="tx1"/>
+              </a:solidFill>
+            </a:endParaRPr>
+          </a:p>
+        </p:txBody>
+      </p:sp>
+    </p:spTree>
+    <p:extLst>
+      <p:ext uri="{BB962C8B-B14F-4D97-AF65-F5344CB8AC3E}">
+        <p14:creationId xmlns:p14="http://schemas.microsoft.com/office/powerpoint/2010/main" val="4292624197"/>
+      </p:ext>
+    </p:extLst>
+  </p:cSld>
+  <p:clrMapOvr>
+    <a:masterClrMapping/>
+  </p:clrMapOvr>
+</p:sld>
+</file>
+
+<file path=ppt/slides/slide9.xml><?xml version="1.0" encoding="utf-8"?>
+<p:sld xmlns:a="http://schemas.openxmlformats.org/drawingml/2006/main" xmlns:r="http://schemas.openxmlformats.org/officeDocument/2006/relationships" xmlns:p="http://schemas.openxmlformats.org/presentationml/2006/main">
+  <p:cSld>
+    <p:spTree>
+      <p:nvGrpSpPr>
+        <p:cNvPr id="1" name=""/>
+        <p:cNvGrpSpPr/>
+        <p:nvPr/>
+      </p:nvGrpSpPr>
+      <p:grpSpPr>
+        <a:xfrm>
+          <a:off x="0" y="0"/>
+          <a:ext cx="0" cy="0"/>
+          <a:chOff x="0" y="0"/>
+          <a:chExt cx="0" cy="0"/>
+        </a:xfrm>
+      </p:grpSpPr>
+      <p:sp>
+        <p:nvSpPr>
+          <p:cNvPr id="3" name="Content Placeholder 2">
+            <a:extLst>
+              <a:ext uri="{FF2B5EF4-FFF2-40B4-BE49-F238E27FC236}">
+                <a16:creationId xmlns:a16="http://schemas.microsoft.com/office/drawing/2014/main" id="{4EE4DF22-35E3-E520-9280-CCF576E15A29}"/>
+              </a:ext>
+            </a:extLst>
+          </p:cNvPr>
+          <p:cNvSpPr>
+            <a:spLocks noGrp="1"/>
+          </p:cNvSpPr>
+          <p:nvPr>
+            <p:ph idx="1"/>
+          </p:nvPr>
+        </p:nvSpPr>
+        <p:spPr>
+          <a:xfrm>
+            <a:off x="3869268" y="164123"/>
+            <a:ext cx="7315200" cy="5820625"/>
+          </a:xfrm>
+        </p:spPr>
+        <p:txBody>
+          <a:bodyPr anchor="t">
+            <a:normAutofit/>
+          </a:bodyPr>
+          <a:lstStyle/>
+          <a:p>
+            <a:pPr marL="0" indent="0">
+              <a:buNone/>
+            </a:pPr>
+            <a:r>
+              <a:rPr lang="en-US" sz="3200" b="1" dirty="0"/>
+              <a:t>Simple Scatterplot</a:t>
+            </a:r>
+          </a:p>
+        </p:txBody>
+      </p:sp>
+      <p:sp>
+        <p:nvSpPr>
+          <p:cNvPr id="6" name="Rectangle 5">
+            <a:extLst>
+              <a:ext uri="{FF2B5EF4-FFF2-40B4-BE49-F238E27FC236}">
+                <a16:creationId xmlns:a16="http://schemas.microsoft.com/office/drawing/2014/main" id="{54620B49-A9F4-71F9-F0AE-01652290CAC1}"/>
+              </a:ext>
+            </a:extLst>
+          </p:cNvPr>
+          <p:cNvSpPr/>
+          <p:nvPr/>
+        </p:nvSpPr>
+        <p:spPr>
+          <a:xfrm>
+            <a:off x="503766" y="679554"/>
+            <a:ext cx="11184468" cy="1962981"/>
           </a:xfrm>
           <a:prstGeom prst="rect">
             <a:avLst/>
@@ -5913,7 +11023,40 @@
           <a:lstStyle/>
           <a:p>
             <a:r>
-              <a:rPr lang="en-US" sz="2000" dirty="0" err="1">
+              <a:rPr lang="en-US" sz="2400" dirty="0">
+                <a:solidFill>
+                  <a:srgbClr val="00B050"/>
+                </a:solidFill>
+                <a:latin typeface="Courier" pitchFamily="2" charset="0"/>
+              </a:rPr>
+              <a:t># filter</a:t>
+            </a:r>
+          </a:p>
+          <a:p>
+            <a:r>
+              <a:rPr lang="en-US" sz="2400" dirty="0">
+                <a:solidFill>
+                  <a:schemeClr val="tx1"/>
+                </a:solidFill>
+                <a:latin typeface="Courier" pitchFamily="2" charset="0"/>
+              </a:rPr>
+              <a:t>hp2013Q1 &lt;- housing %&gt;% filter(Date == 2013.25) </a:t>
+            </a:r>
+          </a:p>
+          <a:p>
+            <a:r>
+              <a:rPr lang="en-US" sz="2400" dirty="0">
+                <a:solidFill>
+                  <a:srgbClr val="00B050"/>
+                </a:solidFill>
+                <a:latin typeface="Courier" pitchFamily="2" charset="0"/>
+              </a:rPr>
+              <a:t># plot </a:t>
+            </a:r>
+          </a:p>
+          <a:p>
+            <a:r>
+              <a:rPr lang="en-US" sz="2400" dirty="0" err="1">
                 <a:solidFill>
                   <a:schemeClr val="tx1"/>
                 </a:solidFill>
@@ -5922,16 +11065,16 @@
               <a:t>ggplot</a:t>
             </a:r>
             <a:r>
-              <a:rPr lang="en-US" sz="2000" dirty="0">
-                <a:solidFill>
-                  <a:schemeClr val="tx1"/>
-                </a:solidFill>
-                <a:latin typeface="Courier" pitchFamily="2" charset="0"/>
-              </a:rPr>
-              <a:t>(iris, </a:t>
-            </a:r>
-            <a:r>
-              <a:rPr lang="en-US" sz="2000" dirty="0" err="1">
+              <a:rPr lang="en-US" sz="2400" dirty="0">
+                <a:solidFill>
+                  <a:schemeClr val="tx1"/>
+                </a:solidFill>
+                <a:latin typeface="Courier" pitchFamily="2" charset="0"/>
+              </a:rPr>
+              <a:t>(hp2013Q1, </a:t>
+            </a:r>
+            <a:r>
+              <a:rPr lang="en-US" sz="2400" dirty="0" err="1">
                 <a:solidFill>
                   <a:schemeClr val="tx1"/>
                 </a:solidFill>
@@ -5940,7 +11083,7 @@
               <a:t>aes</a:t>
             </a:r>
             <a:r>
-              <a:rPr lang="en-US" sz="2000" dirty="0">
+              <a:rPr lang="en-US" sz="2400" dirty="0">
                 <a:solidFill>
                   <a:schemeClr val="tx1"/>
                 </a:solidFill>
@@ -5949,16 +11092,16 @@
               <a:t>(x = </a:t>
             </a:r>
             <a:r>
-              <a:rPr lang="en-US" sz="2000" dirty="0" err="1">
-                <a:solidFill>
-                  <a:schemeClr val="tx1"/>
-                </a:solidFill>
-                <a:latin typeface="Courier" pitchFamily="2" charset="0"/>
-              </a:rPr>
-              <a:t>Sepal.Length</a:t>
-            </a:r>
-            <a:r>
-              <a:rPr lang="en-US" sz="2000" dirty="0">
+              <a:rPr lang="en-US" sz="2400" dirty="0" err="1">
+                <a:solidFill>
+                  <a:schemeClr val="tx1"/>
+                </a:solidFill>
+                <a:latin typeface="Courier" pitchFamily="2" charset="0"/>
+              </a:rPr>
+              <a:t>Land.Value</a:t>
+            </a:r>
+            <a:r>
+              <a:rPr lang="en-US" sz="2400" dirty="0">
                 <a:solidFill>
                   <a:schemeClr val="tx1"/>
                 </a:solidFill>
@@ -5967,210 +11110,94 @@
               <a:t>, y = </a:t>
             </a:r>
             <a:r>
-              <a:rPr lang="en-US" sz="2000" dirty="0" err="1">
-                <a:solidFill>
-                  <a:schemeClr val="tx1"/>
-                </a:solidFill>
-                <a:latin typeface="Courier" pitchFamily="2" charset="0"/>
-              </a:rPr>
-              <a:t>Petal.Length</a:t>
-            </a:r>
-            <a:r>
-              <a:rPr lang="en-US" sz="2000" dirty="0">
-                <a:solidFill>
-                  <a:schemeClr val="tx1"/>
-                </a:solidFill>
-                <a:latin typeface="Courier" pitchFamily="2" charset="0"/>
-              </a:rPr>
-              <a:t>))</a:t>
+              <a:rPr lang="en-US" sz="2400" dirty="0" err="1">
+                <a:solidFill>
+                  <a:schemeClr val="tx1"/>
+                </a:solidFill>
+                <a:latin typeface="Courier" pitchFamily="2" charset="0"/>
+              </a:rPr>
+              <a:t>Structure.Cost</a:t>
+            </a:r>
+            <a:r>
+              <a:rPr lang="en-US" sz="2400" dirty="0">
+                <a:solidFill>
+                  <a:schemeClr val="tx1"/>
+                </a:solidFill>
+                <a:latin typeface="Courier" pitchFamily="2" charset="0"/>
+              </a:rPr>
+              <a:t>)) +</a:t>
+            </a:r>
+          </a:p>
+          <a:p>
+            <a:r>
+              <a:rPr lang="en-US" sz="2400" dirty="0">
+                <a:solidFill>
+                  <a:schemeClr val="tx1"/>
+                </a:solidFill>
+                <a:latin typeface="Courier" pitchFamily="2" charset="0"/>
+              </a:rPr>
+              <a:t>  </a:t>
+            </a:r>
+            <a:r>
+              <a:rPr lang="en-US" sz="2400" dirty="0" err="1">
+                <a:solidFill>
+                  <a:schemeClr val="tx1"/>
+                </a:solidFill>
+                <a:latin typeface="Courier" pitchFamily="2" charset="0"/>
+              </a:rPr>
+              <a:t>geom_point</a:t>
+            </a:r>
+            <a:r>
+              <a:rPr lang="en-US" sz="2400" dirty="0">
+                <a:solidFill>
+                  <a:schemeClr val="tx1"/>
+                </a:solidFill>
+                <a:latin typeface="Courier" pitchFamily="2" charset="0"/>
+              </a:rPr>
+              <a:t>(</a:t>
+            </a:r>
+            <a:r>
+              <a:rPr lang="en-US" sz="2400" dirty="0" err="1">
+                <a:solidFill>
+                  <a:schemeClr val="tx1"/>
+                </a:solidFill>
+                <a:highlight>
+                  <a:srgbClr val="FFFF00"/>
+                </a:highlight>
+                <a:latin typeface="Courier" pitchFamily="2" charset="0"/>
+              </a:rPr>
+              <a:t>aes</a:t>
+            </a:r>
+            <a:r>
+              <a:rPr lang="en-US" sz="2400" dirty="0">
+                <a:solidFill>
+                  <a:schemeClr val="tx1"/>
+                </a:solidFill>
+                <a:highlight>
+                  <a:srgbClr val="FFFF00"/>
+                </a:highlight>
+                <a:latin typeface="Courier" pitchFamily="2" charset="0"/>
+              </a:rPr>
+              <a:t>(color = region)</a:t>
+            </a:r>
+            <a:r>
+              <a:rPr lang="en-US" sz="2400" dirty="0">
+                <a:solidFill>
+                  <a:schemeClr val="tx1"/>
+                </a:solidFill>
+                <a:latin typeface="Courier" pitchFamily="2" charset="0"/>
+              </a:rPr>
+              <a:t>)</a:t>
             </a:r>
           </a:p>
         </p:txBody>
       </p:sp>
       <p:pic>
         <p:nvPicPr>
-          <p:cNvPr id="2" name="Picture 1" descr="A screenshot of a computer&#10;&#10;Description automatically generated">
+          <p:cNvPr id="4" name="Picture 3" descr="A graph with dots and numbers&#10;&#10;Description automatically generated">
             <a:extLst>
               <a:ext uri="{FF2B5EF4-FFF2-40B4-BE49-F238E27FC236}">
-                <a16:creationId xmlns:a16="http://schemas.microsoft.com/office/drawing/2014/main" id="{C9CF737A-C238-A505-67EA-9B8A846A4238}"/>
-              </a:ext>
-            </a:extLst>
-          </p:cNvPr>
-          <p:cNvPicPr>
-            <a:picLocks noChangeAspect="1"/>
-          </p:cNvPicPr>
-          <p:nvPr/>
-        </p:nvPicPr>
-        <p:blipFill>
-          <a:blip r:embed="rId4"/>
-          <a:stretch>
-            <a:fillRect/>
-          </a:stretch>
-        </p:blipFill>
-        <p:spPr>
-          <a:xfrm>
-            <a:off x="7055602" y="93210"/>
-            <a:ext cx="4517918" cy="1395621"/>
-          </a:xfrm>
-          <a:prstGeom prst="rect">
-            <a:avLst/>
-          </a:prstGeom>
-        </p:spPr>
-      </p:pic>
-      <p:sp>
-        <p:nvSpPr>
-          <p:cNvPr id="5" name="Frame 4">
-            <a:extLst>
-              <a:ext uri="{FF2B5EF4-FFF2-40B4-BE49-F238E27FC236}">
-                <a16:creationId xmlns:a16="http://schemas.microsoft.com/office/drawing/2014/main" id="{9BA382A2-2828-50AF-CA39-8DC19F9FA5E6}"/>
-              </a:ext>
-            </a:extLst>
-          </p:cNvPr>
-          <p:cNvSpPr/>
-          <p:nvPr/>
-        </p:nvSpPr>
-        <p:spPr>
-          <a:xfrm>
-            <a:off x="4736123" y="4255476"/>
-            <a:ext cx="410308" cy="1055077"/>
-          </a:xfrm>
-          <a:prstGeom prst="frame">
-            <a:avLst>
-              <a:gd name="adj1" fmla="val 10000"/>
-            </a:avLst>
-          </a:prstGeom>
-          <a:solidFill>
-            <a:srgbClr val="C00000"/>
-          </a:solidFill>
-          <a:ln>
-            <a:solidFill>
-              <a:srgbClr val="C00000"/>
-            </a:solidFill>
-          </a:ln>
-        </p:spPr>
-        <p:style>
-          <a:lnRef idx="2">
-            <a:schemeClr val="accent1">
-              <a:shade val="15000"/>
-            </a:schemeClr>
-          </a:lnRef>
-          <a:fillRef idx="1">
-            <a:schemeClr val="accent1"/>
-          </a:fillRef>
-          <a:effectRef idx="0">
-            <a:schemeClr val="accent1"/>
-          </a:effectRef>
-          <a:fontRef idx="minor">
-            <a:schemeClr val="lt1"/>
-          </a:fontRef>
-        </p:style>
-        <p:txBody>
-          <a:bodyPr rtlCol="0" anchor="ctr"/>
-          <a:lstStyle/>
-          <a:p>
-            <a:pPr algn="ctr"/>
-            <a:endParaRPr lang="en-US">
-              <a:solidFill>
-                <a:schemeClr val="tx1"/>
-              </a:solidFill>
-            </a:endParaRPr>
-          </a:p>
-        </p:txBody>
-      </p:sp>
-      <p:sp>
-        <p:nvSpPr>
-          <p:cNvPr id="8" name="Frame 7">
-            <a:extLst>
-              <a:ext uri="{FF2B5EF4-FFF2-40B4-BE49-F238E27FC236}">
-                <a16:creationId xmlns:a16="http://schemas.microsoft.com/office/drawing/2014/main" id="{25D62D85-72E0-4CD3-F851-425775B81D16}"/>
-              </a:ext>
-            </a:extLst>
-          </p:cNvPr>
-          <p:cNvSpPr/>
-          <p:nvPr/>
-        </p:nvSpPr>
-        <p:spPr>
-          <a:xfrm>
-            <a:off x="7139354" y="6236678"/>
-            <a:ext cx="1160584" cy="296232"/>
-          </a:xfrm>
-          <a:prstGeom prst="frame">
-            <a:avLst/>
-          </a:prstGeom>
-          <a:solidFill>
-            <a:srgbClr val="C00000"/>
-          </a:solidFill>
-          <a:ln>
-            <a:solidFill>
-              <a:srgbClr val="C00000"/>
-            </a:solidFill>
-          </a:ln>
-        </p:spPr>
-        <p:style>
-          <a:lnRef idx="2">
-            <a:schemeClr val="accent1">
-              <a:shade val="15000"/>
-            </a:schemeClr>
-          </a:lnRef>
-          <a:fillRef idx="1">
-            <a:schemeClr val="accent1"/>
-          </a:fillRef>
-          <a:effectRef idx="0">
-            <a:schemeClr val="accent1"/>
-          </a:effectRef>
-          <a:fontRef idx="minor">
-            <a:schemeClr val="lt1"/>
-          </a:fontRef>
-        </p:style>
-        <p:txBody>
-          <a:bodyPr rtlCol="0" anchor="ctr"/>
-          <a:lstStyle/>
-          <a:p>
-            <a:pPr algn="ctr"/>
-            <a:endParaRPr lang="en-US">
-              <a:solidFill>
-                <a:schemeClr val="tx1"/>
-              </a:solidFill>
-            </a:endParaRPr>
-          </a:p>
-        </p:txBody>
-      </p:sp>
-    </p:spTree>
-    <p:extLst>
-      <p:ext uri="{BB962C8B-B14F-4D97-AF65-F5344CB8AC3E}">
-        <p14:creationId xmlns:p14="http://schemas.microsoft.com/office/powerpoint/2010/main" val="2240973055"/>
-      </p:ext>
-    </p:extLst>
-  </p:cSld>
-  <p:clrMapOvr>
-    <a:masterClrMapping/>
-  </p:clrMapOvr>
-</p:sld>
-</file>
-
-<file path=ppt/slides/slide9.xml><?xml version="1.0" encoding="utf-8"?>
-<p:sld xmlns:a="http://schemas.openxmlformats.org/drawingml/2006/main" xmlns:r="http://schemas.openxmlformats.org/officeDocument/2006/relationships" xmlns:p="http://schemas.openxmlformats.org/presentationml/2006/main">
-  <p:cSld>
-    <p:spTree>
-      <p:nvGrpSpPr>
-        <p:cNvPr id="1" name=""/>
-        <p:cNvGrpSpPr/>
-        <p:nvPr/>
-      </p:nvGrpSpPr>
-      <p:grpSpPr>
-        <a:xfrm>
-          <a:off x="0" y="0"/>
-          <a:ext cx="0" cy="0"/>
-          <a:chOff x="0" y="0"/>
-          <a:chExt cx="0" cy="0"/>
-        </a:xfrm>
-      </p:grpSpPr>
-      <p:pic>
-        <p:nvPicPr>
-          <p:cNvPr id="4" name="Picture 3">
-            <a:extLst>
-              <a:ext uri="{FF2B5EF4-FFF2-40B4-BE49-F238E27FC236}">
-                <a16:creationId xmlns:a16="http://schemas.microsoft.com/office/drawing/2014/main" id="{07923A24-466A-29F2-6D37-F7A9FC922C51}"/>
+                <a16:creationId xmlns:a16="http://schemas.microsoft.com/office/drawing/2014/main" id="{FC57772D-60CC-C757-DA00-487FCA9E7412}"/>
               </a:ext>
             </a:extLst>
           </p:cNvPr>
@@ -6187,283 +11214,8 @@
         </p:blipFill>
         <p:spPr>
           <a:xfrm>
-            <a:off x="641927" y="2252869"/>
-            <a:ext cx="2032000" cy="2352261"/>
-          </a:xfrm>
-          <a:prstGeom prst="rect">
-            <a:avLst/>
-          </a:prstGeom>
-        </p:spPr>
-      </p:pic>
-      <p:sp>
-        <p:nvSpPr>
-          <p:cNvPr id="3" name="Content Placeholder 2">
-            <a:extLst>
-              <a:ext uri="{FF2B5EF4-FFF2-40B4-BE49-F238E27FC236}">
-                <a16:creationId xmlns:a16="http://schemas.microsoft.com/office/drawing/2014/main" id="{4EE4DF22-35E3-E520-9280-CCF576E15A29}"/>
-              </a:ext>
-            </a:extLst>
-          </p:cNvPr>
-          <p:cNvSpPr>
-            <a:spLocks noGrp="1"/>
-          </p:cNvSpPr>
-          <p:nvPr>
-            <p:ph idx="1"/>
-          </p:nvPr>
-        </p:nvSpPr>
-        <p:spPr/>
-        <p:txBody>
-          <a:bodyPr anchor="t">
-            <a:normAutofit/>
-          </a:bodyPr>
-          <a:lstStyle/>
-          <a:p>
-            <a:pPr marL="0" indent="0">
-              <a:buNone/>
-            </a:pPr>
-            <a:r>
-              <a:rPr lang="en-US" sz="3200" b="1" dirty="0"/>
-              <a:t>Geometric </a:t>
-            </a:r>
-          </a:p>
-          <a:p>
-            <a:pPr marL="0" indent="0">
-              <a:buNone/>
-            </a:pPr>
-            <a:r>
-              <a:rPr lang="en-US" sz="3200" b="1" dirty="0"/>
-              <a:t>Objects (</a:t>
-            </a:r>
-            <a:r>
-              <a:rPr lang="en-US" sz="3200" b="1" dirty="0" err="1">
-                <a:latin typeface="Courier" pitchFamily="2" charset="0"/>
-              </a:rPr>
-              <a:t>geom</a:t>
-            </a:r>
-            <a:r>
-              <a:rPr lang="en-US" sz="3200" b="1" dirty="0"/>
-              <a:t>)</a:t>
-            </a:r>
-          </a:p>
-          <a:p>
-            <a:r>
-              <a:rPr lang="en-US" sz="2800" dirty="0" err="1"/>
-              <a:t>Geom</a:t>
-            </a:r>
-            <a:r>
-              <a:rPr lang="en-US" sz="2800" dirty="0"/>
-              <a:t> identifies the marks to use </a:t>
-            </a:r>
-          </a:p>
-        </p:txBody>
-      </p:sp>
-      <p:pic>
-        <p:nvPicPr>
-          <p:cNvPr id="5" name="Picture 4" descr="Chart, scatter chart&#10;&#10;Description automatically generated">
-            <a:extLst>
-              <a:ext uri="{FF2B5EF4-FFF2-40B4-BE49-F238E27FC236}">
-                <a16:creationId xmlns:a16="http://schemas.microsoft.com/office/drawing/2014/main" id="{A6FEBCB1-7233-9666-B01D-5A3C090371A0}"/>
-              </a:ext>
-            </a:extLst>
-          </p:cNvPr>
-          <p:cNvPicPr>
-            <a:picLocks noChangeAspect="1"/>
-          </p:cNvPicPr>
-          <p:nvPr/>
-        </p:nvPicPr>
-        <p:blipFill>
-          <a:blip r:embed="rId3"/>
-          <a:stretch>
-            <a:fillRect/>
-          </a:stretch>
-        </p:blipFill>
-        <p:spPr>
-          <a:xfrm>
-            <a:off x="4863043" y="3518991"/>
-            <a:ext cx="5327650" cy="3262558"/>
-          </a:xfrm>
-          <a:prstGeom prst="rect">
-            <a:avLst/>
-          </a:prstGeom>
-        </p:spPr>
-      </p:pic>
-      <p:sp>
-        <p:nvSpPr>
-          <p:cNvPr id="11" name="Rectangle 10">
-            <a:extLst>
-              <a:ext uri="{FF2B5EF4-FFF2-40B4-BE49-F238E27FC236}">
-                <a16:creationId xmlns:a16="http://schemas.microsoft.com/office/drawing/2014/main" id="{AAE16C32-5DB4-6159-42DD-3B954CD2C29E}"/>
-              </a:ext>
-            </a:extLst>
-          </p:cNvPr>
-          <p:cNvSpPr/>
-          <p:nvPr/>
-        </p:nvSpPr>
-        <p:spPr>
-          <a:xfrm>
-            <a:off x="3225031" y="2580806"/>
-            <a:ext cx="8603673" cy="843622"/>
-          </a:xfrm>
-          <a:prstGeom prst="rect">
-            <a:avLst/>
-          </a:prstGeom>
-          <a:solidFill>
-            <a:schemeClr val="bg1">
-              <a:lumMod val="95000"/>
-            </a:schemeClr>
-          </a:solidFill>
-          <a:ln>
-            <a:noFill/>
-          </a:ln>
-        </p:spPr>
-        <p:style>
-          <a:lnRef idx="2">
-            <a:schemeClr val="accent4">
-              <a:shade val="50000"/>
-            </a:schemeClr>
-          </a:lnRef>
-          <a:fillRef idx="1">
-            <a:schemeClr val="accent4"/>
-          </a:fillRef>
-          <a:effectRef idx="0">
-            <a:schemeClr val="accent4"/>
-          </a:effectRef>
-          <a:fontRef idx="minor">
-            <a:schemeClr val="lt1"/>
-          </a:fontRef>
-        </p:style>
-        <p:txBody>
-          <a:bodyPr rtlCol="0" anchor="t"/>
-          <a:lstStyle/>
-          <a:p>
-            <a:r>
-              <a:rPr lang="en-US" sz="2000" dirty="0" err="1">
-                <a:solidFill>
-                  <a:schemeClr val="tx1"/>
-                </a:solidFill>
-                <a:latin typeface="Courier" pitchFamily="2" charset="0"/>
-              </a:rPr>
-              <a:t>ggplot</a:t>
-            </a:r>
-            <a:r>
-              <a:rPr lang="en-US" sz="2000" dirty="0">
-                <a:solidFill>
-                  <a:schemeClr val="tx1"/>
-                </a:solidFill>
-                <a:latin typeface="Courier" pitchFamily="2" charset="0"/>
-              </a:rPr>
-              <a:t>(iris, </a:t>
-            </a:r>
-            <a:r>
-              <a:rPr lang="en-US" sz="2000" dirty="0" err="1">
-                <a:solidFill>
-                  <a:schemeClr val="tx1"/>
-                </a:solidFill>
-                <a:latin typeface="Courier" pitchFamily="2" charset="0"/>
-              </a:rPr>
-              <a:t>aes</a:t>
-            </a:r>
-            <a:r>
-              <a:rPr lang="en-US" sz="2000" dirty="0">
-                <a:solidFill>
-                  <a:schemeClr val="tx1"/>
-                </a:solidFill>
-                <a:latin typeface="Courier" pitchFamily="2" charset="0"/>
-              </a:rPr>
-              <a:t>(x = </a:t>
-            </a:r>
-            <a:r>
-              <a:rPr lang="en-US" sz="2000" dirty="0" err="1">
-                <a:solidFill>
-                  <a:schemeClr val="tx1"/>
-                </a:solidFill>
-                <a:latin typeface="Courier" pitchFamily="2" charset="0"/>
-              </a:rPr>
-              <a:t>Sepal.Length</a:t>
-            </a:r>
-            <a:r>
-              <a:rPr lang="en-US" sz="2000" dirty="0">
-                <a:solidFill>
-                  <a:schemeClr val="tx1"/>
-                </a:solidFill>
-                <a:latin typeface="Courier" pitchFamily="2" charset="0"/>
-              </a:rPr>
-              <a:t>, y = </a:t>
-            </a:r>
-            <a:r>
-              <a:rPr lang="en-US" sz="2000" dirty="0" err="1">
-                <a:solidFill>
-                  <a:schemeClr val="tx1"/>
-                </a:solidFill>
-                <a:latin typeface="Courier" pitchFamily="2" charset="0"/>
-              </a:rPr>
-              <a:t>Petal.Length</a:t>
-            </a:r>
-            <a:r>
-              <a:rPr lang="en-US" sz="2000" dirty="0">
-                <a:solidFill>
-                  <a:schemeClr val="tx1"/>
-                </a:solidFill>
-                <a:latin typeface="Courier" pitchFamily="2" charset="0"/>
-              </a:rPr>
-              <a:t>)) +</a:t>
-            </a:r>
-          </a:p>
-          <a:p>
-            <a:r>
-              <a:rPr lang="en-US" sz="2000" dirty="0">
-                <a:solidFill>
-                  <a:schemeClr val="tx1"/>
-                </a:solidFill>
-                <a:latin typeface="Courier" pitchFamily="2" charset="0"/>
-              </a:rPr>
-              <a:t>	</a:t>
-            </a:r>
-            <a:r>
-              <a:rPr lang="en-US" sz="2000" dirty="0" err="1">
-                <a:solidFill>
-                  <a:schemeClr val="tx1"/>
-                </a:solidFill>
-                <a:latin typeface="Courier" pitchFamily="2" charset="0"/>
-              </a:rPr>
-              <a:t>geom_point</a:t>
-            </a:r>
-            <a:r>
-              <a:rPr lang="en-US" sz="2000" dirty="0">
-                <a:solidFill>
-                  <a:schemeClr val="tx1"/>
-                </a:solidFill>
-                <a:latin typeface="Courier" pitchFamily="2" charset="0"/>
-              </a:rPr>
-              <a:t>()</a:t>
-            </a:r>
-          </a:p>
-        </p:txBody>
-      </p:sp>
-      <p:pic>
-        <p:nvPicPr>
-          <p:cNvPr id="2" name="Picture 1" descr="A screenshot of a computer&#10;&#10;Description automatically generated">
-            <a:extLst>
-              <a:ext uri="{FF2B5EF4-FFF2-40B4-BE49-F238E27FC236}">
-                <a16:creationId xmlns:a16="http://schemas.microsoft.com/office/drawing/2014/main" id="{0FCAF8C3-8317-639D-9EF0-F21645493B2B}"/>
-              </a:ext>
-            </a:extLst>
-          </p:cNvPr>
-          <p:cNvPicPr>
-            <a:picLocks noChangeAspect="1"/>
-          </p:cNvPicPr>
-          <p:nvPr/>
-        </p:nvPicPr>
-        <p:blipFill>
-          <a:blip r:embed="rId4"/>
-          <a:stretch>
-            <a:fillRect/>
-          </a:stretch>
-        </p:blipFill>
-        <p:spPr>
-          <a:xfrm>
-            <a:off x="7055602" y="93210"/>
-            <a:ext cx="4517918" cy="1395621"/>
+            <a:off x="2209800" y="2718981"/>
+            <a:ext cx="7772400" cy="3974896"/>
           </a:xfrm>
           <a:prstGeom prst="rect">
             <a:avLst/>
@@ -6473,7 +11225,7 @@
     </p:spTree>
     <p:extLst>
       <p:ext uri="{BB962C8B-B14F-4D97-AF65-F5344CB8AC3E}">
-        <p14:creationId xmlns:p14="http://schemas.microsoft.com/office/powerpoint/2010/main" val="3894457053"/>
+        <p14:creationId xmlns:p14="http://schemas.microsoft.com/office/powerpoint/2010/main" val="1612322005"/>
       </p:ext>
     </p:extLst>
   </p:cSld>

--- a/slides/07-grammar-of-graphics-color.pptx
+++ b/slides/07-grammar-of-graphics-color.pptx
@@ -222,7 +222,7 @@
           <a:p>
             <a:fld id="{9C3DEDD4-2C78-554A-AEF5-E26038B7904F}" type="datetimeFigureOut">
               <a:rPr lang="en-US" smtClean="0"/>
-              <a:t>9/26/23</a:t>
+              <a:t>9/27/23</a:t>
             </a:fld>
             <a:endParaRPr lang="en-US"/>
           </a:p>
@@ -714,7 +714,7 @@
             <a:fld id="{5586B75A-687E-405C-8A0B-8D00578BA2C3}" type="datetimeFigureOut">
               <a:rPr lang="en-US" smtClean="0"/>
               <a:pPr/>
-              <a:t>9/26/23</a:t>
+              <a:t>9/27/23</a:t>
             </a:fld>
             <a:endParaRPr lang="en-US" dirty="0"/>
           </a:p>
@@ -886,7 +886,7 @@
             <a:fld id="{5586B75A-687E-405C-8A0B-8D00578BA2C3}" type="datetimeFigureOut">
               <a:rPr lang="en-US" smtClean="0"/>
               <a:pPr/>
-              <a:t>9/26/23</a:t>
+              <a:t>9/27/23</a:t>
             </a:fld>
             <a:endParaRPr lang="en-US" dirty="0"/>
           </a:p>
@@ -1068,7 +1068,7 @@
             <a:fld id="{5586B75A-687E-405C-8A0B-8D00578BA2C3}" type="datetimeFigureOut">
               <a:rPr lang="en-US" smtClean="0"/>
               <a:pPr/>
-              <a:t>9/26/23</a:t>
+              <a:t>9/27/23</a:t>
             </a:fld>
             <a:endParaRPr lang="en-US" dirty="0"/>
           </a:p>
@@ -1240,7 +1240,7 @@
             <a:fld id="{5586B75A-687E-405C-8A0B-8D00578BA2C3}" type="datetimeFigureOut">
               <a:rPr lang="en-US" smtClean="0"/>
               <a:pPr/>
-              <a:t>9/26/23</a:t>
+              <a:t>9/27/23</a:t>
             </a:fld>
             <a:endParaRPr lang="en-US" dirty="0"/>
           </a:p>
@@ -1496,7 +1496,7 @@
             <a:fld id="{5586B75A-687E-405C-8A0B-8D00578BA2C3}" type="datetimeFigureOut">
               <a:rPr lang="en-US" smtClean="0"/>
               <a:pPr/>
-              <a:t>9/26/23</a:t>
+              <a:t>9/27/23</a:t>
             </a:fld>
             <a:endParaRPr lang="en-US" dirty="0"/>
           </a:p>
@@ -1786,7 +1786,7 @@
             <a:fld id="{5586B75A-687E-405C-8A0B-8D00578BA2C3}" type="datetimeFigureOut">
               <a:rPr lang="en-US" smtClean="0"/>
               <a:pPr/>
-              <a:t>9/26/23</a:t>
+              <a:t>9/27/23</a:t>
             </a:fld>
             <a:endParaRPr lang="en-US" dirty="0"/>
           </a:p>
@@ -2230,7 +2230,7 @@
             <a:fld id="{5586B75A-687E-405C-8A0B-8D00578BA2C3}" type="datetimeFigureOut">
               <a:rPr lang="en-US" smtClean="0"/>
               <a:pPr/>
-              <a:t>9/26/23</a:t>
+              <a:t>9/27/23</a:t>
             </a:fld>
             <a:endParaRPr lang="en-US" dirty="0"/>
           </a:p>
@@ -2350,7 +2350,7 @@
             <a:fld id="{5586B75A-687E-405C-8A0B-8D00578BA2C3}" type="datetimeFigureOut">
               <a:rPr lang="en-US" smtClean="0"/>
               <a:pPr/>
-              <a:t>9/26/23</a:t>
+              <a:t>9/27/23</a:t>
             </a:fld>
             <a:endParaRPr lang="en-US" dirty="0"/>
           </a:p>
@@ -2447,7 +2447,7 @@
             <a:fld id="{5586B75A-687E-405C-8A0B-8D00578BA2C3}" type="datetimeFigureOut">
               <a:rPr lang="en-US" smtClean="0"/>
               <a:pPr/>
-              <a:t>9/26/23</a:t>
+              <a:t>9/27/23</a:t>
             </a:fld>
             <a:endParaRPr lang="en-US" dirty="0"/>
           </a:p>
@@ -2737,7 +2737,7 @@
             <a:fld id="{5586B75A-687E-405C-8A0B-8D00578BA2C3}" type="datetimeFigureOut">
               <a:rPr lang="en-US" smtClean="0"/>
               <a:pPr/>
-              <a:t>9/26/23</a:t>
+              <a:t>9/27/23</a:t>
             </a:fld>
             <a:endParaRPr lang="en-US" dirty="0"/>
           </a:p>
@@ -3012,7 +3012,7 @@
             <a:fld id="{5586B75A-687E-405C-8A0B-8D00578BA2C3}" type="datetimeFigureOut">
               <a:rPr lang="en-US" smtClean="0"/>
               <a:pPr/>
-              <a:t>9/26/23</a:t>
+              <a:t>9/27/23</a:t>
             </a:fld>
             <a:endParaRPr lang="en-US" dirty="0"/>
           </a:p>
@@ -3311,7 +3311,7 @@
             <a:fld id="{5586B75A-687E-405C-8A0B-8D00578BA2C3}" type="datetimeFigureOut">
               <a:rPr lang="en-US" smtClean="0"/>
               <a:pPr/>
-              <a:t>9/26/23</a:t>
+              <a:t>9/27/23</a:t>
             </a:fld>
             <a:endParaRPr lang="en-US" dirty="0"/>
           </a:p>
@@ -10128,22 +10128,31 @@
           <a:lstStyle/>
           <a:p>
             <a:r>
+              <a:rPr lang="en-US" sz="2400" dirty="0">
+                <a:solidFill>
+                  <a:schemeClr val="tx1"/>
+                </a:solidFill>
+                <a:latin typeface="Courier" pitchFamily="2" charset="0"/>
+              </a:rPr>
+              <a:t>housing &lt;- </a:t>
+            </a:r>
+            <a:r>
               <a:rPr lang="en-US" sz="2400" dirty="0" err="1">
                 <a:solidFill>
                   <a:schemeClr val="tx1"/>
                 </a:solidFill>
                 <a:latin typeface="Courier" pitchFamily="2" charset="0"/>
               </a:rPr>
-              <a:t>housing_ds</a:t>
-            </a:r>
-            <a:r>
-              <a:rPr lang="en-US" sz="2400" dirty="0">
-                <a:solidFill>
-                  <a:schemeClr val="tx1"/>
-                </a:solidFill>
-                <a:latin typeface="Courier" pitchFamily="2" charset="0"/>
-              </a:rPr>
-              <a:t> &lt;- </a:t>
+              <a:t>read_csv</a:t>
+            </a:r>
+            <a:r>
+              <a:rPr lang="en-US" sz="2400" dirty="0">
+                <a:solidFill>
+                  <a:schemeClr val="tx1"/>
+                </a:solidFill>
+                <a:latin typeface="Courier" pitchFamily="2" charset="0"/>
+              </a:rPr>
+              <a:t>(“</a:t>
             </a:r>
             <a:r>
               <a:rPr lang="en-US" sz="2400" dirty="0" err="1">
@@ -10152,24 +10161,6 @@
                 </a:solidFill>
                 <a:latin typeface="Courier" pitchFamily="2" charset="0"/>
               </a:rPr>
-              <a:t>read_csv</a:t>
-            </a:r>
-            <a:r>
-              <a:rPr lang="en-US" sz="2400" dirty="0">
-                <a:solidFill>
-                  <a:schemeClr val="tx1"/>
-                </a:solidFill>
-                <a:latin typeface="Courier" pitchFamily="2" charset="0"/>
-              </a:rPr>
-              <a:t>(“</a:t>
-            </a:r>
-            <a:r>
-              <a:rPr lang="en-US" sz="2400" dirty="0" err="1">
-                <a:solidFill>
-                  <a:schemeClr val="tx1"/>
-                </a:solidFill>
-                <a:latin typeface="Courier" pitchFamily="2" charset="0"/>
-              </a:rPr>
               <a:t>landdata-states.csv</a:t>
             </a:r>
             <a:r>
@@ -10190,25 +10181,7 @@
                 </a:solidFill>
                 <a:latin typeface="Courier" pitchFamily="2" charset="0"/>
               </a:rPr>
-              <a:t>glimpse(</a:t>
-            </a:r>
-            <a:r>
-              <a:rPr lang="en-US" sz="2400" dirty="0" err="1">
-                <a:solidFill>
-                  <a:schemeClr val="tx1"/>
-                </a:solidFill>
-                <a:latin typeface="Courier" pitchFamily="2" charset="0"/>
-              </a:rPr>
-              <a:t>housing_ds</a:t>
-            </a:r>
-            <a:r>
-              <a:rPr lang="en-US" sz="2400" dirty="0">
-                <a:solidFill>
-                  <a:schemeClr val="tx1"/>
-                </a:solidFill>
-                <a:latin typeface="Courier" pitchFamily="2" charset="0"/>
-              </a:rPr>
-              <a:t>)</a:t>
+              <a:t>glimpse(housing)</a:t>
             </a:r>
           </a:p>
         </p:txBody>
